--- a/experiments/02_forced_choice/images/items.pptx
+++ b/experiments/02_forced_choice/images/items.pptx
@@ -4,6 +4,9 @@
   <p:sldMasterIdLst>
     <p:sldMasterId id="2147483648" r:id="rId1"/>
   </p:sldMasterIdLst>
+  <p:notesMasterIdLst>
+    <p:notesMasterId r:id="rId53"/>
+  </p:notesMasterIdLst>
   <p:sldIdLst>
     <p:sldId id="319" r:id="rId2"/>
     <p:sldId id="320" r:id="rId3"/>
@@ -160,6 +163,440 @@
     </p:ext>
   </p:extLst>
 </p:presentation>
+</file>
+
+<file path=ppt/notesMasters/notesMaster1.xml><?xml version="1.0" encoding="utf-8"?>
+<p:notesMaster xmlns:a="http://schemas.openxmlformats.org/drawingml/2006/main" xmlns:r="http://schemas.openxmlformats.org/officeDocument/2006/relationships" xmlns:p="http://schemas.openxmlformats.org/presentationml/2006/main">
+  <p:cSld>
+    <p:bg>
+      <p:bgRef idx="1001">
+        <a:schemeClr val="bg1"/>
+      </p:bgRef>
+    </p:bg>
+    <p:spTree>
+      <p:nvGrpSpPr>
+        <p:cNvPr id="1" name=""/>
+        <p:cNvGrpSpPr/>
+        <p:nvPr/>
+      </p:nvGrpSpPr>
+      <p:grpSpPr>
+        <a:xfrm>
+          <a:off x="0" y="0"/>
+          <a:ext cx="0" cy="0"/>
+          <a:chOff x="0" y="0"/>
+          <a:chExt cx="0" cy="0"/>
+        </a:xfrm>
+      </p:grpSpPr>
+      <p:sp>
+        <p:nvSpPr>
+          <p:cNvPr id="2" name="Header Placeholder 1"/>
+          <p:cNvSpPr>
+            <a:spLocks noGrp="1"/>
+          </p:cNvSpPr>
+          <p:nvPr>
+            <p:ph type="hdr" sz="quarter"/>
+          </p:nvPr>
+        </p:nvSpPr>
+        <p:spPr>
+          <a:xfrm>
+            <a:off x="0" y="0"/>
+            <a:ext cx="2971800" cy="458788"/>
+          </a:xfrm>
+          <a:prstGeom prst="rect">
+            <a:avLst/>
+          </a:prstGeom>
+        </p:spPr>
+        <p:txBody>
+          <a:bodyPr vert="horz" lIns="91440" tIns="45720" rIns="91440" bIns="45720" rtlCol="0"/>
+          <a:lstStyle>
+            <a:lvl1pPr algn="l">
+              <a:defRPr sz="1200"/>
+            </a:lvl1pPr>
+          </a:lstStyle>
+          <a:p>
+            <a:endParaRPr lang="de-DE"/>
+          </a:p>
+        </p:txBody>
+      </p:sp>
+      <p:sp>
+        <p:nvSpPr>
+          <p:cNvPr id="3" name="Date Placeholder 2"/>
+          <p:cNvSpPr>
+            <a:spLocks noGrp="1"/>
+          </p:cNvSpPr>
+          <p:nvPr>
+            <p:ph type="dt" idx="1"/>
+          </p:nvPr>
+        </p:nvSpPr>
+        <p:spPr>
+          <a:xfrm>
+            <a:off x="3884613" y="0"/>
+            <a:ext cx="2971800" cy="458788"/>
+          </a:xfrm>
+          <a:prstGeom prst="rect">
+            <a:avLst/>
+          </a:prstGeom>
+        </p:spPr>
+        <p:txBody>
+          <a:bodyPr vert="horz" lIns="91440" tIns="45720" rIns="91440" bIns="45720" rtlCol="0"/>
+          <a:lstStyle>
+            <a:lvl1pPr algn="r">
+              <a:defRPr sz="1200"/>
+            </a:lvl1pPr>
+          </a:lstStyle>
+          <a:p>
+            <a:fld id="{22C25681-FCCF-1440-AC0A-42CC69BDB54B}" type="datetimeFigureOut">
+              <a:rPr lang="de-DE" smtClean="0"/>
+              <a:t>07.03.19</a:t>
+            </a:fld>
+            <a:endParaRPr lang="de-DE"/>
+          </a:p>
+        </p:txBody>
+      </p:sp>
+      <p:sp>
+        <p:nvSpPr>
+          <p:cNvPr id="4" name="Slide Image Placeholder 3"/>
+          <p:cNvSpPr>
+            <a:spLocks noGrp="1" noRot="1" noChangeAspect="1"/>
+          </p:cNvSpPr>
+          <p:nvPr>
+            <p:ph type="sldImg" idx="2"/>
+          </p:nvPr>
+        </p:nvSpPr>
+        <p:spPr>
+          <a:xfrm>
+            <a:off x="685800" y="1143000"/>
+            <a:ext cx="5486400" cy="3086100"/>
+          </a:xfrm>
+          <a:prstGeom prst="rect">
+            <a:avLst/>
+          </a:prstGeom>
+          <a:noFill/>
+          <a:ln w="12700">
+            <a:solidFill>
+              <a:prstClr val="black"/>
+            </a:solidFill>
+          </a:ln>
+        </p:spPr>
+        <p:txBody>
+          <a:bodyPr vert="horz" lIns="91440" tIns="45720" rIns="91440" bIns="45720" rtlCol="0" anchor="ctr"/>
+          <a:lstStyle/>
+          <a:p>
+            <a:endParaRPr lang="de-DE"/>
+          </a:p>
+        </p:txBody>
+      </p:sp>
+      <p:sp>
+        <p:nvSpPr>
+          <p:cNvPr id="5" name="Notes Placeholder 4"/>
+          <p:cNvSpPr>
+            <a:spLocks noGrp="1"/>
+          </p:cNvSpPr>
+          <p:nvPr>
+            <p:ph type="body" sz="quarter" idx="3"/>
+          </p:nvPr>
+        </p:nvSpPr>
+        <p:spPr>
+          <a:xfrm>
+            <a:off x="685800" y="4400550"/>
+            <a:ext cx="5486400" cy="3600450"/>
+          </a:xfrm>
+          <a:prstGeom prst="rect">
+            <a:avLst/>
+          </a:prstGeom>
+        </p:spPr>
+        <p:txBody>
+          <a:bodyPr vert="horz" lIns="91440" tIns="45720" rIns="91440" bIns="45720" rtlCol="0"/>
+          <a:lstStyle/>
+          <a:p>
+            <a:pPr lvl="0"/>
+            <a:r>
+              <a:rPr lang="en-US"/>
+              <a:t>Edit Master text styles</a:t>
+            </a:r>
+          </a:p>
+          <a:p>
+            <a:pPr lvl="1"/>
+            <a:r>
+              <a:rPr lang="en-US"/>
+              <a:t>Second level</a:t>
+            </a:r>
+          </a:p>
+          <a:p>
+            <a:pPr lvl="2"/>
+            <a:r>
+              <a:rPr lang="en-US"/>
+              <a:t>Third level</a:t>
+            </a:r>
+          </a:p>
+          <a:p>
+            <a:pPr lvl="3"/>
+            <a:r>
+              <a:rPr lang="en-US"/>
+              <a:t>Fourth level</a:t>
+            </a:r>
+          </a:p>
+          <a:p>
+            <a:pPr lvl="4"/>
+            <a:r>
+              <a:rPr lang="en-US"/>
+              <a:t>Fifth level</a:t>
+            </a:r>
+            <a:endParaRPr lang="de-DE"/>
+          </a:p>
+        </p:txBody>
+      </p:sp>
+      <p:sp>
+        <p:nvSpPr>
+          <p:cNvPr id="6" name="Footer Placeholder 5"/>
+          <p:cNvSpPr>
+            <a:spLocks noGrp="1"/>
+          </p:cNvSpPr>
+          <p:nvPr>
+            <p:ph type="ftr" sz="quarter" idx="4"/>
+          </p:nvPr>
+        </p:nvSpPr>
+        <p:spPr>
+          <a:xfrm>
+            <a:off x="0" y="8685213"/>
+            <a:ext cx="2971800" cy="458787"/>
+          </a:xfrm>
+          <a:prstGeom prst="rect">
+            <a:avLst/>
+          </a:prstGeom>
+        </p:spPr>
+        <p:txBody>
+          <a:bodyPr vert="horz" lIns="91440" tIns="45720" rIns="91440" bIns="45720" rtlCol="0" anchor="b"/>
+          <a:lstStyle>
+            <a:lvl1pPr algn="l">
+              <a:defRPr sz="1200"/>
+            </a:lvl1pPr>
+          </a:lstStyle>
+          <a:p>
+            <a:endParaRPr lang="de-DE"/>
+          </a:p>
+        </p:txBody>
+      </p:sp>
+      <p:sp>
+        <p:nvSpPr>
+          <p:cNvPr id="7" name="Slide Number Placeholder 6"/>
+          <p:cNvSpPr>
+            <a:spLocks noGrp="1"/>
+          </p:cNvSpPr>
+          <p:nvPr>
+            <p:ph type="sldNum" sz="quarter" idx="5"/>
+          </p:nvPr>
+        </p:nvSpPr>
+        <p:spPr>
+          <a:xfrm>
+            <a:off x="3884613" y="8685213"/>
+            <a:ext cx="2971800" cy="458787"/>
+          </a:xfrm>
+          <a:prstGeom prst="rect">
+            <a:avLst/>
+          </a:prstGeom>
+        </p:spPr>
+        <p:txBody>
+          <a:bodyPr vert="horz" lIns="91440" tIns="45720" rIns="91440" bIns="45720" rtlCol="0" anchor="b"/>
+          <a:lstStyle>
+            <a:lvl1pPr algn="r">
+              <a:defRPr sz="1200"/>
+            </a:lvl1pPr>
+          </a:lstStyle>
+          <a:p>
+            <a:fld id="{48EA92E9-48F7-5345-AFBD-FA4269ABE060}" type="slidenum">
+              <a:rPr lang="de-DE" smtClean="0"/>
+              <a:t>‹#›</a:t>
+            </a:fld>
+            <a:endParaRPr lang="de-DE"/>
+          </a:p>
+        </p:txBody>
+      </p:sp>
+    </p:spTree>
+    <p:extLst>
+      <p:ext uri="{BB962C8B-B14F-4D97-AF65-F5344CB8AC3E}">
+        <p14:creationId xmlns:p14="http://schemas.microsoft.com/office/powerpoint/2010/main" val="2880902952"/>
+      </p:ext>
+    </p:extLst>
+  </p:cSld>
+  <p:clrMap bg1="lt1" tx1="dk1" bg2="lt2" tx2="dk2" accent1="accent1" accent2="accent2" accent3="accent3" accent4="accent4" accent5="accent5" accent6="accent6" hlink="hlink" folHlink="folHlink"/>
+  <p:notesStyle>
+    <a:lvl1pPr marL="0" algn="l" defTabSz="914400" rtl="0" eaLnBrk="1" latinLnBrk="0" hangingPunct="1">
+      <a:defRPr sz="1200" kern="1200">
+        <a:solidFill>
+          <a:schemeClr val="tx1"/>
+        </a:solidFill>
+        <a:latin typeface="+mn-lt"/>
+        <a:ea typeface="+mn-ea"/>
+        <a:cs typeface="+mn-cs"/>
+      </a:defRPr>
+    </a:lvl1pPr>
+    <a:lvl2pPr marL="457200" algn="l" defTabSz="914400" rtl="0" eaLnBrk="1" latinLnBrk="0" hangingPunct="1">
+      <a:defRPr sz="1200" kern="1200">
+        <a:solidFill>
+          <a:schemeClr val="tx1"/>
+        </a:solidFill>
+        <a:latin typeface="+mn-lt"/>
+        <a:ea typeface="+mn-ea"/>
+        <a:cs typeface="+mn-cs"/>
+      </a:defRPr>
+    </a:lvl2pPr>
+    <a:lvl3pPr marL="914400" algn="l" defTabSz="914400" rtl="0" eaLnBrk="1" latinLnBrk="0" hangingPunct="1">
+      <a:defRPr sz="1200" kern="1200">
+        <a:solidFill>
+          <a:schemeClr val="tx1"/>
+        </a:solidFill>
+        <a:latin typeface="+mn-lt"/>
+        <a:ea typeface="+mn-ea"/>
+        <a:cs typeface="+mn-cs"/>
+      </a:defRPr>
+    </a:lvl3pPr>
+    <a:lvl4pPr marL="1371600" algn="l" defTabSz="914400" rtl="0" eaLnBrk="1" latinLnBrk="0" hangingPunct="1">
+      <a:defRPr sz="1200" kern="1200">
+        <a:solidFill>
+          <a:schemeClr val="tx1"/>
+        </a:solidFill>
+        <a:latin typeface="+mn-lt"/>
+        <a:ea typeface="+mn-ea"/>
+        <a:cs typeface="+mn-cs"/>
+      </a:defRPr>
+    </a:lvl4pPr>
+    <a:lvl5pPr marL="1828800" algn="l" defTabSz="914400" rtl="0" eaLnBrk="1" latinLnBrk="0" hangingPunct="1">
+      <a:defRPr sz="1200" kern="1200">
+        <a:solidFill>
+          <a:schemeClr val="tx1"/>
+        </a:solidFill>
+        <a:latin typeface="+mn-lt"/>
+        <a:ea typeface="+mn-ea"/>
+        <a:cs typeface="+mn-cs"/>
+      </a:defRPr>
+    </a:lvl5pPr>
+    <a:lvl6pPr marL="2286000" algn="l" defTabSz="914400" rtl="0" eaLnBrk="1" latinLnBrk="0" hangingPunct="1">
+      <a:defRPr sz="1200" kern="1200">
+        <a:solidFill>
+          <a:schemeClr val="tx1"/>
+        </a:solidFill>
+        <a:latin typeface="+mn-lt"/>
+        <a:ea typeface="+mn-ea"/>
+        <a:cs typeface="+mn-cs"/>
+      </a:defRPr>
+    </a:lvl6pPr>
+    <a:lvl7pPr marL="2743200" algn="l" defTabSz="914400" rtl="0" eaLnBrk="1" latinLnBrk="0" hangingPunct="1">
+      <a:defRPr sz="1200" kern="1200">
+        <a:solidFill>
+          <a:schemeClr val="tx1"/>
+        </a:solidFill>
+        <a:latin typeface="+mn-lt"/>
+        <a:ea typeface="+mn-ea"/>
+        <a:cs typeface="+mn-cs"/>
+      </a:defRPr>
+    </a:lvl7pPr>
+    <a:lvl8pPr marL="3200400" algn="l" defTabSz="914400" rtl="0" eaLnBrk="1" latinLnBrk="0" hangingPunct="1">
+      <a:defRPr sz="1200" kern="1200">
+        <a:solidFill>
+          <a:schemeClr val="tx1"/>
+        </a:solidFill>
+        <a:latin typeface="+mn-lt"/>
+        <a:ea typeface="+mn-ea"/>
+        <a:cs typeface="+mn-cs"/>
+      </a:defRPr>
+    </a:lvl8pPr>
+    <a:lvl9pPr marL="3657600" algn="l" defTabSz="914400" rtl="0" eaLnBrk="1" latinLnBrk="0" hangingPunct="1">
+      <a:defRPr sz="1200" kern="1200">
+        <a:solidFill>
+          <a:schemeClr val="tx1"/>
+        </a:solidFill>
+        <a:latin typeface="+mn-lt"/>
+        <a:ea typeface="+mn-ea"/>
+        <a:cs typeface="+mn-cs"/>
+      </a:defRPr>
+    </a:lvl9pPr>
+  </p:notesStyle>
+</p:notesMaster>
+</file>
+
+<file path=ppt/notesSlides/notesSlide1.xml><?xml version="1.0" encoding="utf-8"?>
+<p:notes xmlns:a="http://schemas.openxmlformats.org/drawingml/2006/main" xmlns:r="http://schemas.openxmlformats.org/officeDocument/2006/relationships" xmlns:p="http://schemas.openxmlformats.org/presentationml/2006/main">
+  <p:cSld>
+    <p:spTree>
+      <p:nvGrpSpPr>
+        <p:cNvPr id="1" name=""/>
+        <p:cNvGrpSpPr/>
+        <p:nvPr/>
+      </p:nvGrpSpPr>
+      <p:grpSpPr>
+        <a:xfrm>
+          <a:off x="0" y="0"/>
+          <a:ext cx="0" cy="0"/>
+          <a:chOff x="0" y="0"/>
+          <a:chExt cx="0" cy="0"/>
+        </a:xfrm>
+      </p:grpSpPr>
+      <p:sp>
+        <p:nvSpPr>
+          <p:cNvPr id="2" name="Slide Image Placeholder 1"/>
+          <p:cNvSpPr>
+            <a:spLocks noGrp="1" noRot="1" noChangeAspect="1"/>
+          </p:cNvSpPr>
+          <p:nvPr>
+            <p:ph type="sldImg"/>
+          </p:nvPr>
+        </p:nvSpPr>
+        <p:spPr/>
+      </p:sp>
+      <p:sp>
+        <p:nvSpPr>
+          <p:cNvPr id="3" name="Notes Placeholder 2"/>
+          <p:cNvSpPr>
+            <a:spLocks noGrp="1"/>
+          </p:cNvSpPr>
+          <p:nvPr>
+            <p:ph type="body" idx="1"/>
+          </p:nvPr>
+        </p:nvSpPr>
+        <p:spPr/>
+        <p:txBody>
+          <a:bodyPr/>
+          <a:lstStyle/>
+          <a:p>
+            <a:endParaRPr lang="de-DE"/>
+          </a:p>
+        </p:txBody>
+      </p:sp>
+      <p:sp>
+        <p:nvSpPr>
+          <p:cNvPr id="4" name="Slide Number Placeholder 3"/>
+          <p:cNvSpPr>
+            <a:spLocks noGrp="1"/>
+          </p:cNvSpPr>
+          <p:nvPr>
+            <p:ph type="sldNum" sz="quarter" idx="5"/>
+          </p:nvPr>
+        </p:nvSpPr>
+        <p:spPr/>
+        <p:txBody>
+          <a:bodyPr/>
+          <a:lstStyle/>
+          <a:p>
+            <a:fld id="{48EA92E9-48F7-5345-AFBD-FA4269ABE060}" type="slidenum">
+              <a:rPr lang="de-DE" smtClean="0"/>
+              <a:t>4</a:t>
+            </a:fld>
+            <a:endParaRPr lang="de-DE"/>
+          </a:p>
+        </p:txBody>
+      </p:sp>
+    </p:spTree>
+    <p:extLst>
+      <p:ext uri="{BB962C8B-B14F-4D97-AF65-F5344CB8AC3E}">
+        <p14:creationId xmlns:p14="http://schemas.microsoft.com/office/powerpoint/2010/main" val="4207210078"/>
+      </p:ext>
+    </p:extLst>
+  </p:cSld>
+  <p:clrMapOvr>
+    <a:masterClrMapping/>
+  </p:clrMapOvr>
+</p:notes>
 </file>
 
 <file path=ppt/slideLayouts/slideLayout1.xml><?xml version="1.0" encoding="utf-8"?>
@@ -3132,7 +3569,7 @@
         <p:spPr>
           <a:xfrm>
             <a:off x="806363" y="4995291"/>
-            <a:ext cx="8230777" cy="523220"/>
+            <a:ext cx="8230777" cy="1384995"/>
           </a:xfrm>
           <a:prstGeom prst="rect">
             <a:avLst/>
@@ -3150,6 +3587,34 @@
               <a:t>On the winning card five of the objects are ___</a:t>
             </a:r>
           </a:p>
+          <a:p>
+            <a:r>
+              <a:rPr lang="en-GB" sz="2800" dirty="0"/>
+              <a:t>Left: types: 5/4 </a:t>
+            </a:r>
+            <a:r>
+              <a:rPr lang="en-GB" sz="2800" dirty="0" err="1"/>
+              <a:t>Colors</a:t>
+            </a:r>
+            <a:r>
+              <a:rPr lang="en-GB" sz="2800" dirty="0"/>
+              <a:t>: 6/3</a:t>
+            </a:r>
+          </a:p>
+          <a:p>
+            <a:r>
+              <a:rPr lang="en-GB" sz="2800" dirty="0"/>
+              <a:t>Right: types: 6/3, </a:t>
+            </a:r>
+            <a:r>
+              <a:rPr lang="en-GB" sz="2800" dirty="0" err="1"/>
+              <a:t>colors</a:t>
+            </a:r>
+            <a:r>
+              <a:rPr lang="en-GB" sz="2800" dirty="0"/>
+              <a:t>: 5/4</a:t>
+            </a:r>
+          </a:p>
         </p:txBody>
       </p:sp>
       <p:pic>
@@ -3181,7 +3646,7 @@
         </p:blipFill>
         <p:spPr>
           <a:xfrm>
-            <a:off x="1787824" y="983378"/>
+            <a:off x="1745709" y="3123356"/>
             <a:ext cx="930306" cy="935533"/>
           </a:xfrm>
           <a:prstGeom prst="rect">
@@ -3228,7 +3693,7 @@
       </p:pic>
       <p:pic>
         <p:nvPicPr>
-          <p:cNvPr id="43" name="Picture 42"/>
+          <p:cNvPr id="80" name="Picture 79"/>
           <p:cNvPicPr>
             <a:picLocks noChangeAspect="1"/>
           </p:cNvPicPr>
@@ -3255,7 +3720,7 @@
         </p:blipFill>
         <p:spPr>
           <a:xfrm>
-            <a:off x="6965526" y="1966813"/>
+            <a:off x="3904212" y="823419"/>
             <a:ext cx="959274" cy="1012214"/>
           </a:xfrm>
           <a:prstGeom prst="rect">
@@ -3265,7 +3730,7 @@
       </p:pic>
       <p:pic>
         <p:nvPicPr>
-          <p:cNvPr id="52" name="Picture 51"/>
+          <p:cNvPr id="84" name="Picture 83"/>
           <p:cNvPicPr>
             <a:picLocks noChangeAspect="1"/>
           </p:cNvPicPr>
@@ -3275,195 +3740,10 @@
           <a:blip r:embed="rId3" cstate="print">
             <a:duotone>
               <a:prstClr val="black"/>
-              <a:srgbClr val="0099FF">
-                <a:tint val="45000"/>
-                <a:satMod val="400000"/>
-              </a:srgbClr>
-            </a:duotone>
-            <a:extLst>
-              <a:ext uri="{28A0092B-C50C-407E-A947-70E740481C1C}">
-                <a14:useLocalDpi xmlns:a14="http://schemas.microsoft.com/office/drawing/2010/main" val="0"/>
-              </a:ext>
-            </a:extLst>
-          </a:blip>
-          <a:stretch>
-            <a:fillRect/>
-          </a:stretch>
-        </p:blipFill>
-        <p:spPr>
-          <a:xfrm>
-            <a:off x="8077866" y="1966813"/>
-            <a:ext cx="959274" cy="1012214"/>
-          </a:xfrm>
-          <a:prstGeom prst="rect">
-            <a:avLst/>
-          </a:prstGeom>
-        </p:spPr>
-      </p:pic>
-      <p:pic>
-        <p:nvPicPr>
-          <p:cNvPr id="53" name="Picture 52"/>
-          <p:cNvPicPr>
-            <a:picLocks noChangeAspect="1"/>
-          </p:cNvPicPr>
-          <p:nvPr/>
-        </p:nvPicPr>
-        <p:blipFill>
-          <a:blip r:embed="rId3" cstate="print">
-            <a:duotone>
-              <a:prstClr val="black"/>
-              <a:srgbClr val="0099FF">
-                <a:tint val="45000"/>
-                <a:satMod val="400000"/>
-              </a:srgbClr>
-            </a:duotone>
-            <a:extLst>
-              <a:ext uri="{28A0092B-C50C-407E-A947-70E740481C1C}">
-                <a14:useLocalDpi xmlns:a14="http://schemas.microsoft.com/office/drawing/2010/main" val="0"/>
-              </a:ext>
-            </a:extLst>
-          </a:blip>
-          <a:stretch>
-            <a:fillRect/>
-          </a:stretch>
-        </p:blipFill>
-        <p:spPr>
-          <a:xfrm>
-            <a:off x="6965526" y="2989062"/>
-            <a:ext cx="959274" cy="1012214"/>
-          </a:xfrm>
-          <a:prstGeom prst="rect">
-            <a:avLst/>
-          </a:prstGeom>
-        </p:spPr>
-      </p:pic>
-      <p:pic>
-        <p:nvPicPr>
-          <p:cNvPr id="54" name="Picture 53"/>
-          <p:cNvPicPr>
-            <a:picLocks noChangeAspect="1"/>
-          </p:cNvPicPr>
-          <p:nvPr/>
-        </p:nvPicPr>
-        <p:blipFill>
-          <a:blip r:embed="rId3" cstate="print">
-            <a:duotone>
-              <a:prstClr val="black"/>
-              <a:srgbClr val="00FF00">
-                <a:tint val="45000"/>
-                <a:satMod val="400000"/>
-              </a:srgbClr>
-            </a:duotone>
-            <a:extLst>
-              <a:ext uri="{28A0092B-C50C-407E-A947-70E740481C1C}">
-                <a14:useLocalDpi xmlns:a14="http://schemas.microsoft.com/office/drawing/2010/main" val="0"/>
-              </a:ext>
-            </a:extLst>
-          </a:blip>
-          <a:stretch>
-            <a:fillRect/>
-          </a:stretch>
-        </p:blipFill>
-        <p:spPr>
-          <a:xfrm>
-            <a:off x="5851276" y="2989062"/>
-            <a:ext cx="959274" cy="1012214"/>
-          </a:xfrm>
-          <a:prstGeom prst="rect">
-            <a:avLst/>
-          </a:prstGeom>
-        </p:spPr>
-      </p:pic>
-      <p:pic>
-        <p:nvPicPr>
-          <p:cNvPr id="60" name="Picture 59"/>
-          <p:cNvPicPr>
-            <a:picLocks noChangeAspect="1"/>
-          </p:cNvPicPr>
-          <p:nvPr/>
-        </p:nvPicPr>
-        <p:blipFill>
-          <a:blip r:embed="rId3" cstate="print">
-            <a:duotone>
-              <a:prstClr val="black"/>
-              <a:srgbClr val="0099FF">
-                <a:tint val="45000"/>
-                <a:satMod val="400000"/>
-              </a:srgbClr>
-            </a:duotone>
-            <a:extLst>
-              <a:ext uri="{28A0092B-C50C-407E-A947-70E740481C1C}">
-                <a14:useLocalDpi xmlns:a14="http://schemas.microsoft.com/office/drawing/2010/main" val="0"/>
-              </a:ext>
-            </a:extLst>
-          </a:blip>
-          <a:stretch>
-            <a:fillRect/>
-          </a:stretch>
-        </p:blipFill>
-        <p:spPr>
-          <a:xfrm>
-            <a:off x="8077866" y="2989062"/>
-            <a:ext cx="959274" cy="1012214"/>
-          </a:xfrm>
-          <a:prstGeom prst="rect">
-            <a:avLst/>
-          </a:prstGeom>
-        </p:spPr>
-      </p:pic>
-      <p:pic>
-        <p:nvPicPr>
-          <p:cNvPr id="80" name="Picture 79"/>
-          <p:cNvPicPr>
-            <a:picLocks noChangeAspect="1"/>
-          </p:cNvPicPr>
-          <p:nvPr/>
-        </p:nvPicPr>
-        <p:blipFill>
-          <a:blip r:embed="rId3" cstate="print">
-            <a:duotone>
-              <a:prstClr val="black"/>
-              <a:srgbClr val="00FF00">
-                <a:tint val="45000"/>
-                <a:satMod val="400000"/>
-              </a:srgbClr>
-            </a:duotone>
-            <a:extLst>
-              <a:ext uri="{28A0092B-C50C-407E-A947-70E740481C1C}">
-                <a14:useLocalDpi xmlns:a14="http://schemas.microsoft.com/office/drawing/2010/main" val="0"/>
-              </a:ext>
-            </a:extLst>
-          </a:blip>
-          <a:stretch>
-            <a:fillRect/>
-          </a:stretch>
-        </p:blipFill>
-        <p:spPr>
-          <a:xfrm>
-            <a:off x="2753503" y="832649"/>
-            <a:ext cx="959274" cy="1012214"/>
-          </a:xfrm>
-          <a:prstGeom prst="rect">
-            <a:avLst/>
-          </a:prstGeom>
-        </p:spPr>
-      </p:pic>
-      <p:pic>
-        <p:nvPicPr>
-          <p:cNvPr id="84" name="Picture 83"/>
-          <p:cNvPicPr>
-            <a:picLocks noChangeAspect="1"/>
-          </p:cNvPicPr>
-          <p:nvPr/>
-        </p:nvPicPr>
-        <p:blipFill>
-          <a:blip r:embed="rId3" cstate="print">
-            <a:duotone>
-              <a:prstClr val="black"/>
-              <a:srgbClr val="0099FF">
-                <a:tint val="45000"/>
-                <a:satMod val="400000"/>
-              </a:srgbClr>
+              <a:schemeClr val="accent1">
+                <a:tint val="45000"/>
+                <a:satMod val="400000"/>
+              </a:schemeClr>
             </a:duotone>
             <a:extLst>
               <a:ext uri="{28A0092B-C50C-407E-A947-70E740481C1C}">
@@ -3497,10 +3777,10 @@
           <a:blip r:embed="rId3" cstate="print">
             <a:duotone>
               <a:prstClr val="black"/>
-              <a:srgbClr val="0099FF">
-                <a:tint val="45000"/>
-                <a:satMod val="400000"/>
-              </a:srgbClr>
+              <a:schemeClr val="accent1">
+                <a:tint val="45000"/>
+                <a:satMod val="400000"/>
+              </a:schemeClr>
             </a:duotone>
             <a:extLst>
               <a:ext uri="{28A0092B-C50C-407E-A947-70E740481C1C}">
@@ -3524,43 +3804,6 @@
       </p:pic>
       <p:pic>
         <p:nvPicPr>
-          <p:cNvPr id="87" name="Picture 86"/>
-          <p:cNvPicPr>
-            <a:picLocks noChangeAspect="1"/>
-          </p:cNvPicPr>
-          <p:nvPr/>
-        </p:nvPicPr>
-        <p:blipFill>
-          <a:blip r:embed="rId2">
-            <a:duotone>
-              <a:prstClr val="black"/>
-              <a:srgbClr val="00FF00">
-                <a:tint val="45000"/>
-                <a:satMod val="400000"/>
-              </a:srgbClr>
-            </a:duotone>
-            <a:extLst>
-              <a:ext uri="{28A0092B-C50C-407E-A947-70E740481C1C}">
-                <a14:useLocalDpi xmlns:a14="http://schemas.microsoft.com/office/drawing/2010/main" val="0"/>
-              </a:ext>
-            </a:extLst>
-          </a:blip>
-          <a:stretch>
-            <a:fillRect/>
-          </a:stretch>
-        </p:blipFill>
-        <p:spPr>
-          <a:xfrm>
-            <a:off x="1790297" y="2082076"/>
-            <a:ext cx="930306" cy="935533"/>
-          </a:xfrm>
-          <a:prstGeom prst="rect">
-            <a:avLst/>
-          </a:prstGeom>
-        </p:spPr>
-      </p:pic>
-      <p:pic>
-        <p:nvPicPr>
           <p:cNvPr id="88" name="Picture 87"/>
           <p:cNvPicPr>
             <a:picLocks noChangeAspect="1"/>
@@ -3662,7 +3905,7 @@
         </p:blipFill>
         <p:spPr>
           <a:xfrm>
-            <a:off x="1787824" y="3065743"/>
+            <a:off x="1745709" y="936730"/>
             <a:ext cx="930306" cy="935533"/>
           </a:xfrm>
           <a:prstGeom prst="rect">
@@ -3754,10 +3997,10 @@
           <a:blip r:embed="rId3" cstate="print">
             <a:duotone>
               <a:prstClr val="black"/>
-              <a:srgbClr val="0099FF">
-                <a:tint val="45000"/>
-                <a:satMod val="400000"/>
-              </a:srgbClr>
+              <a:schemeClr val="accent1">
+                <a:tint val="45000"/>
+                <a:satMod val="400000"/>
+              </a:schemeClr>
             </a:duotone>
             <a:extLst>
               <a:ext uri="{28A0092B-C50C-407E-A947-70E740481C1C}">
@@ -3797,10 +4040,10 @@
           <a:blip r:embed="rId3" cstate="print">
             <a:duotone>
               <a:prstClr val="black"/>
-              <a:srgbClr val="0099FF">
-                <a:tint val="45000"/>
-                <a:satMod val="400000"/>
-              </a:srgbClr>
+              <a:schemeClr val="accent1">
+                <a:tint val="45000"/>
+                <a:satMod val="400000"/>
+              </a:schemeClr>
             </a:duotone>
             <a:extLst>
               <a:ext uri="{28A0092B-C50C-407E-A947-70E740481C1C}">
@@ -3824,10 +4067,10 @@
       </p:pic>
       <p:pic>
         <p:nvPicPr>
-          <p:cNvPr id="27" name="Picture 26">
+          <p:cNvPr id="28" name="Picture 27">
             <a:extLst>
               <a:ext uri="{FF2B5EF4-FFF2-40B4-BE49-F238E27FC236}">
-                <a16:creationId xmlns:a16="http://schemas.microsoft.com/office/drawing/2014/main" id="{51633432-264B-4C47-AF6E-8C6F17519058}"/>
+                <a16:creationId xmlns:a16="http://schemas.microsoft.com/office/drawing/2014/main" id="{6B32F0FC-F88D-644C-A929-E01272BE01EE}"/>
               </a:ext>
             </a:extLst>
           </p:cNvPr>
@@ -3837,28 +4080,286 @@
           <p:nvPr/>
         </p:nvPicPr>
         <p:blipFill>
+          <a:blip r:embed="rId2">
+            <a:duotone>
+              <a:prstClr val="black"/>
+              <a:schemeClr val="accent1">
+                <a:tint val="45000"/>
+                <a:satMod val="400000"/>
+              </a:schemeClr>
+            </a:duotone>
+            <a:extLst>
+              <a:ext uri="{28A0092B-C50C-407E-A947-70E740481C1C}">
+                <a14:useLocalDpi xmlns:a14="http://schemas.microsoft.com/office/drawing/2010/main" val="0"/>
+              </a:ext>
+            </a:extLst>
+          </a:blip>
+          <a:stretch>
+            <a:fillRect/>
+          </a:stretch>
+        </p:blipFill>
+        <p:spPr>
+          <a:xfrm>
+            <a:off x="1738724" y="2081834"/>
+            <a:ext cx="930306" cy="935533"/>
+          </a:xfrm>
+          <a:prstGeom prst="rect">
+            <a:avLst/>
+          </a:prstGeom>
+        </p:spPr>
+      </p:pic>
+      <p:pic>
+        <p:nvPicPr>
+          <p:cNvPr id="29" name="Picture 28">
+            <a:extLst>
+              <a:ext uri="{FF2B5EF4-FFF2-40B4-BE49-F238E27FC236}">
+                <a16:creationId xmlns:a16="http://schemas.microsoft.com/office/drawing/2014/main" id="{78DEEAB3-E3D0-0643-8FBF-EEA399D9CA87}"/>
+              </a:ext>
+            </a:extLst>
+          </p:cNvPr>
+          <p:cNvPicPr>
+            <a:picLocks noChangeAspect="1"/>
+          </p:cNvPicPr>
+          <p:nvPr/>
+        </p:nvPicPr>
+        <p:blipFill>
+          <a:blip r:embed="rId2">
+            <a:duotone>
+              <a:prstClr val="black"/>
+              <a:srgbClr val="00FF00">
+                <a:tint val="45000"/>
+                <a:satMod val="400000"/>
+              </a:srgbClr>
+            </a:duotone>
+            <a:extLst>
+              <a:ext uri="{28A0092B-C50C-407E-A947-70E740481C1C}">
+                <a14:useLocalDpi xmlns:a14="http://schemas.microsoft.com/office/drawing/2010/main" val="0"/>
+              </a:ext>
+            </a:extLst>
+          </a:blip>
+          <a:stretch>
+            <a:fillRect/>
+          </a:stretch>
+        </p:blipFill>
+        <p:spPr>
+          <a:xfrm>
+            <a:off x="2903052" y="906455"/>
+            <a:ext cx="930306" cy="935533"/>
+          </a:xfrm>
+          <a:prstGeom prst="rect">
+            <a:avLst/>
+          </a:prstGeom>
+        </p:spPr>
+      </p:pic>
+      <p:pic>
+        <p:nvPicPr>
+          <p:cNvPr id="30" name="Picture 29">
+            <a:extLst>
+              <a:ext uri="{FF2B5EF4-FFF2-40B4-BE49-F238E27FC236}">
+                <a16:creationId xmlns:a16="http://schemas.microsoft.com/office/drawing/2014/main" id="{B8D54F3E-B85C-C342-A310-F011FF4E4313}"/>
+              </a:ext>
+            </a:extLst>
+          </p:cNvPr>
+          <p:cNvPicPr>
+            <a:picLocks noChangeAspect="1"/>
+          </p:cNvPicPr>
+          <p:nvPr/>
+        </p:nvPicPr>
+        <p:blipFill>
           <a:blip r:embed="rId3" cstate="print">
             <a:duotone>
               <a:prstClr val="black"/>
-              <a:srgbClr val="0099FF">
-                <a:tint val="45000"/>
-                <a:satMod val="400000"/>
-              </a:srgbClr>
-            </a:duotone>
-            <a:extLst>
-              <a:ext uri="{28A0092B-C50C-407E-A947-70E740481C1C}">
-                <a14:useLocalDpi xmlns:a14="http://schemas.microsoft.com/office/drawing/2010/main" val="0"/>
-              </a:ext>
-            </a:extLst>
-          </a:blip>
-          <a:stretch>
-            <a:fillRect/>
-          </a:stretch>
-        </p:blipFill>
-        <p:spPr>
-          <a:xfrm>
-            <a:off x="3925214" y="860049"/>
+              <a:schemeClr val="accent1">
+                <a:tint val="45000"/>
+                <a:satMod val="400000"/>
+              </a:schemeClr>
+            </a:duotone>
+            <a:extLst>
+              <a:ext uri="{28A0092B-C50C-407E-A947-70E740481C1C}">
+                <a14:useLocalDpi xmlns:a14="http://schemas.microsoft.com/office/drawing/2010/main" val="0"/>
+              </a:ext>
+            </a:extLst>
+          </a:blip>
+          <a:stretch>
+            <a:fillRect/>
+          </a:stretch>
+        </p:blipFill>
+        <p:spPr>
+          <a:xfrm>
+            <a:off x="8102524" y="1950887"/>
             <a:ext cx="959274" cy="1012214"/>
+          </a:xfrm>
+          <a:prstGeom prst="rect">
+            <a:avLst/>
+          </a:prstGeom>
+        </p:spPr>
+      </p:pic>
+      <p:pic>
+        <p:nvPicPr>
+          <p:cNvPr id="31" name="Picture 30">
+            <a:extLst>
+              <a:ext uri="{FF2B5EF4-FFF2-40B4-BE49-F238E27FC236}">
+                <a16:creationId xmlns:a16="http://schemas.microsoft.com/office/drawing/2014/main" id="{51A3AA41-4D5F-3841-B7C2-39593A0D3382}"/>
+              </a:ext>
+            </a:extLst>
+          </p:cNvPr>
+          <p:cNvPicPr>
+            <a:picLocks noChangeAspect="1"/>
+          </p:cNvPicPr>
+          <p:nvPr/>
+        </p:nvPicPr>
+        <p:blipFill>
+          <a:blip r:embed="rId3" cstate="print">
+            <a:duotone>
+              <a:prstClr val="black"/>
+              <a:schemeClr val="accent1">
+                <a:tint val="45000"/>
+                <a:satMod val="400000"/>
+              </a:schemeClr>
+            </a:duotone>
+            <a:extLst>
+              <a:ext uri="{28A0092B-C50C-407E-A947-70E740481C1C}">
+                <a14:useLocalDpi xmlns:a14="http://schemas.microsoft.com/office/drawing/2010/main" val="0"/>
+              </a:ext>
+            </a:extLst>
+          </a:blip>
+          <a:stretch>
+            <a:fillRect/>
+          </a:stretch>
+        </p:blipFill>
+        <p:spPr>
+          <a:xfrm>
+            <a:off x="6959886" y="3046675"/>
+            <a:ext cx="959274" cy="1012214"/>
+          </a:xfrm>
+          <a:prstGeom prst="rect">
+            <a:avLst/>
+          </a:prstGeom>
+        </p:spPr>
+      </p:pic>
+      <p:pic>
+        <p:nvPicPr>
+          <p:cNvPr id="33" name="Picture 32">
+            <a:extLst>
+              <a:ext uri="{FF2B5EF4-FFF2-40B4-BE49-F238E27FC236}">
+                <a16:creationId xmlns:a16="http://schemas.microsoft.com/office/drawing/2014/main" id="{B8AE6F0E-33E5-304F-A740-05EA6C4CD587}"/>
+              </a:ext>
+            </a:extLst>
+          </p:cNvPr>
+          <p:cNvPicPr>
+            <a:picLocks noChangeAspect="1"/>
+          </p:cNvPicPr>
+          <p:nvPr/>
+        </p:nvPicPr>
+        <p:blipFill>
+          <a:blip r:embed="rId3" cstate="print">
+            <a:duotone>
+              <a:prstClr val="black"/>
+              <a:schemeClr val="accent1">
+                <a:tint val="45000"/>
+                <a:satMod val="400000"/>
+              </a:schemeClr>
+            </a:duotone>
+            <a:extLst>
+              <a:ext uri="{28A0092B-C50C-407E-A947-70E740481C1C}">
+                <a14:useLocalDpi xmlns:a14="http://schemas.microsoft.com/office/drawing/2010/main" val="0"/>
+              </a:ext>
+            </a:extLst>
+          </a:blip>
+          <a:stretch>
+            <a:fillRect/>
+          </a:stretch>
+        </p:blipFill>
+        <p:spPr>
+          <a:xfrm>
+            <a:off x="8077866" y="3017367"/>
+            <a:ext cx="959274" cy="1012214"/>
+          </a:xfrm>
+          <a:prstGeom prst="rect">
+            <a:avLst/>
+          </a:prstGeom>
+        </p:spPr>
+      </p:pic>
+      <p:pic>
+        <p:nvPicPr>
+          <p:cNvPr id="34" name="Picture 33">
+            <a:extLst>
+              <a:ext uri="{FF2B5EF4-FFF2-40B4-BE49-F238E27FC236}">
+                <a16:creationId xmlns:a16="http://schemas.microsoft.com/office/drawing/2014/main" id="{A8E8F084-FCC2-EF4B-9752-6869C6E4AD8C}"/>
+              </a:ext>
+            </a:extLst>
+          </p:cNvPr>
+          <p:cNvPicPr>
+            <a:picLocks noChangeAspect="1"/>
+          </p:cNvPicPr>
+          <p:nvPr/>
+        </p:nvPicPr>
+        <p:blipFill>
+          <a:blip r:embed="rId3" cstate="print">
+            <a:duotone>
+              <a:prstClr val="black"/>
+              <a:schemeClr val="accent1">
+                <a:tint val="45000"/>
+                <a:satMod val="400000"/>
+              </a:schemeClr>
+            </a:duotone>
+            <a:extLst>
+              <a:ext uri="{28A0092B-C50C-407E-A947-70E740481C1C}">
+                <a14:useLocalDpi xmlns:a14="http://schemas.microsoft.com/office/drawing/2010/main" val="0"/>
+              </a:ext>
+            </a:extLst>
+          </a:blip>
+          <a:stretch>
+            <a:fillRect/>
+          </a:stretch>
+        </p:blipFill>
+        <p:spPr>
+          <a:xfrm>
+            <a:off x="6959886" y="1946234"/>
+            <a:ext cx="959274" cy="1012214"/>
+          </a:xfrm>
+          <a:prstGeom prst="rect">
+            <a:avLst/>
+          </a:prstGeom>
+        </p:spPr>
+      </p:pic>
+      <p:pic>
+        <p:nvPicPr>
+          <p:cNvPr id="35" name="Picture 34">
+            <a:extLst>
+              <a:ext uri="{FF2B5EF4-FFF2-40B4-BE49-F238E27FC236}">
+                <a16:creationId xmlns:a16="http://schemas.microsoft.com/office/drawing/2014/main" id="{0F116C2B-2F05-E94A-80CF-B9B0251BA51F}"/>
+              </a:ext>
+            </a:extLst>
+          </p:cNvPr>
+          <p:cNvPicPr>
+            <a:picLocks noChangeAspect="1"/>
+          </p:cNvPicPr>
+          <p:nvPr/>
+        </p:nvPicPr>
+        <p:blipFill>
+          <a:blip r:embed="rId2">
+            <a:duotone>
+              <a:prstClr val="black"/>
+              <a:schemeClr val="accent1">
+                <a:tint val="45000"/>
+                <a:satMod val="400000"/>
+              </a:schemeClr>
+            </a:duotone>
+            <a:extLst>
+              <a:ext uri="{28A0092B-C50C-407E-A947-70E740481C1C}">
+                <a14:useLocalDpi xmlns:a14="http://schemas.microsoft.com/office/drawing/2010/main" val="0"/>
+              </a:ext>
+            </a:extLst>
+          </a:blip>
+          <a:stretch>
+            <a:fillRect/>
+          </a:stretch>
+        </p:blipFill>
+        <p:spPr>
+          <a:xfrm>
+            <a:off x="5966200" y="3094833"/>
+            <a:ext cx="930306" cy="935533"/>
           </a:xfrm>
           <a:prstGeom prst="rect">
             <a:avLst/>
@@ -12799,35 +13300,6 @@
           </a:p>
         </p:txBody>
       </p:sp>
-      <p:sp>
-        <p:nvSpPr>
-          <p:cNvPr id="32" name="TextBox 31"/>
-          <p:cNvSpPr txBox="1"/>
-          <p:nvPr/>
-        </p:nvSpPr>
-        <p:spPr>
-          <a:xfrm>
-            <a:off x="806363" y="4995291"/>
-            <a:ext cx="8230777" cy="523220"/>
-          </a:xfrm>
-          <a:prstGeom prst="rect">
-            <a:avLst/>
-          </a:prstGeom>
-          <a:noFill/>
-        </p:spPr>
-        <p:txBody>
-          <a:bodyPr wrap="square" rtlCol="0">
-            <a:spAutoFit/>
-          </a:bodyPr>
-          <a:lstStyle/>
-          <a:p>
-            <a:r>
-              <a:rPr lang="en-GB" sz="2800" dirty="0"/>
-              <a:t>On the winning card two of the objects are ___</a:t>
-            </a:r>
-          </a:p>
-        </p:txBody>
-      </p:sp>
       <p:pic>
         <p:nvPicPr>
           <p:cNvPr id="48" name="Picture 47"/>
@@ -12867,43 +13339,6 @@
       </p:pic>
       <p:pic>
         <p:nvPicPr>
-          <p:cNvPr id="57" name="Picture 56"/>
-          <p:cNvPicPr>
-            <a:picLocks noChangeAspect="1"/>
-          </p:cNvPicPr>
-          <p:nvPr/>
-        </p:nvPicPr>
-        <p:blipFill>
-          <a:blip r:embed="rId3">
-            <a:duotone>
-              <a:prstClr val="black"/>
-              <a:srgbClr val="0099FF">
-                <a:tint val="45000"/>
-                <a:satMod val="400000"/>
-              </a:srgbClr>
-            </a:duotone>
-            <a:extLst>
-              <a:ext uri="{28A0092B-C50C-407E-A947-70E740481C1C}">
-                <a14:useLocalDpi xmlns:a14="http://schemas.microsoft.com/office/drawing/2010/main" val="0"/>
-              </a:ext>
-            </a:extLst>
-          </a:blip>
-          <a:stretch>
-            <a:fillRect/>
-          </a:stretch>
-        </p:blipFill>
-        <p:spPr>
-          <a:xfrm>
-            <a:off x="3864637" y="1826004"/>
-            <a:ext cx="924790" cy="1308855"/>
-          </a:xfrm>
-          <a:prstGeom prst="rect">
-            <a:avLst/>
-          </a:prstGeom>
-        </p:spPr>
-      </p:pic>
-      <p:pic>
-        <p:nvPicPr>
           <p:cNvPr id="58" name="Picture 57"/>
           <p:cNvPicPr>
             <a:picLocks noChangeAspect="1"/>
@@ -13042,44 +13477,7 @@
         </p:blipFill>
         <p:spPr>
           <a:xfrm>
-            <a:off x="2873709" y="2900013"/>
-            <a:ext cx="924790" cy="1308855"/>
-          </a:xfrm>
-          <a:prstGeom prst="rect">
-            <a:avLst/>
-          </a:prstGeom>
-        </p:spPr>
-      </p:pic>
-      <p:pic>
-        <p:nvPicPr>
-          <p:cNvPr id="64" name="Picture 63"/>
-          <p:cNvPicPr>
-            <a:picLocks noChangeAspect="1"/>
-          </p:cNvPicPr>
-          <p:nvPr/>
-        </p:nvPicPr>
-        <p:blipFill>
-          <a:blip r:embed="rId3">
-            <a:duotone>
-              <a:prstClr val="black"/>
-              <a:srgbClr val="0099FF">
-                <a:tint val="45000"/>
-                <a:satMod val="400000"/>
-              </a:srgbClr>
-            </a:duotone>
-            <a:extLst>
-              <a:ext uri="{28A0092B-C50C-407E-A947-70E740481C1C}">
-                <a14:useLocalDpi xmlns:a14="http://schemas.microsoft.com/office/drawing/2010/main" val="0"/>
-              </a:ext>
-            </a:extLst>
-          </a:blip>
-          <a:stretch>
-            <a:fillRect/>
-          </a:stretch>
-        </p:blipFill>
-        <p:spPr>
-          <a:xfrm>
-            <a:off x="3864637" y="2900013"/>
+            <a:off x="2859090" y="1826004"/>
             <a:ext cx="924790" cy="1308855"/>
           </a:xfrm>
           <a:prstGeom prst="rect">
@@ -13200,80 +13598,6 @@
       </p:pic>
       <p:pic>
         <p:nvPicPr>
-          <p:cNvPr id="72" name="Picture 71"/>
-          <p:cNvPicPr>
-            <a:picLocks noChangeAspect="1"/>
-          </p:cNvPicPr>
-          <p:nvPr/>
-        </p:nvPicPr>
-        <p:blipFill>
-          <a:blip r:embed="rId3">
-            <a:duotone>
-              <a:prstClr val="black"/>
-              <a:srgbClr val="0099FF">
-                <a:tint val="45000"/>
-                <a:satMod val="400000"/>
-              </a:srgbClr>
-            </a:duotone>
-            <a:extLst>
-              <a:ext uri="{28A0092B-C50C-407E-A947-70E740481C1C}">
-                <a14:useLocalDpi xmlns:a14="http://schemas.microsoft.com/office/drawing/2010/main" val="0"/>
-              </a:ext>
-            </a:extLst>
-          </a:blip>
-          <a:stretch>
-            <a:fillRect/>
-          </a:stretch>
-        </p:blipFill>
-        <p:spPr>
-          <a:xfrm>
-            <a:off x="6965581" y="2900013"/>
-            <a:ext cx="924790" cy="1308855"/>
-          </a:xfrm>
-          <a:prstGeom prst="rect">
-            <a:avLst/>
-          </a:prstGeom>
-        </p:spPr>
-      </p:pic>
-      <p:pic>
-        <p:nvPicPr>
-          <p:cNvPr id="73" name="Picture 72"/>
-          <p:cNvPicPr>
-            <a:picLocks noChangeAspect="1"/>
-          </p:cNvPicPr>
-          <p:nvPr/>
-        </p:nvPicPr>
-        <p:blipFill>
-          <a:blip r:embed="rId3">
-            <a:duotone>
-              <a:prstClr val="black"/>
-              <a:srgbClr val="0099FF">
-                <a:tint val="45000"/>
-                <a:satMod val="400000"/>
-              </a:srgbClr>
-            </a:duotone>
-            <a:extLst>
-              <a:ext uri="{28A0092B-C50C-407E-A947-70E740481C1C}">
-                <a14:useLocalDpi xmlns:a14="http://schemas.microsoft.com/office/drawing/2010/main" val="0"/>
-              </a:ext>
-            </a:extLst>
-          </a:blip>
-          <a:stretch>
-            <a:fillRect/>
-          </a:stretch>
-        </p:blipFill>
-        <p:spPr>
-          <a:xfrm>
-            <a:off x="7956509" y="2900013"/>
-            <a:ext cx="924790" cy="1308855"/>
-          </a:xfrm>
-          <a:prstGeom prst="rect">
-            <a:avLst/>
-          </a:prstGeom>
-        </p:spPr>
-      </p:pic>
-      <p:pic>
-        <p:nvPicPr>
           <p:cNvPr id="74" name="Picture 73"/>
           <p:cNvPicPr>
             <a:picLocks noChangeAspect="1"/>
@@ -13311,43 +13635,6 @@
       </p:pic>
       <p:pic>
         <p:nvPicPr>
-          <p:cNvPr id="75" name="Picture 74"/>
-          <p:cNvPicPr>
-            <a:picLocks noChangeAspect="1"/>
-          </p:cNvPicPr>
-          <p:nvPr/>
-        </p:nvPicPr>
-        <p:blipFill>
-          <a:blip r:embed="rId2" cstate="print">
-            <a:duotone>
-              <a:prstClr val="black"/>
-              <a:srgbClr val="0099FF">
-                <a:tint val="45000"/>
-                <a:satMod val="400000"/>
-              </a:srgbClr>
-            </a:duotone>
-            <a:extLst>
-              <a:ext uri="{28A0092B-C50C-407E-A947-70E740481C1C}">
-                <a14:useLocalDpi xmlns:a14="http://schemas.microsoft.com/office/drawing/2010/main" val="0"/>
-              </a:ext>
-            </a:extLst>
-          </a:blip>
-          <a:stretch>
-            <a:fillRect/>
-          </a:stretch>
-        </p:blipFill>
-        <p:spPr>
-          <a:xfrm>
-            <a:off x="2989614" y="1912259"/>
-            <a:ext cx="642752" cy="1137145"/>
-          </a:xfrm>
-          <a:prstGeom prst="rect">
-            <a:avLst/>
-          </a:prstGeom>
-        </p:spPr>
-      </p:pic>
-      <p:pic>
-        <p:nvPicPr>
           <p:cNvPr id="76" name="Picture 75"/>
           <p:cNvPicPr>
             <a:picLocks noChangeAspect="1"/>
@@ -13395,61 +13682,24 @@
           <a:blip r:embed="rId2" cstate="print">
             <a:duotone>
               <a:prstClr val="black"/>
-              <a:srgbClr val="0099FF">
-                <a:tint val="45000"/>
-                <a:satMod val="400000"/>
-              </a:srgbClr>
-            </a:duotone>
-            <a:extLst>
-              <a:ext uri="{28A0092B-C50C-407E-A947-70E740481C1C}">
-                <a14:useLocalDpi xmlns:a14="http://schemas.microsoft.com/office/drawing/2010/main" val="0"/>
-              </a:ext>
-            </a:extLst>
-          </a:blip>
-          <a:stretch>
-            <a:fillRect/>
-          </a:stretch>
-        </p:blipFill>
-        <p:spPr>
-          <a:xfrm>
-            <a:off x="7103261" y="1872473"/>
-            <a:ext cx="642752" cy="1137145"/>
-          </a:xfrm>
-          <a:prstGeom prst="rect">
-            <a:avLst/>
-          </a:prstGeom>
-        </p:spPr>
-      </p:pic>
-      <p:pic>
-        <p:nvPicPr>
-          <p:cNvPr id="79" name="Picture 78"/>
-          <p:cNvPicPr>
-            <a:picLocks noChangeAspect="1"/>
-          </p:cNvPicPr>
-          <p:nvPr/>
-        </p:nvPicPr>
-        <p:blipFill>
-          <a:blip r:embed="rId2" cstate="print">
-            <a:duotone>
-              <a:prstClr val="black"/>
-              <a:srgbClr val="0099FF">
-                <a:tint val="45000"/>
-                <a:satMod val="400000"/>
-              </a:srgbClr>
-            </a:duotone>
-            <a:extLst>
-              <a:ext uri="{28A0092B-C50C-407E-A947-70E740481C1C}">
-                <a14:useLocalDpi xmlns:a14="http://schemas.microsoft.com/office/drawing/2010/main" val="0"/>
-              </a:ext>
-            </a:extLst>
-          </a:blip>
-          <a:stretch>
-            <a:fillRect/>
-          </a:stretch>
-        </p:blipFill>
-        <p:spPr>
-          <a:xfrm>
-            <a:off x="8096283" y="1900069"/>
+              <a:srgbClr val="FFA0E4">
+                <a:tint val="45000"/>
+                <a:satMod val="400000"/>
+              </a:srgbClr>
+            </a:duotone>
+            <a:extLst>
+              <a:ext uri="{28A0092B-C50C-407E-A947-70E740481C1C}">
+                <a14:useLocalDpi xmlns:a14="http://schemas.microsoft.com/office/drawing/2010/main" val="0"/>
+              </a:ext>
+            </a:extLst>
+          </a:blip>
+          <a:stretch>
+            <a:fillRect/>
+          </a:stretch>
+        </p:blipFill>
+        <p:spPr>
+          <a:xfrm>
+            <a:off x="3972293" y="1998113"/>
             <a:ext cx="642752" cy="1137145"/>
           </a:xfrm>
           <a:prstGeom prst="rect">
@@ -13523,6 +13773,327 @@
           </a:p>
         </p:txBody>
       </p:sp>
+      <p:sp>
+        <p:nvSpPr>
+          <p:cNvPr id="25" name="TextBox 24">
+            <a:extLst>
+              <a:ext uri="{FF2B5EF4-FFF2-40B4-BE49-F238E27FC236}">
+                <a16:creationId xmlns:a16="http://schemas.microsoft.com/office/drawing/2014/main" id="{E78647DF-1C65-3F41-A036-5FF1820DE881}"/>
+              </a:ext>
+            </a:extLst>
+          </p:cNvPr>
+          <p:cNvSpPr txBox="1"/>
+          <p:nvPr/>
+        </p:nvSpPr>
+        <p:spPr>
+          <a:xfrm>
+            <a:off x="806363" y="4995291"/>
+            <a:ext cx="8230777" cy="1384995"/>
+          </a:xfrm>
+          <a:prstGeom prst="rect">
+            <a:avLst/>
+          </a:prstGeom>
+          <a:noFill/>
+        </p:spPr>
+        <p:txBody>
+          <a:bodyPr wrap="square" rtlCol="0">
+            <a:spAutoFit/>
+          </a:bodyPr>
+          <a:lstStyle/>
+          <a:p>
+            <a:r>
+              <a:rPr lang="en-GB" sz="2800" dirty="0"/>
+              <a:t>On the winning card five of the objects are ___</a:t>
+            </a:r>
+          </a:p>
+          <a:p>
+            <a:r>
+              <a:rPr lang="en-GB" sz="2800" dirty="0"/>
+              <a:t>Left: types: 5/4 </a:t>
+            </a:r>
+            <a:r>
+              <a:rPr lang="en-GB" sz="2800" dirty="0" err="1"/>
+              <a:t>Colors</a:t>
+            </a:r>
+            <a:r>
+              <a:rPr lang="en-GB" sz="2800" dirty="0"/>
+              <a:t>: 6/3</a:t>
+            </a:r>
+          </a:p>
+          <a:p>
+            <a:r>
+              <a:rPr lang="en-GB" sz="2800" dirty="0"/>
+              <a:t>Right: types: 6/3, </a:t>
+            </a:r>
+            <a:r>
+              <a:rPr lang="en-GB" sz="2800" dirty="0" err="1"/>
+              <a:t>colors</a:t>
+            </a:r>
+            <a:r>
+              <a:rPr lang="en-GB" sz="2800" dirty="0"/>
+              <a:t>: 5/4</a:t>
+            </a:r>
+          </a:p>
+        </p:txBody>
+      </p:sp>
+      <p:pic>
+        <p:nvPicPr>
+          <p:cNvPr id="26" name="Picture 25">
+            <a:extLst>
+              <a:ext uri="{FF2B5EF4-FFF2-40B4-BE49-F238E27FC236}">
+                <a16:creationId xmlns:a16="http://schemas.microsoft.com/office/drawing/2014/main" id="{87D61600-A0B1-8744-AE01-18A730525F17}"/>
+              </a:ext>
+            </a:extLst>
+          </p:cNvPr>
+          <p:cNvPicPr>
+            <a:picLocks noChangeAspect="1"/>
+          </p:cNvPicPr>
+          <p:nvPr/>
+        </p:nvPicPr>
+        <p:blipFill>
+          <a:blip r:embed="rId2" cstate="print">
+            <a:duotone>
+              <a:prstClr val="black"/>
+              <a:srgbClr val="FFA0E4">
+                <a:tint val="45000"/>
+                <a:satMod val="400000"/>
+              </a:srgbClr>
+            </a:duotone>
+            <a:extLst>
+              <a:ext uri="{28A0092B-C50C-407E-A947-70E740481C1C}">
+                <a14:useLocalDpi xmlns:a14="http://schemas.microsoft.com/office/drawing/2010/main" val="0"/>
+              </a:ext>
+            </a:extLst>
+          </a:blip>
+          <a:stretch>
+            <a:fillRect/>
+          </a:stretch>
+        </p:blipFill>
+        <p:spPr>
+          <a:xfrm>
+            <a:off x="2986823" y="3064887"/>
+            <a:ext cx="642752" cy="1137145"/>
+          </a:xfrm>
+          <a:prstGeom prst="rect">
+            <a:avLst/>
+          </a:prstGeom>
+        </p:spPr>
+      </p:pic>
+      <p:pic>
+        <p:nvPicPr>
+          <p:cNvPr id="27" name="Picture 26">
+            <a:extLst>
+              <a:ext uri="{FF2B5EF4-FFF2-40B4-BE49-F238E27FC236}">
+                <a16:creationId xmlns:a16="http://schemas.microsoft.com/office/drawing/2014/main" id="{E17BB776-D394-4A44-865B-0CA065DFBEAE}"/>
+              </a:ext>
+            </a:extLst>
+          </p:cNvPr>
+          <p:cNvPicPr>
+            <a:picLocks noChangeAspect="1"/>
+          </p:cNvPicPr>
+          <p:nvPr/>
+        </p:nvPicPr>
+        <p:blipFill>
+          <a:blip r:embed="rId2" cstate="print">
+            <a:duotone>
+              <a:prstClr val="black"/>
+              <a:srgbClr val="FFA0E4">
+                <a:tint val="45000"/>
+                <a:satMod val="400000"/>
+              </a:srgbClr>
+            </a:duotone>
+            <a:extLst>
+              <a:ext uri="{28A0092B-C50C-407E-A947-70E740481C1C}">
+                <a14:useLocalDpi xmlns:a14="http://schemas.microsoft.com/office/drawing/2010/main" val="0"/>
+              </a:ext>
+            </a:extLst>
+          </a:blip>
+          <a:stretch>
+            <a:fillRect/>
+          </a:stretch>
+        </p:blipFill>
+        <p:spPr>
+          <a:xfrm>
+            <a:off x="3939705" y="3064887"/>
+            <a:ext cx="642752" cy="1137145"/>
+          </a:xfrm>
+          <a:prstGeom prst="rect">
+            <a:avLst/>
+          </a:prstGeom>
+        </p:spPr>
+      </p:pic>
+      <p:pic>
+        <p:nvPicPr>
+          <p:cNvPr id="28" name="Picture 27">
+            <a:extLst>
+              <a:ext uri="{FF2B5EF4-FFF2-40B4-BE49-F238E27FC236}">
+                <a16:creationId xmlns:a16="http://schemas.microsoft.com/office/drawing/2014/main" id="{61ECE772-5B81-1642-9346-7907F9514AF5}"/>
+              </a:ext>
+            </a:extLst>
+          </p:cNvPr>
+          <p:cNvPicPr>
+            <a:picLocks noChangeAspect="1"/>
+          </p:cNvPicPr>
+          <p:nvPr/>
+        </p:nvPicPr>
+        <p:blipFill>
+          <a:blip r:embed="rId3">
+            <a:duotone>
+              <a:prstClr val="black"/>
+              <a:srgbClr val="FF99CC">
+                <a:tint val="45000"/>
+                <a:satMod val="400000"/>
+              </a:srgbClr>
+            </a:duotone>
+            <a:extLst>
+              <a:ext uri="{28A0092B-C50C-407E-A947-70E740481C1C}">
+                <a14:useLocalDpi xmlns:a14="http://schemas.microsoft.com/office/drawing/2010/main" val="0"/>
+              </a:ext>
+            </a:extLst>
+          </a:blip>
+          <a:stretch>
+            <a:fillRect/>
+          </a:stretch>
+        </p:blipFill>
+        <p:spPr>
+          <a:xfrm>
+            <a:off x="6923917" y="1848678"/>
+            <a:ext cx="924790" cy="1308855"/>
+          </a:xfrm>
+          <a:prstGeom prst="rect">
+            <a:avLst/>
+          </a:prstGeom>
+        </p:spPr>
+      </p:pic>
+      <p:pic>
+        <p:nvPicPr>
+          <p:cNvPr id="29" name="Picture 28">
+            <a:extLst>
+              <a:ext uri="{FF2B5EF4-FFF2-40B4-BE49-F238E27FC236}">
+                <a16:creationId xmlns:a16="http://schemas.microsoft.com/office/drawing/2014/main" id="{359493D6-4D8A-6A49-ADA4-1C863F9402FF}"/>
+              </a:ext>
+            </a:extLst>
+          </p:cNvPr>
+          <p:cNvPicPr>
+            <a:picLocks noChangeAspect="1"/>
+          </p:cNvPicPr>
+          <p:nvPr/>
+        </p:nvPicPr>
+        <p:blipFill>
+          <a:blip r:embed="rId3">
+            <a:duotone>
+              <a:prstClr val="black"/>
+              <a:srgbClr val="FF99CC">
+                <a:tint val="45000"/>
+                <a:satMod val="400000"/>
+              </a:srgbClr>
+            </a:duotone>
+            <a:extLst>
+              <a:ext uri="{28A0092B-C50C-407E-A947-70E740481C1C}">
+                <a14:useLocalDpi xmlns:a14="http://schemas.microsoft.com/office/drawing/2010/main" val="0"/>
+              </a:ext>
+            </a:extLst>
+          </a:blip>
+          <a:stretch>
+            <a:fillRect/>
+          </a:stretch>
+        </p:blipFill>
+        <p:spPr>
+          <a:xfrm>
+            <a:off x="6931595" y="2900013"/>
+            <a:ext cx="924790" cy="1308855"/>
+          </a:xfrm>
+          <a:prstGeom prst="rect">
+            <a:avLst/>
+          </a:prstGeom>
+        </p:spPr>
+      </p:pic>
+      <p:pic>
+        <p:nvPicPr>
+          <p:cNvPr id="30" name="Picture 29">
+            <a:extLst>
+              <a:ext uri="{FF2B5EF4-FFF2-40B4-BE49-F238E27FC236}">
+                <a16:creationId xmlns:a16="http://schemas.microsoft.com/office/drawing/2014/main" id="{036F19F8-60FC-C146-8DFA-5FBD40FEDB55}"/>
+              </a:ext>
+            </a:extLst>
+          </p:cNvPr>
+          <p:cNvPicPr>
+            <a:picLocks noChangeAspect="1"/>
+          </p:cNvPicPr>
+          <p:nvPr/>
+        </p:nvPicPr>
+        <p:blipFill>
+          <a:blip r:embed="rId2" cstate="print">
+            <a:duotone>
+              <a:prstClr val="black"/>
+              <a:srgbClr val="FFA0E4">
+                <a:tint val="45000"/>
+                <a:satMod val="400000"/>
+              </a:srgbClr>
+            </a:duotone>
+            <a:extLst>
+              <a:ext uri="{28A0092B-C50C-407E-A947-70E740481C1C}">
+                <a14:useLocalDpi xmlns:a14="http://schemas.microsoft.com/office/drawing/2010/main" val="0"/>
+              </a:ext>
+            </a:extLst>
+          </a:blip>
+          <a:stretch>
+            <a:fillRect/>
+          </a:stretch>
+        </p:blipFill>
+        <p:spPr>
+          <a:xfrm>
+            <a:off x="8083683" y="3001681"/>
+            <a:ext cx="642752" cy="1137145"/>
+          </a:xfrm>
+          <a:prstGeom prst="rect">
+            <a:avLst/>
+          </a:prstGeom>
+        </p:spPr>
+      </p:pic>
+      <p:pic>
+        <p:nvPicPr>
+          <p:cNvPr id="31" name="Picture 30">
+            <a:extLst>
+              <a:ext uri="{FF2B5EF4-FFF2-40B4-BE49-F238E27FC236}">
+                <a16:creationId xmlns:a16="http://schemas.microsoft.com/office/drawing/2014/main" id="{0AB689A9-55C6-2B47-8807-FFFAC6F249C0}"/>
+              </a:ext>
+            </a:extLst>
+          </p:cNvPr>
+          <p:cNvPicPr>
+            <a:picLocks noChangeAspect="1"/>
+          </p:cNvPicPr>
+          <p:nvPr/>
+        </p:nvPicPr>
+        <p:blipFill>
+          <a:blip r:embed="rId2" cstate="print">
+            <a:duotone>
+              <a:prstClr val="black"/>
+              <a:srgbClr val="0099FF">
+                <a:tint val="45000"/>
+                <a:satMod val="400000"/>
+              </a:srgbClr>
+            </a:duotone>
+            <a:extLst>
+              <a:ext uri="{28A0092B-C50C-407E-A947-70E740481C1C}">
+                <a14:useLocalDpi xmlns:a14="http://schemas.microsoft.com/office/drawing/2010/main" val="0"/>
+              </a:ext>
+            </a:extLst>
+          </a:blip>
+          <a:stretch>
+            <a:fillRect/>
+          </a:stretch>
+        </p:blipFill>
+        <p:spPr>
+          <a:xfrm>
+            <a:off x="8077296" y="1872471"/>
+            <a:ext cx="642752" cy="1137145"/>
+          </a:xfrm>
+          <a:prstGeom prst="rect">
+            <a:avLst/>
+          </a:prstGeom>
+        </p:spPr>
+      </p:pic>
     </p:spTree>
     <p:extLst>
       <p:ext uri="{BB962C8B-B14F-4D97-AF65-F5344CB8AC3E}">
@@ -21577,50 +22148,13 @@
           <a:p>
             <a:r>
               <a:rPr lang="en-GB" sz="2800" dirty="0"/>
-              <a:t>On the winning card two of the objects are ___</a:t>
+              <a:t>On the winning card five of the objects are ___</a:t>
             </a:r>
           </a:p>
         </p:txBody>
       </p:sp>
       <p:pic>
         <p:nvPicPr>
-          <p:cNvPr id="6" name="Picture 5"/>
-          <p:cNvPicPr>
-            <a:picLocks noChangeAspect="1"/>
-          </p:cNvPicPr>
-          <p:nvPr/>
-        </p:nvPicPr>
-        <p:blipFill>
-          <a:blip r:embed="rId2" cstate="print">
-            <a:duotone>
-              <a:prstClr val="black"/>
-              <a:srgbClr val="0099FF">
-                <a:tint val="45000"/>
-                <a:satMod val="400000"/>
-              </a:srgbClr>
-            </a:duotone>
-            <a:extLst>
-              <a:ext uri="{28A0092B-C50C-407E-A947-70E740481C1C}">
-                <a14:useLocalDpi xmlns:a14="http://schemas.microsoft.com/office/drawing/2010/main" val="0"/>
-              </a:ext>
-            </a:extLst>
-          </a:blip>
-          <a:stretch>
-            <a:fillRect/>
-          </a:stretch>
-        </p:blipFill>
-        <p:spPr>
-          <a:xfrm>
-            <a:off x="7009547" y="1961954"/>
-            <a:ext cx="926526" cy="990079"/>
-          </a:xfrm>
-          <a:prstGeom prst="rect">
-            <a:avLst/>
-          </a:prstGeom>
-        </p:spPr>
-      </p:pic>
-      <p:pic>
-        <p:nvPicPr>
           <p:cNvPr id="9" name="Picture 8"/>
           <p:cNvPicPr>
             <a:picLocks noChangeAspect="1"/>
@@ -21628,7 +22162,7 @@
           <p:nvPr/>
         </p:nvPicPr>
         <p:blipFill>
-          <a:blip r:embed="rId3">
+          <a:blip r:embed="rId2">
             <a:duotone>
               <a:prstClr val="black"/>
               <a:srgbClr val="FFFF00">
@@ -21665,7 +22199,7 @@
           <p:nvPr/>
         </p:nvPicPr>
         <p:blipFill>
-          <a:blip r:embed="rId3">
+          <a:blip r:embed="rId2">
             <a:duotone>
               <a:prstClr val="black"/>
               <a:srgbClr val="FFFF00">
@@ -21702,7 +22236,7 @@
           <p:nvPr/>
         </p:nvPicPr>
         <p:blipFill>
-          <a:blip r:embed="rId3">
+          <a:blip r:embed="rId2">
             <a:duotone>
               <a:prstClr val="black"/>
               <a:srgbClr val="0099FF">
@@ -21722,7 +22256,7 @@
         </p:blipFill>
         <p:spPr>
           <a:xfrm>
-            <a:off x="1746660" y="3158014"/>
+            <a:off x="2544728" y="840568"/>
             <a:ext cx="999875" cy="795920"/>
           </a:xfrm>
           <a:prstGeom prst="rect">
@@ -21732,14 +22266,14 @@
       </p:pic>
       <p:pic>
         <p:nvPicPr>
-          <p:cNvPr id="14" name="Picture 13"/>
-          <p:cNvPicPr>
-            <a:picLocks noChangeAspect="1"/>
-          </p:cNvPicPr>
-          <p:nvPr/>
-        </p:nvPicPr>
-        <p:blipFill>
-          <a:blip r:embed="rId3">
+          <p:cNvPr id="16" name="Picture 15"/>
+          <p:cNvPicPr>
+            <a:picLocks noChangeAspect="1"/>
+          </p:cNvPicPr>
+          <p:nvPr/>
+        </p:nvPicPr>
+        <p:blipFill>
+          <a:blip r:embed="rId2">
             <a:duotone>
               <a:prstClr val="black"/>
               <a:srgbClr val="0099FF">
@@ -21759,7 +22293,7 @@
         </p:blipFill>
         <p:spPr>
           <a:xfrm>
-            <a:off x="2811052" y="960054"/>
+            <a:off x="2919982" y="3278301"/>
             <a:ext cx="999875" cy="795920"/>
           </a:xfrm>
           <a:prstGeom prst="rect">
@@ -21769,413 +22303,6 @@
       </p:pic>
       <p:pic>
         <p:nvPicPr>
-          <p:cNvPr id="15" name="Picture 14"/>
-          <p:cNvPicPr>
-            <a:picLocks noChangeAspect="1"/>
-          </p:cNvPicPr>
-          <p:nvPr/>
-        </p:nvPicPr>
-        <p:blipFill>
-          <a:blip r:embed="rId3">
-            <a:duotone>
-              <a:prstClr val="black"/>
-              <a:srgbClr val="0099FF">
-                <a:tint val="45000"/>
-                <a:satMod val="400000"/>
-              </a:srgbClr>
-            </a:duotone>
-            <a:extLst>
-              <a:ext uri="{28A0092B-C50C-407E-A947-70E740481C1C}">
-                <a14:useLocalDpi xmlns:a14="http://schemas.microsoft.com/office/drawing/2010/main" val="0"/>
-              </a:ext>
-            </a:extLst>
-          </a:blip>
-          <a:stretch>
-            <a:fillRect/>
-          </a:stretch>
-        </p:blipFill>
-        <p:spPr>
-          <a:xfrm>
-            <a:off x="3875444" y="960054"/>
-            <a:ext cx="999875" cy="795920"/>
-          </a:xfrm>
-          <a:prstGeom prst="rect">
-            <a:avLst/>
-          </a:prstGeom>
-        </p:spPr>
-      </p:pic>
-      <p:pic>
-        <p:nvPicPr>
-          <p:cNvPr id="16" name="Picture 15"/>
-          <p:cNvPicPr>
-            <a:picLocks noChangeAspect="1"/>
-          </p:cNvPicPr>
-          <p:nvPr/>
-        </p:nvPicPr>
-        <p:blipFill>
-          <a:blip r:embed="rId3">
-            <a:duotone>
-              <a:prstClr val="black"/>
-              <a:srgbClr val="0099FF">
-                <a:tint val="45000"/>
-                <a:satMod val="400000"/>
-              </a:srgbClr>
-            </a:duotone>
-            <a:extLst>
-              <a:ext uri="{28A0092B-C50C-407E-A947-70E740481C1C}">
-                <a14:useLocalDpi xmlns:a14="http://schemas.microsoft.com/office/drawing/2010/main" val="0"/>
-              </a:ext>
-            </a:extLst>
-          </a:blip>
-          <a:stretch>
-            <a:fillRect/>
-          </a:stretch>
-        </p:blipFill>
-        <p:spPr>
-          <a:xfrm>
-            <a:off x="1746660" y="960054"/>
-            <a:ext cx="999875" cy="795920"/>
-          </a:xfrm>
-          <a:prstGeom prst="rect">
-            <a:avLst/>
-          </a:prstGeom>
-        </p:spPr>
-      </p:pic>
-      <p:pic>
-        <p:nvPicPr>
-          <p:cNvPr id="18" name="Picture 17"/>
-          <p:cNvPicPr>
-            <a:picLocks noChangeAspect="1"/>
-          </p:cNvPicPr>
-          <p:nvPr/>
-        </p:nvPicPr>
-        <p:blipFill>
-          <a:blip r:embed="rId3">
-            <a:duotone>
-              <a:prstClr val="black"/>
-              <a:srgbClr val="FFFF00">
-                <a:tint val="45000"/>
-                <a:satMod val="400000"/>
-              </a:srgbClr>
-            </a:duotone>
-            <a:extLst>
-              <a:ext uri="{28A0092B-C50C-407E-A947-70E740481C1C}">
-                <a14:useLocalDpi xmlns:a14="http://schemas.microsoft.com/office/drawing/2010/main" val="0"/>
-              </a:ext>
-            </a:extLst>
-          </a:blip>
-          <a:stretch>
-            <a:fillRect/>
-          </a:stretch>
-        </p:blipFill>
-        <p:spPr>
-          <a:xfrm>
-            <a:off x="8037265" y="2059034"/>
-            <a:ext cx="999875" cy="795920"/>
-          </a:xfrm>
-          <a:prstGeom prst="rect">
-            <a:avLst/>
-          </a:prstGeom>
-        </p:spPr>
-      </p:pic>
-      <p:pic>
-        <p:nvPicPr>
-          <p:cNvPr id="20" name="Picture 19"/>
-          <p:cNvPicPr>
-            <a:picLocks noChangeAspect="1"/>
-          </p:cNvPicPr>
-          <p:nvPr/>
-        </p:nvPicPr>
-        <p:blipFill>
-          <a:blip r:embed="rId3">
-            <a:duotone>
-              <a:prstClr val="black"/>
-              <a:srgbClr val="FFFF00">
-                <a:tint val="45000"/>
-                <a:satMod val="400000"/>
-              </a:srgbClr>
-            </a:duotone>
-            <a:extLst>
-              <a:ext uri="{28A0092B-C50C-407E-A947-70E740481C1C}">
-                <a14:useLocalDpi xmlns:a14="http://schemas.microsoft.com/office/drawing/2010/main" val="0"/>
-              </a:ext>
-            </a:extLst>
-          </a:blip>
-          <a:stretch>
-            <a:fillRect/>
-          </a:stretch>
-        </p:blipFill>
-        <p:spPr>
-          <a:xfrm>
-            <a:off x="6972873" y="3158014"/>
-            <a:ext cx="999875" cy="795920"/>
-          </a:xfrm>
-          <a:prstGeom prst="rect">
-            <a:avLst/>
-          </a:prstGeom>
-        </p:spPr>
-      </p:pic>
-      <p:pic>
-        <p:nvPicPr>
-          <p:cNvPr id="21" name="Picture 20"/>
-          <p:cNvPicPr>
-            <a:picLocks noChangeAspect="1"/>
-          </p:cNvPicPr>
-          <p:nvPr/>
-        </p:nvPicPr>
-        <p:blipFill>
-          <a:blip r:embed="rId3">
-            <a:duotone>
-              <a:prstClr val="black"/>
-              <a:srgbClr val="FFFF00">
-                <a:tint val="45000"/>
-                <a:satMod val="400000"/>
-              </a:srgbClr>
-            </a:duotone>
-            <a:extLst>
-              <a:ext uri="{28A0092B-C50C-407E-A947-70E740481C1C}">
-                <a14:useLocalDpi xmlns:a14="http://schemas.microsoft.com/office/drawing/2010/main" val="0"/>
-              </a:ext>
-            </a:extLst>
-          </a:blip>
-          <a:stretch>
-            <a:fillRect/>
-          </a:stretch>
-        </p:blipFill>
-        <p:spPr>
-          <a:xfrm>
-            <a:off x="8037265" y="3158014"/>
-            <a:ext cx="999875" cy="795920"/>
-          </a:xfrm>
-          <a:prstGeom prst="rect">
-            <a:avLst/>
-          </a:prstGeom>
-        </p:spPr>
-      </p:pic>
-      <p:pic>
-        <p:nvPicPr>
-          <p:cNvPr id="22" name="Picture 21"/>
-          <p:cNvPicPr>
-            <a:picLocks noChangeAspect="1"/>
-          </p:cNvPicPr>
-          <p:nvPr/>
-        </p:nvPicPr>
-        <p:blipFill>
-          <a:blip r:embed="rId3">
-            <a:duotone>
-              <a:prstClr val="black"/>
-              <a:srgbClr val="0099FF">
-                <a:tint val="45000"/>
-                <a:satMod val="400000"/>
-              </a:srgbClr>
-            </a:duotone>
-            <a:extLst>
-              <a:ext uri="{28A0092B-C50C-407E-A947-70E740481C1C}">
-                <a14:useLocalDpi xmlns:a14="http://schemas.microsoft.com/office/drawing/2010/main" val="0"/>
-              </a:ext>
-            </a:extLst>
-          </a:blip>
-          <a:stretch>
-            <a:fillRect/>
-          </a:stretch>
-        </p:blipFill>
-        <p:spPr>
-          <a:xfrm>
-            <a:off x="5908481" y="3158014"/>
-            <a:ext cx="999875" cy="795920"/>
-          </a:xfrm>
-          <a:prstGeom prst="rect">
-            <a:avLst/>
-          </a:prstGeom>
-        </p:spPr>
-      </p:pic>
-      <p:pic>
-        <p:nvPicPr>
-          <p:cNvPr id="23" name="Picture 22"/>
-          <p:cNvPicPr>
-            <a:picLocks noChangeAspect="1"/>
-          </p:cNvPicPr>
-          <p:nvPr/>
-        </p:nvPicPr>
-        <p:blipFill>
-          <a:blip r:embed="rId3">
-            <a:duotone>
-              <a:prstClr val="black"/>
-              <a:srgbClr val="0099FF">
-                <a:tint val="45000"/>
-                <a:satMod val="400000"/>
-              </a:srgbClr>
-            </a:duotone>
-            <a:extLst>
-              <a:ext uri="{28A0092B-C50C-407E-A947-70E740481C1C}">
-                <a14:useLocalDpi xmlns:a14="http://schemas.microsoft.com/office/drawing/2010/main" val="0"/>
-              </a:ext>
-            </a:extLst>
-          </a:blip>
-          <a:stretch>
-            <a:fillRect/>
-          </a:stretch>
-        </p:blipFill>
-        <p:spPr>
-          <a:xfrm>
-            <a:off x="6972873" y="960054"/>
-            <a:ext cx="999875" cy="795920"/>
-          </a:xfrm>
-          <a:prstGeom prst="rect">
-            <a:avLst/>
-          </a:prstGeom>
-        </p:spPr>
-      </p:pic>
-      <p:pic>
-        <p:nvPicPr>
-          <p:cNvPr id="24" name="Picture 23"/>
-          <p:cNvPicPr>
-            <a:picLocks noChangeAspect="1"/>
-          </p:cNvPicPr>
-          <p:nvPr/>
-        </p:nvPicPr>
-        <p:blipFill>
-          <a:blip r:embed="rId3">
-            <a:duotone>
-              <a:prstClr val="black"/>
-              <a:srgbClr val="0099FF">
-                <a:tint val="45000"/>
-                <a:satMod val="400000"/>
-              </a:srgbClr>
-            </a:duotone>
-            <a:extLst>
-              <a:ext uri="{28A0092B-C50C-407E-A947-70E740481C1C}">
-                <a14:useLocalDpi xmlns:a14="http://schemas.microsoft.com/office/drawing/2010/main" val="0"/>
-              </a:ext>
-            </a:extLst>
-          </a:blip>
-          <a:stretch>
-            <a:fillRect/>
-          </a:stretch>
-        </p:blipFill>
-        <p:spPr>
-          <a:xfrm>
-            <a:off x="8037265" y="960054"/>
-            <a:ext cx="999875" cy="795920"/>
-          </a:xfrm>
-          <a:prstGeom prst="rect">
-            <a:avLst/>
-          </a:prstGeom>
-        </p:spPr>
-      </p:pic>
-      <p:pic>
-        <p:nvPicPr>
-          <p:cNvPr id="25" name="Picture 24"/>
-          <p:cNvPicPr>
-            <a:picLocks noChangeAspect="1"/>
-          </p:cNvPicPr>
-          <p:nvPr/>
-        </p:nvPicPr>
-        <p:blipFill>
-          <a:blip r:embed="rId3">
-            <a:duotone>
-              <a:prstClr val="black"/>
-              <a:srgbClr val="0099FF">
-                <a:tint val="45000"/>
-                <a:satMod val="400000"/>
-              </a:srgbClr>
-            </a:duotone>
-            <a:extLst>
-              <a:ext uri="{28A0092B-C50C-407E-A947-70E740481C1C}">
-                <a14:useLocalDpi xmlns:a14="http://schemas.microsoft.com/office/drawing/2010/main" val="0"/>
-              </a:ext>
-            </a:extLst>
-          </a:blip>
-          <a:stretch>
-            <a:fillRect/>
-          </a:stretch>
-        </p:blipFill>
-        <p:spPr>
-          <a:xfrm>
-            <a:off x="5908481" y="960054"/>
-            <a:ext cx="999875" cy="795920"/>
-          </a:xfrm>
-          <a:prstGeom prst="rect">
-            <a:avLst/>
-          </a:prstGeom>
-        </p:spPr>
-      </p:pic>
-      <p:pic>
-        <p:nvPicPr>
-          <p:cNvPr id="26" name="Picture 25"/>
-          <p:cNvPicPr>
-            <a:picLocks noChangeAspect="1"/>
-          </p:cNvPicPr>
-          <p:nvPr/>
-        </p:nvPicPr>
-        <p:blipFill>
-          <a:blip r:embed="rId2" cstate="print">
-            <a:duotone>
-              <a:prstClr val="black"/>
-              <a:srgbClr val="0099FF">
-                <a:tint val="45000"/>
-                <a:satMod val="400000"/>
-              </a:srgbClr>
-            </a:duotone>
-            <a:extLst>
-              <a:ext uri="{28A0092B-C50C-407E-A947-70E740481C1C}">
-                <a14:useLocalDpi xmlns:a14="http://schemas.microsoft.com/office/drawing/2010/main" val="0"/>
-              </a:ext>
-            </a:extLst>
-          </a:blip>
-          <a:stretch>
-            <a:fillRect/>
-          </a:stretch>
-        </p:blipFill>
-        <p:spPr>
-          <a:xfrm>
-            <a:off x="5945155" y="1961953"/>
-            <a:ext cx="926526" cy="990079"/>
-          </a:xfrm>
-          <a:prstGeom prst="rect">
-            <a:avLst/>
-          </a:prstGeom>
-        </p:spPr>
-      </p:pic>
-      <p:pic>
-        <p:nvPicPr>
-          <p:cNvPr id="27" name="Picture 26"/>
-          <p:cNvPicPr>
-            <a:picLocks noChangeAspect="1"/>
-          </p:cNvPicPr>
-          <p:nvPr/>
-        </p:nvPicPr>
-        <p:blipFill>
-          <a:blip r:embed="rId2" cstate="print">
-            <a:duotone>
-              <a:prstClr val="black"/>
-              <a:srgbClr val="0099FF">
-                <a:tint val="45000"/>
-                <a:satMod val="400000"/>
-              </a:srgbClr>
-            </a:duotone>
-            <a:extLst>
-              <a:ext uri="{28A0092B-C50C-407E-A947-70E740481C1C}">
-                <a14:useLocalDpi xmlns:a14="http://schemas.microsoft.com/office/drawing/2010/main" val="0"/>
-              </a:ext>
-            </a:extLst>
-          </a:blip>
-          <a:stretch>
-            <a:fillRect/>
-          </a:stretch>
-        </p:blipFill>
-        <p:spPr>
-          <a:xfrm>
-            <a:off x="2847726" y="1961954"/>
-            <a:ext cx="926526" cy="990079"/>
-          </a:xfrm>
-          <a:prstGeom prst="rect">
-            <a:avLst/>
-          </a:prstGeom>
-        </p:spPr>
-      </p:pic>
-      <p:pic>
-        <p:nvPicPr>
           <p:cNvPr id="28" name="Picture 27"/>
           <p:cNvPicPr>
             <a:picLocks noChangeAspect="1"/>
@@ -22183,7 +22310,7 @@
           <p:nvPr/>
         </p:nvPicPr>
         <p:blipFill>
-          <a:blip r:embed="rId2" cstate="print">
+          <a:blip r:embed="rId3" cstate="print">
             <a:duotone>
               <a:prstClr val="black"/>
               <a:srgbClr val="0099FF">
@@ -22220,7 +22347,7 @@
           <p:nvPr/>
         </p:nvPicPr>
         <p:blipFill>
-          <a:blip r:embed="rId2" cstate="print">
+          <a:blip r:embed="rId3" cstate="print">
             <a:duotone>
               <a:prstClr val="black"/>
               <a:srgbClr val="0099FF">
@@ -22240,7 +22367,7 @@
         </p:blipFill>
         <p:spPr>
           <a:xfrm>
-            <a:off x="2847726" y="3060934"/>
+            <a:off x="1634558" y="840568"/>
             <a:ext cx="926526" cy="990079"/>
           </a:xfrm>
           <a:prstGeom prst="rect">
@@ -22277,6 +22404,522 @@
           </a:p>
         </p:txBody>
       </p:sp>
+      <p:pic>
+        <p:nvPicPr>
+          <p:cNvPr id="31" name="Picture 30">
+            <a:extLst>
+              <a:ext uri="{FF2B5EF4-FFF2-40B4-BE49-F238E27FC236}">
+                <a16:creationId xmlns:a16="http://schemas.microsoft.com/office/drawing/2014/main" id="{59672952-1B15-5846-863A-B9906AEAEDAD}"/>
+              </a:ext>
+            </a:extLst>
+          </p:cNvPr>
+          <p:cNvPicPr>
+            <a:picLocks noChangeAspect="1"/>
+          </p:cNvPicPr>
+          <p:nvPr/>
+        </p:nvPicPr>
+        <p:blipFill>
+          <a:blip r:embed="rId3" cstate="print">
+            <a:duotone>
+              <a:prstClr val="black"/>
+              <a:srgbClr val="FFFF69">
+                <a:tint val="45000"/>
+                <a:satMod val="400000"/>
+              </a:srgbClr>
+            </a:duotone>
+            <a:extLst>
+              <a:ext uri="{28A0092B-C50C-407E-A947-70E740481C1C}">
+                <a14:useLocalDpi xmlns:a14="http://schemas.microsoft.com/office/drawing/2010/main" val="0"/>
+              </a:ext>
+            </a:extLst>
+          </a:blip>
+          <a:stretch>
+            <a:fillRect/>
+          </a:stretch>
+        </p:blipFill>
+        <p:spPr>
+          <a:xfrm>
+            <a:off x="1783334" y="3059570"/>
+            <a:ext cx="926526" cy="990079"/>
+          </a:xfrm>
+          <a:prstGeom prst="rect">
+            <a:avLst/>
+          </a:prstGeom>
+        </p:spPr>
+      </p:pic>
+      <p:pic>
+        <p:nvPicPr>
+          <p:cNvPr id="33" name="Picture 32">
+            <a:extLst>
+              <a:ext uri="{FF2B5EF4-FFF2-40B4-BE49-F238E27FC236}">
+                <a16:creationId xmlns:a16="http://schemas.microsoft.com/office/drawing/2014/main" id="{E668E223-1CE4-EB46-B11A-B2C86084EE91}"/>
+              </a:ext>
+            </a:extLst>
+          </p:cNvPr>
+          <p:cNvPicPr>
+            <a:picLocks noChangeAspect="1"/>
+          </p:cNvPicPr>
+          <p:nvPr/>
+        </p:nvPicPr>
+        <p:blipFill>
+          <a:blip r:embed="rId2">
+            <a:duotone>
+              <a:prstClr val="black"/>
+              <a:srgbClr val="FFFF00">
+                <a:tint val="45000"/>
+                <a:satMod val="400000"/>
+              </a:srgbClr>
+            </a:duotone>
+            <a:extLst>
+              <a:ext uri="{28A0092B-C50C-407E-A947-70E740481C1C}">
+                <a14:useLocalDpi xmlns:a14="http://schemas.microsoft.com/office/drawing/2010/main" val="0"/>
+              </a:ext>
+            </a:extLst>
+          </a:blip>
+          <a:stretch>
+            <a:fillRect/>
+          </a:stretch>
+        </p:blipFill>
+        <p:spPr>
+          <a:xfrm>
+            <a:off x="3770742" y="895254"/>
+            <a:ext cx="999875" cy="795920"/>
+          </a:xfrm>
+          <a:prstGeom prst="rect">
+            <a:avLst/>
+          </a:prstGeom>
+        </p:spPr>
+      </p:pic>
+      <p:pic>
+        <p:nvPicPr>
+          <p:cNvPr id="34" name="Picture 33">
+            <a:extLst>
+              <a:ext uri="{FF2B5EF4-FFF2-40B4-BE49-F238E27FC236}">
+                <a16:creationId xmlns:a16="http://schemas.microsoft.com/office/drawing/2014/main" id="{0BDFAB36-8C5A-2843-964B-69DD8CCDF999}"/>
+              </a:ext>
+            </a:extLst>
+          </p:cNvPr>
+          <p:cNvPicPr>
+            <a:picLocks noChangeAspect="1"/>
+          </p:cNvPicPr>
+          <p:nvPr/>
+        </p:nvPicPr>
+        <p:blipFill>
+          <a:blip r:embed="rId2">
+            <a:duotone>
+              <a:prstClr val="black"/>
+              <a:srgbClr val="0099FF">
+                <a:tint val="45000"/>
+                <a:satMod val="400000"/>
+              </a:srgbClr>
+            </a:duotone>
+            <a:extLst>
+              <a:ext uri="{28A0092B-C50C-407E-A947-70E740481C1C}">
+                <a14:useLocalDpi xmlns:a14="http://schemas.microsoft.com/office/drawing/2010/main" val="0"/>
+              </a:ext>
+            </a:extLst>
+          </a:blip>
+          <a:stretch>
+            <a:fillRect/>
+          </a:stretch>
+        </p:blipFill>
+        <p:spPr>
+          <a:xfrm>
+            <a:off x="2746535" y="2064303"/>
+            <a:ext cx="999875" cy="795920"/>
+          </a:xfrm>
+          <a:prstGeom prst="rect">
+            <a:avLst/>
+          </a:prstGeom>
+        </p:spPr>
+      </p:pic>
+      <p:pic>
+        <p:nvPicPr>
+          <p:cNvPr id="35" name="Picture 34">
+            <a:extLst>
+              <a:ext uri="{FF2B5EF4-FFF2-40B4-BE49-F238E27FC236}">
+                <a16:creationId xmlns:a16="http://schemas.microsoft.com/office/drawing/2014/main" id="{285FD5DA-19FA-E943-A785-E020471B41E1}"/>
+              </a:ext>
+            </a:extLst>
+          </p:cNvPr>
+          <p:cNvPicPr>
+            <a:picLocks noChangeAspect="1"/>
+          </p:cNvPicPr>
+          <p:nvPr/>
+        </p:nvPicPr>
+        <p:blipFill>
+          <a:blip r:embed="rId2">
+            <a:duotone>
+              <a:prstClr val="black"/>
+              <a:srgbClr val="FFFF00">
+                <a:tint val="45000"/>
+                <a:satMod val="400000"/>
+              </a:srgbClr>
+            </a:duotone>
+            <a:extLst>
+              <a:ext uri="{28A0092B-C50C-407E-A947-70E740481C1C}">
+                <a14:useLocalDpi xmlns:a14="http://schemas.microsoft.com/office/drawing/2010/main" val="0"/>
+              </a:ext>
+            </a:extLst>
+          </a:blip>
+          <a:stretch>
+            <a:fillRect/>
+          </a:stretch>
+        </p:blipFill>
+        <p:spPr>
+          <a:xfrm>
+            <a:off x="8058838" y="2113720"/>
+            <a:ext cx="999875" cy="795920"/>
+          </a:xfrm>
+          <a:prstGeom prst="rect">
+            <a:avLst/>
+          </a:prstGeom>
+        </p:spPr>
+      </p:pic>
+      <p:pic>
+        <p:nvPicPr>
+          <p:cNvPr id="36" name="Picture 35">
+            <a:extLst>
+              <a:ext uri="{FF2B5EF4-FFF2-40B4-BE49-F238E27FC236}">
+                <a16:creationId xmlns:a16="http://schemas.microsoft.com/office/drawing/2014/main" id="{13EE5A02-317F-1640-B7CD-A4A6423113ED}"/>
+              </a:ext>
+            </a:extLst>
+          </p:cNvPr>
+          <p:cNvPicPr>
+            <a:picLocks noChangeAspect="1"/>
+          </p:cNvPicPr>
+          <p:nvPr/>
+        </p:nvPicPr>
+        <p:blipFill>
+          <a:blip r:embed="rId2">
+            <a:duotone>
+              <a:prstClr val="black"/>
+              <a:srgbClr val="FFFF00">
+                <a:tint val="45000"/>
+                <a:satMod val="400000"/>
+              </a:srgbClr>
+            </a:duotone>
+            <a:extLst>
+              <a:ext uri="{28A0092B-C50C-407E-A947-70E740481C1C}">
+                <a14:useLocalDpi xmlns:a14="http://schemas.microsoft.com/office/drawing/2010/main" val="0"/>
+              </a:ext>
+            </a:extLst>
+          </a:blip>
+          <a:stretch>
+            <a:fillRect/>
+          </a:stretch>
+        </p:blipFill>
+        <p:spPr>
+          <a:xfrm>
+            <a:off x="8058838" y="3212700"/>
+            <a:ext cx="999875" cy="795920"/>
+          </a:xfrm>
+          <a:prstGeom prst="rect">
+            <a:avLst/>
+          </a:prstGeom>
+        </p:spPr>
+      </p:pic>
+      <p:pic>
+        <p:nvPicPr>
+          <p:cNvPr id="38" name="Picture 37">
+            <a:extLst>
+              <a:ext uri="{FF2B5EF4-FFF2-40B4-BE49-F238E27FC236}">
+                <a16:creationId xmlns:a16="http://schemas.microsoft.com/office/drawing/2014/main" id="{7B945914-1B08-A64D-93E6-FDE94C8C397D}"/>
+              </a:ext>
+            </a:extLst>
+          </p:cNvPr>
+          <p:cNvPicPr>
+            <a:picLocks noChangeAspect="1"/>
+          </p:cNvPicPr>
+          <p:nvPr/>
+        </p:nvPicPr>
+        <p:blipFill>
+          <a:blip r:embed="rId2">
+            <a:duotone>
+              <a:prstClr val="black"/>
+              <a:srgbClr val="0099FF">
+                <a:tint val="45000"/>
+                <a:satMod val="400000"/>
+              </a:srgbClr>
+            </a:duotone>
+            <a:extLst>
+              <a:ext uri="{28A0092B-C50C-407E-A947-70E740481C1C}">
+                <a14:useLocalDpi xmlns:a14="http://schemas.microsoft.com/office/drawing/2010/main" val="0"/>
+              </a:ext>
+            </a:extLst>
+          </a:blip>
+          <a:stretch>
+            <a:fillRect/>
+          </a:stretch>
+        </p:blipFill>
+        <p:spPr>
+          <a:xfrm>
+            <a:off x="7103376" y="3332987"/>
+            <a:ext cx="999875" cy="795920"/>
+          </a:xfrm>
+          <a:prstGeom prst="rect">
+            <a:avLst/>
+          </a:prstGeom>
+        </p:spPr>
+      </p:pic>
+      <p:pic>
+        <p:nvPicPr>
+          <p:cNvPr id="39" name="Picture 38">
+            <a:extLst>
+              <a:ext uri="{FF2B5EF4-FFF2-40B4-BE49-F238E27FC236}">
+                <a16:creationId xmlns:a16="http://schemas.microsoft.com/office/drawing/2014/main" id="{EDA14D89-BBE1-C743-A9AB-E458E5530DE3}"/>
+              </a:ext>
+            </a:extLst>
+          </p:cNvPr>
+          <p:cNvPicPr>
+            <a:picLocks noChangeAspect="1"/>
+          </p:cNvPicPr>
+          <p:nvPr/>
+        </p:nvPicPr>
+        <p:blipFill>
+          <a:blip r:embed="rId3" cstate="print">
+            <a:duotone>
+              <a:prstClr val="black"/>
+              <a:srgbClr val="0099FF">
+                <a:tint val="45000"/>
+                <a:satMod val="400000"/>
+              </a:srgbClr>
+            </a:duotone>
+            <a:extLst>
+              <a:ext uri="{28A0092B-C50C-407E-A947-70E740481C1C}">
+                <a14:useLocalDpi xmlns:a14="http://schemas.microsoft.com/office/drawing/2010/main" val="0"/>
+              </a:ext>
+            </a:extLst>
+          </a:blip>
+          <a:stretch>
+            <a:fillRect/>
+          </a:stretch>
+        </p:blipFill>
+        <p:spPr>
+          <a:xfrm>
+            <a:off x="5966728" y="2016639"/>
+            <a:ext cx="926526" cy="990079"/>
+          </a:xfrm>
+          <a:prstGeom prst="rect">
+            <a:avLst/>
+          </a:prstGeom>
+        </p:spPr>
+      </p:pic>
+      <p:pic>
+        <p:nvPicPr>
+          <p:cNvPr id="40" name="Picture 39">
+            <a:extLst>
+              <a:ext uri="{FF2B5EF4-FFF2-40B4-BE49-F238E27FC236}">
+                <a16:creationId xmlns:a16="http://schemas.microsoft.com/office/drawing/2014/main" id="{1466A311-4FFE-6D44-A0E8-E323C9A1F6F9}"/>
+              </a:ext>
+            </a:extLst>
+          </p:cNvPr>
+          <p:cNvPicPr>
+            <a:picLocks noChangeAspect="1"/>
+          </p:cNvPicPr>
+          <p:nvPr/>
+        </p:nvPicPr>
+        <p:blipFill>
+          <a:blip r:embed="rId3" cstate="print">
+            <a:duotone>
+              <a:prstClr val="black"/>
+              <a:srgbClr val="0099FF">
+                <a:tint val="45000"/>
+                <a:satMod val="400000"/>
+              </a:srgbClr>
+            </a:duotone>
+            <a:extLst>
+              <a:ext uri="{28A0092B-C50C-407E-A947-70E740481C1C}">
+                <a14:useLocalDpi xmlns:a14="http://schemas.microsoft.com/office/drawing/2010/main" val="0"/>
+              </a:ext>
+            </a:extLst>
+          </a:blip>
+          <a:stretch>
+            <a:fillRect/>
+          </a:stretch>
+        </p:blipFill>
+        <p:spPr>
+          <a:xfrm>
+            <a:off x="5817952" y="895254"/>
+            <a:ext cx="926526" cy="990079"/>
+          </a:xfrm>
+          <a:prstGeom prst="rect">
+            <a:avLst/>
+          </a:prstGeom>
+        </p:spPr>
+      </p:pic>
+      <p:pic>
+        <p:nvPicPr>
+          <p:cNvPr id="42" name="Picture 41">
+            <a:extLst>
+              <a:ext uri="{FF2B5EF4-FFF2-40B4-BE49-F238E27FC236}">
+                <a16:creationId xmlns:a16="http://schemas.microsoft.com/office/drawing/2014/main" id="{822EE7C4-6B19-3349-AF53-69D4B32A652D}"/>
+              </a:ext>
+            </a:extLst>
+          </p:cNvPr>
+          <p:cNvPicPr>
+            <a:picLocks noChangeAspect="1"/>
+          </p:cNvPicPr>
+          <p:nvPr/>
+        </p:nvPicPr>
+        <p:blipFill>
+          <a:blip r:embed="rId2">
+            <a:duotone>
+              <a:prstClr val="black"/>
+              <a:srgbClr val="FFFF00">
+                <a:tint val="45000"/>
+                <a:satMod val="400000"/>
+              </a:srgbClr>
+            </a:duotone>
+            <a:extLst>
+              <a:ext uri="{28A0092B-C50C-407E-A947-70E740481C1C}">
+                <a14:useLocalDpi xmlns:a14="http://schemas.microsoft.com/office/drawing/2010/main" val="0"/>
+              </a:ext>
+            </a:extLst>
+          </a:blip>
+          <a:stretch>
+            <a:fillRect/>
+          </a:stretch>
+        </p:blipFill>
+        <p:spPr>
+          <a:xfrm>
+            <a:off x="7968359" y="948652"/>
+            <a:ext cx="999875" cy="795920"/>
+          </a:xfrm>
+          <a:prstGeom prst="rect">
+            <a:avLst/>
+          </a:prstGeom>
+        </p:spPr>
+      </p:pic>
+      <p:pic>
+        <p:nvPicPr>
+          <p:cNvPr id="43" name="Picture 42">
+            <a:extLst>
+              <a:ext uri="{FF2B5EF4-FFF2-40B4-BE49-F238E27FC236}">
+                <a16:creationId xmlns:a16="http://schemas.microsoft.com/office/drawing/2014/main" id="{97C7C494-DC52-464E-9B65-D00C84395DEE}"/>
+              </a:ext>
+            </a:extLst>
+          </p:cNvPr>
+          <p:cNvPicPr>
+            <a:picLocks noChangeAspect="1"/>
+          </p:cNvPicPr>
+          <p:nvPr/>
+        </p:nvPicPr>
+        <p:blipFill>
+          <a:blip r:embed="rId2">
+            <a:duotone>
+              <a:prstClr val="black"/>
+              <a:srgbClr val="0099FF">
+                <a:tint val="45000"/>
+                <a:satMod val="400000"/>
+              </a:srgbClr>
+            </a:duotone>
+            <a:extLst>
+              <a:ext uri="{28A0092B-C50C-407E-A947-70E740481C1C}">
+                <a14:useLocalDpi xmlns:a14="http://schemas.microsoft.com/office/drawing/2010/main" val="0"/>
+              </a:ext>
+            </a:extLst>
+          </a:blip>
+          <a:stretch>
+            <a:fillRect/>
+          </a:stretch>
+        </p:blipFill>
+        <p:spPr>
+          <a:xfrm>
+            <a:off x="6929929" y="2118989"/>
+            <a:ext cx="999875" cy="795920"/>
+          </a:xfrm>
+          <a:prstGeom prst="rect">
+            <a:avLst/>
+          </a:prstGeom>
+        </p:spPr>
+      </p:pic>
+      <p:pic>
+        <p:nvPicPr>
+          <p:cNvPr id="44" name="Picture 43">
+            <a:extLst>
+              <a:ext uri="{FF2B5EF4-FFF2-40B4-BE49-F238E27FC236}">
+                <a16:creationId xmlns:a16="http://schemas.microsoft.com/office/drawing/2014/main" id="{0C3ED1BF-0484-DA4A-8887-F28C3BC6E383}"/>
+              </a:ext>
+            </a:extLst>
+          </p:cNvPr>
+          <p:cNvPicPr>
+            <a:picLocks noChangeAspect="1"/>
+          </p:cNvPicPr>
+          <p:nvPr/>
+        </p:nvPicPr>
+        <p:blipFill>
+          <a:blip r:embed="rId3" cstate="print">
+            <a:duotone>
+              <a:prstClr val="black"/>
+              <a:srgbClr val="0099FF">
+                <a:tint val="45000"/>
+                <a:satMod val="400000"/>
+              </a:srgbClr>
+            </a:duotone>
+            <a:extLst>
+              <a:ext uri="{28A0092B-C50C-407E-A947-70E740481C1C}">
+                <a14:useLocalDpi xmlns:a14="http://schemas.microsoft.com/office/drawing/2010/main" val="0"/>
+              </a:ext>
+            </a:extLst>
+          </a:blip>
+          <a:stretch>
+            <a:fillRect/>
+          </a:stretch>
+        </p:blipFill>
+        <p:spPr>
+          <a:xfrm>
+            <a:off x="5922655" y="3060934"/>
+            <a:ext cx="926526" cy="990079"/>
+          </a:xfrm>
+          <a:prstGeom prst="rect">
+            <a:avLst/>
+          </a:prstGeom>
+        </p:spPr>
+      </p:pic>
+      <p:pic>
+        <p:nvPicPr>
+          <p:cNvPr id="45" name="Picture 44">
+            <a:extLst>
+              <a:ext uri="{FF2B5EF4-FFF2-40B4-BE49-F238E27FC236}">
+                <a16:creationId xmlns:a16="http://schemas.microsoft.com/office/drawing/2014/main" id="{48CE27B0-47E7-5B48-8948-86B66D68DC00}"/>
+              </a:ext>
+            </a:extLst>
+          </p:cNvPr>
+          <p:cNvPicPr>
+            <a:picLocks noChangeAspect="1"/>
+          </p:cNvPicPr>
+          <p:nvPr/>
+        </p:nvPicPr>
+        <p:blipFill>
+          <a:blip r:embed="rId3" cstate="print">
+            <a:duotone>
+              <a:prstClr val="black"/>
+              <a:srgbClr val="0099FF">
+                <a:tint val="45000"/>
+                <a:satMod val="400000"/>
+              </a:srgbClr>
+            </a:duotone>
+            <a:extLst>
+              <a:ext uri="{28A0092B-C50C-407E-A947-70E740481C1C}">
+                <a14:useLocalDpi xmlns:a14="http://schemas.microsoft.com/office/drawing/2010/main" val="0"/>
+              </a:ext>
+            </a:extLst>
+          </a:blip>
+          <a:stretch>
+            <a:fillRect/>
+          </a:stretch>
+        </p:blipFill>
+        <p:spPr>
+          <a:xfrm>
+            <a:off x="6849181" y="874795"/>
+            <a:ext cx="926526" cy="990079"/>
+          </a:xfrm>
+          <a:prstGeom prst="rect">
+            <a:avLst/>
+          </a:prstGeom>
+        </p:spPr>
+      </p:pic>
     </p:spTree>
     <p:extLst>
       <p:ext uri="{BB962C8B-B14F-4D97-AF65-F5344CB8AC3E}">
@@ -31015,7 +31658,7 @@
           <a:p>
             <a:r>
               <a:rPr lang="en-GB" sz="2800" dirty="0"/>
-              <a:t>On the winning card three of the objects are ___</a:t>
+              <a:t>On the winning card six of the objects are ___</a:t>
             </a:r>
           </a:p>
         </p:txBody>
@@ -31029,7 +31672,7 @@
           <p:nvPr/>
         </p:nvPicPr>
         <p:blipFill>
-          <a:blip r:embed="rId2">
+          <a:blip r:embed="rId3">
             <a:duotone>
               <a:prstClr val="black"/>
               <a:srgbClr val="00FF00">
@@ -31049,7 +31692,7 @@
         </p:blipFill>
         <p:spPr>
           <a:xfrm>
-            <a:off x="1766254" y="796920"/>
+            <a:off x="1694540" y="1804597"/>
             <a:ext cx="1062935" cy="1057370"/>
           </a:xfrm>
           <a:prstGeom prst="rect">
@@ -31066,37 +31709,111 @@
           <p:nvPr/>
         </p:nvPicPr>
         <p:blipFill>
+          <a:blip r:embed="rId4">
+            <a:duotone>
+              <a:prstClr val="black"/>
+              <a:srgbClr val="FF99CC">
+                <a:tint val="45000"/>
+                <a:satMod val="400000"/>
+              </a:srgbClr>
+            </a:duotone>
+            <a:extLst>
+              <a:ext uri="{28A0092B-C50C-407E-A947-70E740481C1C}">
+                <a14:useLocalDpi xmlns:a14="http://schemas.microsoft.com/office/drawing/2010/main" val="0"/>
+              </a:ext>
+            </a:extLst>
+          </a:blip>
+          <a:stretch>
+            <a:fillRect/>
+          </a:stretch>
+        </p:blipFill>
+        <p:spPr>
+          <a:xfrm>
+            <a:off x="3948825" y="897508"/>
+            <a:ext cx="949531" cy="856865"/>
+          </a:xfrm>
+          <a:prstGeom prst="rect">
+            <a:avLst/>
+          </a:prstGeom>
+        </p:spPr>
+      </p:pic>
+      <p:pic>
+        <p:nvPicPr>
+          <p:cNvPr id="44" name="Picture 43"/>
+          <p:cNvPicPr>
+            <a:picLocks noChangeAspect="1"/>
+          </p:cNvPicPr>
+          <p:nvPr/>
+        </p:nvPicPr>
+        <p:blipFill>
+          <a:blip r:embed="rId4">
+            <a:duotone>
+              <a:prstClr val="black"/>
+              <a:srgbClr val="6CFF6B">
+                <a:tint val="45000"/>
+                <a:satMod val="400000"/>
+              </a:srgbClr>
+            </a:duotone>
+            <a:extLst>
+              <a:ext uri="{28A0092B-C50C-407E-A947-70E740481C1C}">
+                <a14:useLocalDpi xmlns:a14="http://schemas.microsoft.com/office/drawing/2010/main" val="0"/>
+              </a:ext>
+            </a:extLst>
+          </a:blip>
+          <a:stretch>
+            <a:fillRect/>
+          </a:stretch>
+        </p:blipFill>
+        <p:spPr>
+          <a:xfrm>
+            <a:off x="3950960" y="1932455"/>
+            <a:ext cx="949531" cy="856865"/>
+          </a:xfrm>
+          <a:prstGeom prst="rect">
+            <a:avLst/>
+          </a:prstGeom>
+        </p:spPr>
+      </p:pic>
+      <p:pic>
+        <p:nvPicPr>
+          <p:cNvPr id="45" name="Picture 44"/>
+          <p:cNvPicPr>
+            <a:picLocks noChangeAspect="1"/>
+          </p:cNvPicPr>
+          <p:nvPr/>
+        </p:nvPicPr>
+        <p:blipFill>
           <a:blip r:embed="rId3">
             <a:duotone>
               <a:prstClr val="black"/>
-              <a:srgbClr val="FF99CC">
-                <a:tint val="45000"/>
-                <a:satMod val="400000"/>
-              </a:srgbClr>
-            </a:duotone>
-            <a:extLst>
-              <a:ext uri="{28A0092B-C50C-407E-A947-70E740481C1C}">
-                <a14:useLocalDpi xmlns:a14="http://schemas.microsoft.com/office/drawing/2010/main" val="0"/>
-              </a:ext>
-            </a:extLst>
-          </a:blip>
-          <a:stretch>
-            <a:fillRect/>
-          </a:stretch>
-        </p:blipFill>
-        <p:spPr>
-          <a:xfrm>
-            <a:off x="1622426" y="1962004"/>
-            <a:ext cx="949531" cy="856865"/>
-          </a:xfrm>
-          <a:prstGeom prst="rect">
-            <a:avLst/>
-          </a:prstGeom>
-        </p:spPr>
-      </p:pic>
-      <p:pic>
-        <p:nvPicPr>
-          <p:cNvPr id="27" name="Picture 26"/>
+              <a:srgbClr val="00FF00">
+                <a:tint val="45000"/>
+                <a:satMod val="400000"/>
+              </a:srgbClr>
+            </a:duotone>
+            <a:extLst>
+              <a:ext uri="{28A0092B-C50C-407E-A947-70E740481C1C}">
+                <a14:useLocalDpi xmlns:a14="http://schemas.microsoft.com/office/drawing/2010/main" val="0"/>
+              </a:ext>
+            </a:extLst>
+          </a:blip>
+          <a:stretch>
+            <a:fillRect/>
+          </a:stretch>
+        </p:blipFill>
+        <p:spPr>
+          <a:xfrm>
+            <a:off x="2783109" y="1804597"/>
+            <a:ext cx="1062935" cy="1057370"/>
+          </a:xfrm>
+          <a:prstGeom prst="rect">
+            <a:avLst/>
+          </a:prstGeom>
+        </p:spPr>
+      </p:pic>
+      <p:pic>
+        <p:nvPicPr>
+          <p:cNvPr id="47" name="Picture 46"/>
           <p:cNvPicPr>
             <a:picLocks noChangeAspect="1"/>
           </p:cNvPicPr>
@@ -31104,154 +31821,6 @@
         </p:nvPicPr>
         <p:blipFill>
           <a:blip r:embed="rId3">
-            <a:duotone>
-              <a:prstClr val="black"/>
-              <a:srgbClr val="FF99CC">
-                <a:tint val="45000"/>
-                <a:satMod val="400000"/>
-              </a:srgbClr>
-            </a:duotone>
-            <a:extLst>
-              <a:ext uri="{28A0092B-C50C-407E-A947-70E740481C1C}">
-                <a14:useLocalDpi xmlns:a14="http://schemas.microsoft.com/office/drawing/2010/main" val="0"/>
-              </a:ext>
-            </a:extLst>
-          </a:blip>
-          <a:stretch>
-            <a:fillRect/>
-          </a:stretch>
-        </p:blipFill>
-        <p:spPr>
-          <a:xfrm>
-            <a:off x="2836224" y="2028560"/>
-            <a:ext cx="949531" cy="856865"/>
-          </a:xfrm>
-          <a:prstGeom prst="rect">
-            <a:avLst/>
-          </a:prstGeom>
-        </p:spPr>
-      </p:pic>
-      <p:pic>
-        <p:nvPicPr>
-          <p:cNvPr id="44" name="Picture 43"/>
-          <p:cNvPicPr>
-            <a:picLocks noChangeAspect="1"/>
-          </p:cNvPicPr>
-          <p:nvPr/>
-        </p:nvPicPr>
-        <p:blipFill>
-          <a:blip r:embed="rId3">
-            <a:duotone>
-              <a:prstClr val="black"/>
-              <a:srgbClr val="FF99CC">
-                <a:tint val="45000"/>
-                <a:satMod val="400000"/>
-              </a:srgbClr>
-            </a:duotone>
-            <a:extLst>
-              <a:ext uri="{28A0092B-C50C-407E-A947-70E740481C1C}">
-                <a14:useLocalDpi xmlns:a14="http://schemas.microsoft.com/office/drawing/2010/main" val="0"/>
-              </a:ext>
-            </a:extLst>
-          </a:blip>
-          <a:stretch>
-            <a:fillRect/>
-          </a:stretch>
-        </p:blipFill>
-        <p:spPr>
-          <a:xfrm>
-            <a:off x="3948827" y="2028561"/>
-            <a:ext cx="949531" cy="856865"/>
-          </a:xfrm>
-          <a:prstGeom prst="rect">
-            <a:avLst/>
-          </a:prstGeom>
-        </p:spPr>
-      </p:pic>
-      <p:pic>
-        <p:nvPicPr>
-          <p:cNvPr id="45" name="Picture 44"/>
-          <p:cNvPicPr>
-            <a:picLocks noChangeAspect="1"/>
-          </p:cNvPicPr>
-          <p:nvPr/>
-        </p:nvPicPr>
-        <p:blipFill>
-          <a:blip r:embed="rId2">
-            <a:duotone>
-              <a:prstClr val="black"/>
-              <a:srgbClr val="00FF00">
-                <a:tint val="45000"/>
-                <a:satMod val="400000"/>
-              </a:srgbClr>
-            </a:duotone>
-            <a:extLst>
-              <a:ext uri="{28A0092B-C50C-407E-A947-70E740481C1C}">
-                <a14:useLocalDpi xmlns:a14="http://schemas.microsoft.com/office/drawing/2010/main" val="0"/>
-              </a:ext>
-            </a:extLst>
-          </a:blip>
-          <a:stretch>
-            <a:fillRect/>
-          </a:stretch>
-        </p:blipFill>
-        <p:spPr>
-          <a:xfrm>
-            <a:off x="2834194" y="796920"/>
-            <a:ext cx="1062935" cy="1057370"/>
-          </a:xfrm>
-          <a:prstGeom prst="rect">
-            <a:avLst/>
-          </a:prstGeom>
-        </p:spPr>
-      </p:pic>
-      <p:pic>
-        <p:nvPicPr>
-          <p:cNvPr id="46" name="Picture 45"/>
-          <p:cNvPicPr>
-            <a:picLocks noChangeAspect="1"/>
-          </p:cNvPicPr>
-          <p:nvPr/>
-        </p:nvPicPr>
-        <p:blipFill>
-          <a:blip r:embed="rId2">
-            <a:duotone>
-              <a:prstClr val="black"/>
-              <a:srgbClr val="00FF00">
-                <a:tint val="45000"/>
-                <a:satMod val="400000"/>
-              </a:srgbClr>
-            </a:duotone>
-            <a:extLst>
-              <a:ext uri="{28A0092B-C50C-407E-A947-70E740481C1C}">
-                <a14:useLocalDpi xmlns:a14="http://schemas.microsoft.com/office/drawing/2010/main" val="0"/>
-              </a:ext>
-            </a:extLst>
-          </a:blip>
-          <a:stretch>
-            <a:fillRect/>
-          </a:stretch>
-        </p:blipFill>
-        <p:spPr>
-          <a:xfrm>
-            <a:off x="3897129" y="783044"/>
-            <a:ext cx="1062935" cy="1057370"/>
-          </a:xfrm>
-          <a:prstGeom prst="rect">
-            <a:avLst/>
-          </a:prstGeom>
-        </p:spPr>
-      </p:pic>
-      <p:pic>
-        <p:nvPicPr>
-          <p:cNvPr id="47" name="Picture 46"/>
-          <p:cNvPicPr>
-            <a:picLocks noChangeAspect="1"/>
-          </p:cNvPicPr>
-          <p:nvPr/>
-        </p:nvPicPr>
-        <p:blipFill>
-          <a:blip r:embed="rId2">
             <a:duotone>
               <a:prstClr val="black"/>
               <a:srgbClr val="00FF00">
@@ -31281,14 +31850,14 @@
       </p:pic>
       <p:pic>
         <p:nvPicPr>
-          <p:cNvPr id="48" name="Picture 47"/>
-          <p:cNvPicPr>
-            <a:picLocks noChangeAspect="1"/>
-          </p:cNvPicPr>
-          <p:nvPr/>
-        </p:nvPicPr>
-        <p:blipFill>
-          <a:blip r:embed="rId2">
+          <p:cNvPr id="55" name="Picture 54"/>
+          <p:cNvPicPr>
+            <a:picLocks noChangeAspect="1"/>
+          </p:cNvPicPr>
+          <p:nvPr/>
+        </p:nvPicPr>
+        <p:blipFill>
+          <a:blip r:embed="rId3">
             <a:duotone>
               <a:prstClr val="black"/>
               <a:srgbClr val="FF99CC">
@@ -31308,378 +31877,8 @@
         </p:blipFill>
         <p:spPr>
           <a:xfrm>
-            <a:off x="2829189" y="2961059"/>
+            <a:off x="1629751" y="766304"/>
             <a:ext cx="1062935" cy="1057370"/>
-          </a:xfrm>
-          <a:prstGeom prst="rect">
-            <a:avLst/>
-          </a:prstGeom>
-        </p:spPr>
-      </p:pic>
-      <p:pic>
-        <p:nvPicPr>
-          <p:cNvPr id="49" name="Picture 48"/>
-          <p:cNvPicPr>
-            <a:picLocks noChangeAspect="1"/>
-          </p:cNvPicPr>
-          <p:nvPr/>
-        </p:nvPicPr>
-        <p:blipFill>
-          <a:blip r:embed="rId2">
-            <a:duotone>
-              <a:prstClr val="black"/>
-              <a:srgbClr val="FF99CC">
-                <a:tint val="45000"/>
-                <a:satMod val="400000"/>
-              </a:srgbClr>
-            </a:duotone>
-            <a:extLst>
-              <a:ext uri="{28A0092B-C50C-407E-A947-70E740481C1C}">
-                <a14:useLocalDpi xmlns:a14="http://schemas.microsoft.com/office/drawing/2010/main" val="0"/>
-              </a:ext>
-            </a:extLst>
-          </a:blip>
-          <a:stretch>
-            <a:fillRect/>
-          </a:stretch>
-        </p:blipFill>
-        <p:spPr>
-          <a:xfrm>
-            <a:off x="1712398" y="2961059"/>
-            <a:ext cx="1062935" cy="1057370"/>
-          </a:xfrm>
-          <a:prstGeom prst="rect">
-            <a:avLst/>
-          </a:prstGeom>
-        </p:spPr>
-      </p:pic>
-      <p:pic>
-        <p:nvPicPr>
-          <p:cNvPr id="51" name="Picture 50"/>
-          <p:cNvPicPr>
-            <a:picLocks noChangeAspect="1"/>
-          </p:cNvPicPr>
-          <p:nvPr/>
-        </p:nvPicPr>
-        <p:blipFill>
-          <a:blip r:embed="rId2">
-            <a:duotone>
-              <a:prstClr val="black"/>
-              <a:srgbClr val="FF99CC">
-                <a:tint val="45000"/>
-                <a:satMod val="400000"/>
-              </a:srgbClr>
-            </a:duotone>
-            <a:extLst>
-              <a:ext uri="{28A0092B-C50C-407E-A947-70E740481C1C}">
-                <a14:useLocalDpi xmlns:a14="http://schemas.microsoft.com/office/drawing/2010/main" val="0"/>
-              </a:ext>
-            </a:extLst>
-          </a:blip>
-          <a:stretch>
-            <a:fillRect/>
-          </a:stretch>
-        </p:blipFill>
-        <p:spPr>
-          <a:xfrm>
-            <a:off x="6908055" y="2961059"/>
-            <a:ext cx="1062935" cy="1057370"/>
-          </a:xfrm>
-          <a:prstGeom prst="rect">
-            <a:avLst/>
-          </a:prstGeom>
-        </p:spPr>
-      </p:pic>
-      <p:pic>
-        <p:nvPicPr>
-          <p:cNvPr id="55" name="Picture 54"/>
-          <p:cNvPicPr>
-            <a:picLocks noChangeAspect="1"/>
-          </p:cNvPicPr>
-          <p:nvPr/>
-        </p:nvPicPr>
-        <p:blipFill>
-          <a:blip r:embed="rId2">
-            <a:duotone>
-              <a:prstClr val="black"/>
-              <a:srgbClr val="FF99CC">
-                <a:tint val="45000"/>
-                <a:satMod val="400000"/>
-              </a:srgbClr>
-            </a:duotone>
-            <a:extLst>
-              <a:ext uri="{28A0092B-C50C-407E-A947-70E740481C1C}">
-                <a14:useLocalDpi xmlns:a14="http://schemas.microsoft.com/office/drawing/2010/main" val="0"/>
-              </a:ext>
-            </a:extLst>
-          </a:blip>
-          <a:stretch>
-            <a:fillRect/>
-          </a:stretch>
-        </p:blipFill>
-        <p:spPr>
-          <a:xfrm>
-            <a:off x="5845120" y="2957673"/>
-            <a:ext cx="1062935" cy="1057370"/>
-          </a:xfrm>
-          <a:prstGeom prst="rect">
-            <a:avLst/>
-          </a:prstGeom>
-        </p:spPr>
-      </p:pic>
-      <p:pic>
-        <p:nvPicPr>
-          <p:cNvPr id="56" name="Picture 55"/>
-          <p:cNvPicPr>
-            <a:picLocks noChangeAspect="1"/>
-          </p:cNvPicPr>
-          <p:nvPr/>
-        </p:nvPicPr>
-        <p:blipFill>
-          <a:blip r:embed="rId2">
-            <a:duotone>
-              <a:prstClr val="black"/>
-              <a:srgbClr val="00FF00">
-                <a:tint val="45000"/>
-                <a:satMod val="400000"/>
-              </a:srgbClr>
-            </a:duotone>
-            <a:extLst>
-              <a:ext uri="{28A0092B-C50C-407E-A947-70E740481C1C}">
-                <a14:useLocalDpi xmlns:a14="http://schemas.microsoft.com/office/drawing/2010/main" val="0"/>
-              </a:ext>
-            </a:extLst>
-          </a:blip>
-          <a:stretch>
-            <a:fillRect/>
-          </a:stretch>
-        </p:blipFill>
-        <p:spPr>
-          <a:xfrm>
-            <a:off x="7920349" y="806809"/>
-            <a:ext cx="1062935" cy="1057370"/>
-          </a:xfrm>
-          <a:prstGeom prst="rect">
-            <a:avLst/>
-          </a:prstGeom>
-        </p:spPr>
-      </p:pic>
-      <p:pic>
-        <p:nvPicPr>
-          <p:cNvPr id="57" name="Picture 56"/>
-          <p:cNvPicPr>
-            <a:picLocks noChangeAspect="1"/>
-          </p:cNvPicPr>
-          <p:nvPr/>
-        </p:nvPicPr>
-        <p:blipFill>
-          <a:blip r:embed="rId2">
-            <a:duotone>
-              <a:prstClr val="black"/>
-              <a:srgbClr val="00FF00">
-                <a:tint val="45000"/>
-                <a:satMod val="400000"/>
-              </a:srgbClr>
-            </a:duotone>
-            <a:extLst>
-              <a:ext uri="{28A0092B-C50C-407E-A947-70E740481C1C}">
-                <a14:useLocalDpi xmlns:a14="http://schemas.microsoft.com/office/drawing/2010/main" val="0"/>
-              </a:ext>
-            </a:extLst>
-          </a:blip>
-          <a:stretch>
-            <a:fillRect/>
-          </a:stretch>
-        </p:blipFill>
-        <p:spPr>
-          <a:xfrm>
-            <a:off x="6857414" y="796920"/>
-            <a:ext cx="1062935" cy="1057370"/>
-          </a:xfrm>
-          <a:prstGeom prst="rect">
-            <a:avLst/>
-          </a:prstGeom>
-        </p:spPr>
-      </p:pic>
-      <p:pic>
-        <p:nvPicPr>
-          <p:cNvPr id="58" name="Picture 57"/>
-          <p:cNvPicPr>
-            <a:picLocks noChangeAspect="1"/>
-          </p:cNvPicPr>
-          <p:nvPr/>
-        </p:nvPicPr>
-        <p:blipFill>
-          <a:blip r:embed="rId2">
-            <a:duotone>
-              <a:prstClr val="black"/>
-              <a:srgbClr val="00FF00">
-                <a:tint val="45000"/>
-                <a:satMod val="400000"/>
-              </a:srgbClr>
-            </a:duotone>
-            <a:extLst>
-              <a:ext uri="{28A0092B-C50C-407E-A947-70E740481C1C}">
-                <a14:useLocalDpi xmlns:a14="http://schemas.microsoft.com/office/drawing/2010/main" val="0"/>
-              </a:ext>
-            </a:extLst>
-          </a:blip>
-          <a:stretch>
-            <a:fillRect/>
-          </a:stretch>
-        </p:blipFill>
-        <p:spPr>
-          <a:xfrm>
-            <a:off x="7920349" y="2961059"/>
-            <a:ext cx="1062935" cy="1057370"/>
-          </a:xfrm>
-          <a:prstGeom prst="rect">
-            <a:avLst/>
-          </a:prstGeom>
-        </p:spPr>
-      </p:pic>
-      <p:pic>
-        <p:nvPicPr>
-          <p:cNvPr id="59" name="Picture 58"/>
-          <p:cNvPicPr>
-            <a:picLocks noChangeAspect="1"/>
-          </p:cNvPicPr>
-          <p:nvPr/>
-        </p:nvPicPr>
-        <p:blipFill>
-          <a:blip r:embed="rId3">
-            <a:duotone>
-              <a:prstClr val="black"/>
-              <a:srgbClr val="FF99CC">
-                <a:tint val="45000"/>
-                <a:satMod val="400000"/>
-              </a:srgbClr>
-            </a:duotone>
-            <a:extLst>
-              <a:ext uri="{28A0092B-C50C-407E-A947-70E740481C1C}">
-                <a14:useLocalDpi xmlns:a14="http://schemas.microsoft.com/office/drawing/2010/main" val="0"/>
-              </a:ext>
-            </a:extLst>
-          </a:blip>
-          <a:stretch>
-            <a:fillRect/>
-          </a:stretch>
-        </p:blipFill>
-        <p:spPr>
-          <a:xfrm>
-            <a:off x="8033753" y="1964431"/>
-            <a:ext cx="949531" cy="856865"/>
-          </a:xfrm>
-          <a:prstGeom prst="rect">
-            <a:avLst/>
-          </a:prstGeom>
-        </p:spPr>
-      </p:pic>
-      <p:pic>
-        <p:nvPicPr>
-          <p:cNvPr id="61" name="Picture 60"/>
-          <p:cNvPicPr>
-            <a:picLocks noChangeAspect="1"/>
-          </p:cNvPicPr>
-          <p:nvPr/>
-        </p:nvPicPr>
-        <p:blipFill>
-          <a:blip r:embed="rId3">
-            <a:duotone>
-              <a:prstClr val="black"/>
-              <a:srgbClr val="FF99CC">
-                <a:tint val="45000"/>
-                <a:satMod val="400000"/>
-              </a:srgbClr>
-            </a:duotone>
-            <a:extLst>
-              <a:ext uri="{28A0092B-C50C-407E-A947-70E740481C1C}">
-                <a14:useLocalDpi xmlns:a14="http://schemas.microsoft.com/office/drawing/2010/main" val="0"/>
-              </a:ext>
-            </a:extLst>
-          </a:blip>
-          <a:stretch>
-            <a:fillRect/>
-          </a:stretch>
-        </p:blipFill>
-        <p:spPr>
-          <a:xfrm>
-            <a:off x="5843339" y="1970611"/>
-            <a:ext cx="949531" cy="856865"/>
-          </a:xfrm>
-          <a:prstGeom prst="rect">
-            <a:avLst/>
-          </a:prstGeom>
-        </p:spPr>
-      </p:pic>
-      <p:pic>
-        <p:nvPicPr>
-          <p:cNvPr id="62" name="Picture 61"/>
-          <p:cNvPicPr>
-            <a:picLocks noChangeAspect="1"/>
-          </p:cNvPicPr>
-          <p:nvPr/>
-        </p:nvPicPr>
-        <p:blipFill>
-          <a:blip r:embed="rId3">
-            <a:duotone>
-              <a:prstClr val="black"/>
-              <a:srgbClr val="FF99CC">
-                <a:tint val="45000"/>
-                <a:satMod val="400000"/>
-              </a:srgbClr>
-            </a:duotone>
-            <a:extLst>
-              <a:ext uri="{28A0092B-C50C-407E-A947-70E740481C1C}">
-                <a14:useLocalDpi xmlns:a14="http://schemas.microsoft.com/office/drawing/2010/main" val="0"/>
-              </a:ext>
-            </a:extLst>
-          </a:blip>
-          <a:stretch>
-            <a:fillRect/>
-          </a:stretch>
-        </p:blipFill>
-        <p:spPr>
-          <a:xfrm>
-            <a:off x="5854115" y="983549"/>
-            <a:ext cx="949531" cy="856865"/>
-          </a:xfrm>
-          <a:prstGeom prst="rect">
-            <a:avLst/>
-          </a:prstGeom>
-        </p:spPr>
-      </p:pic>
-      <p:pic>
-        <p:nvPicPr>
-          <p:cNvPr id="63" name="Picture 62"/>
-          <p:cNvPicPr>
-            <a:picLocks noChangeAspect="1"/>
-          </p:cNvPicPr>
-          <p:nvPr/>
-        </p:nvPicPr>
-        <p:blipFill>
-          <a:blip r:embed="rId3">
-            <a:duotone>
-              <a:prstClr val="black"/>
-              <a:srgbClr val="FF99CC">
-                <a:tint val="45000"/>
-                <a:satMod val="400000"/>
-              </a:srgbClr>
-            </a:duotone>
-            <a:extLst>
-              <a:ext uri="{28A0092B-C50C-407E-A947-70E740481C1C}">
-                <a14:useLocalDpi xmlns:a14="http://schemas.microsoft.com/office/drawing/2010/main" val="0"/>
-              </a:ext>
-            </a:extLst>
-          </a:blip>
-          <a:stretch>
-            <a:fillRect/>
-          </a:stretch>
-        </p:blipFill>
-        <p:spPr>
-          <a:xfrm>
-            <a:off x="6924520" y="1962004"/>
-            <a:ext cx="949531" cy="856865"/>
           </a:xfrm>
           <a:prstGeom prst="rect">
             <a:avLst/>
@@ -31715,6 +31914,522 @@
           </a:p>
         </p:txBody>
       </p:sp>
+      <p:pic>
+        <p:nvPicPr>
+          <p:cNvPr id="26" name="Picture 25">
+            <a:extLst>
+              <a:ext uri="{FF2B5EF4-FFF2-40B4-BE49-F238E27FC236}">
+                <a16:creationId xmlns:a16="http://schemas.microsoft.com/office/drawing/2014/main" id="{F439DC4D-ED5F-9148-BFE1-A1A52B00615E}"/>
+              </a:ext>
+            </a:extLst>
+          </p:cNvPr>
+          <p:cNvPicPr>
+            <a:picLocks noChangeAspect="1"/>
+          </p:cNvPicPr>
+          <p:nvPr/>
+        </p:nvPicPr>
+        <p:blipFill>
+          <a:blip r:embed="rId3">
+            <a:duotone>
+              <a:prstClr val="black"/>
+              <a:srgbClr val="00FF00">
+                <a:tint val="45000"/>
+                <a:satMod val="400000"/>
+              </a:srgbClr>
+            </a:duotone>
+            <a:extLst>
+              <a:ext uri="{28A0092B-C50C-407E-A947-70E740481C1C}">
+                <a14:useLocalDpi xmlns:a14="http://schemas.microsoft.com/office/drawing/2010/main" val="0"/>
+              </a:ext>
+            </a:extLst>
+          </a:blip>
+          <a:stretch>
+            <a:fillRect/>
+          </a:stretch>
+        </p:blipFill>
+        <p:spPr>
+          <a:xfrm>
+            <a:off x="2722820" y="2992963"/>
+            <a:ext cx="1062935" cy="1057370"/>
+          </a:xfrm>
+          <a:prstGeom prst="rect">
+            <a:avLst/>
+          </a:prstGeom>
+        </p:spPr>
+      </p:pic>
+      <p:pic>
+        <p:nvPicPr>
+          <p:cNvPr id="28" name="Picture 27">
+            <a:extLst>
+              <a:ext uri="{FF2B5EF4-FFF2-40B4-BE49-F238E27FC236}">
+                <a16:creationId xmlns:a16="http://schemas.microsoft.com/office/drawing/2014/main" id="{8F5B4433-4BD5-854D-B6CC-2DB9B039135D}"/>
+              </a:ext>
+            </a:extLst>
+          </p:cNvPr>
+          <p:cNvPicPr>
+            <a:picLocks noChangeAspect="1"/>
+          </p:cNvPicPr>
+          <p:nvPr/>
+        </p:nvPicPr>
+        <p:blipFill>
+          <a:blip r:embed="rId3">
+            <a:duotone>
+              <a:prstClr val="black"/>
+              <a:srgbClr val="00FF00">
+                <a:tint val="45000"/>
+                <a:satMod val="400000"/>
+              </a:srgbClr>
+            </a:duotone>
+            <a:extLst>
+              <a:ext uri="{28A0092B-C50C-407E-A947-70E740481C1C}">
+                <a14:useLocalDpi xmlns:a14="http://schemas.microsoft.com/office/drawing/2010/main" val="0"/>
+              </a:ext>
+            </a:extLst>
+          </a:blip>
+          <a:stretch>
+            <a:fillRect/>
+          </a:stretch>
+        </p:blipFill>
+        <p:spPr>
+          <a:xfrm>
+            <a:off x="1638622" y="2992963"/>
+            <a:ext cx="1062935" cy="1057370"/>
+          </a:xfrm>
+          <a:prstGeom prst="rect">
+            <a:avLst/>
+          </a:prstGeom>
+        </p:spPr>
+      </p:pic>
+      <p:pic>
+        <p:nvPicPr>
+          <p:cNvPr id="29" name="Picture 28">
+            <a:extLst>
+              <a:ext uri="{FF2B5EF4-FFF2-40B4-BE49-F238E27FC236}">
+                <a16:creationId xmlns:a16="http://schemas.microsoft.com/office/drawing/2014/main" id="{95B95D95-231E-FF44-8C66-6FF24B8600AE}"/>
+              </a:ext>
+            </a:extLst>
+          </p:cNvPr>
+          <p:cNvPicPr>
+            <a:picLocks noChangeAspect="1"/>
+          </p:cNvPicPr>
+          <p:nvPr/>
+        </p:nvPicPr>
+        <p:blipFill>
+          <a:blip r:embed="rId3">
+            <a:duotone>
+              <a:prstClr val="black"/>
+              <a:srgbClr val="FF99CC">
+                <a:tint val="45000"/>
+                <a:satMod val="400000"/>
+              </a:srgbClr>
+            </a:duotone>
+            <a:extLst>
+              <a:ext uri="{28A0092B-C50C-407E-A947-70E740481C1C}">
+                <a14:useLocalDpi xmlns:a14="http://schemas.microsoft.com/office/drawing/2010/main" val="0"/>
+              </a:ext>
+            </a:extLst>
+          </a:blip>
+          <a:stretch>
+            <a:fillRect/>
+          </a:stretch>
+        </p:blipFill>
+        <p:spPr>
+          <a:xfrm>
+            <a:off x="2778594" y="734431"/>
+            <a:ext cx="1062935" cy="1057370"/>
+          </a:xfrm>
+          <a:prstGeom prst="rect">
+            <a:avLst/>
+          </a:prstGeom>
+        </p:spPr>
+      </p:pic>
+      <p:pic>
+        <p:nvPicPr>
+          <p:cNvPr id="30" name="Picture 29">
+            <a:extLst>
+              <a:ext uri="{FF2B5EF4-FFF2-40B4-BE49-F238E27FC236}">
+                <a16:creationId xmlns:a16="http://schemas.microsoft.com/office/drawing/2014/main" id="{B44753C2-029C-014A-AFAA-F2C8B95C2F7A}"/>
+              </a:ext>
+            </a:extLst>
+          </p:cNvPr>
+          <p:cNvPicPr>
+            <a:picLocks noChangeAspect="1"/>
+          </p:cNvPicPr>
+          <p:nvPr/>
+        </p:nvPicPr>
+        <p:blipFill>
+          <a:blip r:embed="rId3">
+            <a:duotone>
+              <a:prstClr val="black"/>
+              <a:srgbClr val="00FF00">
+                <a:tint val="45000"/>
+                <a:satMod val="400000"/>
+              </a:srgbClr>
+            </a:duotone>
+            <a:extLst>
+              <a:ext uri="{28A0092B-C50C-407E-A947-70E740481C1C}">
+                <a14:useLocalDpi xmlns:a14="http://schemas.microsoft.com/office/drawing/2010/main" val="0"/>
+              </a:ext>
+            </a:extLst>
+          </a:blip>
+          <a:stretch>
+            <a:fillRect/>
+          </a:stretch>
+        </p:blipFill>
+        <p:spPr>
+          <a:xfrm>
+            <a:off x="5841932" y="1836470"/>
+            <a:ext cx="1062935" cy="1057370"/>
+          </a:xfrm>
+          <a:prstGeom prst="rect">
+            <a:avLst/>
+          </a:prstGeom>
+        </p:spPr>
+      </p:pic>
+      <p:pic>
+        <p:nvPicPr>
+          <p:cNvPr id="31" name="Picture 30">
+            <a:extLst>
+              <a:ext uri="{FF2B5EF4-FFF2-40B4-BE49-F238E27FC236}">
+                <a16:creationId xmlns:a16="http://schemas.microsoft.com/office/drawing/2014/main" id="{C3CD6AB4-10F2-7D46-8A24-C5F85EC05F92}"/>
+              </a:ext>
+            </a:extLst>
+          </p:cNvPr>
+          <p:cNvPicPr>
+            <a:picLocks noChangeAspect="1"/>
+          </p:cNvPicPr>
+          <p:nvPr/>
+        </p:nvPicPr>
+        <p:blipFill>
+          <a:blip r:embed="rId4">
+            <a:duotone>
+              <a:prstClr val="black"/>
+              <a:srgbClr val="FF99CC">
+                <a:tint val="45000"/>
+                <a:satMod val="400000"/>
+              </a:srgbClr>
+            </a:duotone>
+            <a:extLst>
+              <a:ext uri="{28A0092B-C50C-407E-A947-70E740481C1C}">
+                <a14:useLocalDpi xmlns:a14="http://schemas.microsoft.com/office/drawing/2010/main" val="0"/>
+              </a:ext>
+            </a:extLst>
+          </a:blip>
+          <a:stretch>
+            <a:fillRect/>
+          </a:stretch>
+        </p:blipFill>
+        <p:spPr>
+          <a:xfrm>
+            <a:off x="8096217" y="929381"/>
+            <a:ext cx="949531" cy="856865"/>
+          </a:xfrm>
+          <a:prstGeom prst="rect">
+            <a:avLst/>
+          </a:prstGeom>
+        </p:spPr>
+      </p:pic>
+      <p:pic>
+        <p:nvPicPr>
+          <p:cNvPr id="33" name="Picture 32">
+            <a:extLst>
+              <a:ext uri="{FF2B5EF4-FFF2-40B4-BE49-F238E27FC236}">
+                <a16:creationId xmlns:a16="http://schemas.microsoft.com/office/drawing/2014/main" id="{3439439D-2E94-B54B-823F-EC0BC6CC775D}"/>
+              </a:ext>
+            </a:extLst>
+          </p:cNvPr>
+          <p:cNvPicPr>
+            <a:picLocks noChangeAspect="1"/>
+          </p:cNvPicPr>
+          <p:nvPr/>
+        </p:nvPicPr>
+        <p:blipFill>
+          <a:blip r:embed="rId4">
+            <a:duotone>
+              <a:prstClr val="black"/>
+              <a:srgbClr val="6CFF6B">
+                <a:tint val="45000"/>
+                <a:satMod val="400000"/>
+              </a:srgbClr>
+            </a:duotone>
+            <a:extLst>
+              <a:ext uri="{28A0092B-C50C-407E-A947-70E740481C1C}">
+                <a14:useLocalDpi xmlns:a14="http://schemas.microsoft.com/office/drawing/2010/main" val="0"/>
+              </a:ext>
+            </a:extLst>
+          </a:blip>
+          <a:stretch>
+            <a:fillRect/>
+          </a:stretch>
+        </p:blipFill>
+        <p:spPr>
+          <a:xfrm>
+            <a:off x="5873587" y="889594"/>
+            <a:ext cx="949531" cy="856865"/>
+          </a:xfrm>
+          <a:prstGeom prst="rect">
+            <a:avLst/>
+          </a:prstGeom>
+        </p:spPr>
+      </p:pic>
+      <p:pic>
+        <p:nvPicPr>
+          <p:cNvPr id="34" name="Picture 33">
+            <a:extLst>
+              <a:ext uri="{FF2B5EF4-FFF2-40B4-BE49-F238E27FC236}">
+                <a16:creationId xmlns:a16="http://schemas.microsoft.com/office/drawing/2014/main" id="{0DDBD097-0C8A-8846-97EE-345057C6E1FA}"/>
+              </a:ext>
+            </a:extLst>
+          </p:cNvPr>
+          <p:cNvPicPr>
+            <a:picLocks noChangeAspect="1"/>
+          </p:cNvPicPr>
+          <p:nvPr/>
+        </p:nvPicPr>
+        <p:blipFill>
+          <a:blip r:embed="rId3">
+            <a:duotone>
+              <a:prstClr val="black"/>
+              <a:srgbClr val="00FF00">
+                <a:tint val="45000"/>
+                <a:satMod val="400000"/>
+              </a:srgbClr>
+            </a:duotone>
+            <a:extLst>
+              <a:ext uri="{28A0092B-C50C-407E-A947-70E740481C1C}">
+                <a14:useLocalDpi xmlns:a14="http://schemas.microsoft.com/office/drawing/2010/main" val="0"/>
+              </a:ext>
+            </a:extLst>
+          </a:blip>
+          <a:stretch>
+            <a:fillRect/>
+          </a:stretch>
+        </p:blipFill>
+        <p:spPr>
+          <a:xfrm>
+            <a:off x="6930501" y="1836470"/>
+            <a:ext cx="1062935" cy="1057370"/>
+          </a:xfrm>
+          <a:prstGeom prst="rect">
+            <a:avLst/>
+          </a:prstGeom>
+        </p:spPr>
+      </p:pic>
+      <p:pic>
+        <p:nvPicPr>
+          <p:cNvPr id="35" name="Picture 34">
+            <a:extLst>
+              <a:ext uri="{FF2B5EF4-FFF2-40B4-BE49-F238E27FC236}">
+                <a16:creationId xmlns:a16="http://schemas.microsoft.com/office/drawing/2014/main" id="{CAEFEB96-E697-8243-BB78-B12B088ABC6C}"/>
+              </a:ext>
+            </a:extLst>
+          </p:cNvPr>
+          <p:cNvPicPr>
+            <a:picLocks noChangeAspect="1"/>
+          </p:cNvPicPr>
+          <p:nvPr/>
+        </p:nvPicPr>
+        <p:blipFill>
+          <a:blip r:embed="rId3">
+            <a:duotone>
+              <a:prstClr val="black"/>
+              <a:srgbClr val="00FF00">
+                <a:tint val="45000"/>
+                <a:satMod val="400000"/>
+              </a:srgbClr>
+            </a:duotone>
+            <a:extLst>
+              <a:ext uri="{28A0092B-C50C-407E-A947-70E740481C1C}">
+                <a14:useLocalDpi xmlns:a14="http://schemas.microsoft.com/office/drawing/2010/main" val="0"/>
+              </a:ext>
+            </a:extLst>
+          </a:blip>
+          <a:stretch>
+            <a:fillRect/>
+          </a:stretch>
+        </p:blipFill>
+        <p:spPr>
+          <a:xfrm>
+            <a:off x="8039516" y="3002821"/>
+            <a:ext cx="1062935" cy="1057370"/>
+          </a:xfrm>
+          <a:prstGeom prst="rect">
+            <a:avLst/>
+          </a:prstGeom>
+        </p:spPr>
+      </p:pic>
+      <p:pic>
+        <p:nvPicPr>
+          <p:cNvPr id="37" name="Picture 36">
+            <a:extLst>
+              <a:ext uri="{FF2B5EF4-FFF2-40B4-BE49-F238E27FC236}">
+                <a16:creationId xmlns:a16="http://schemas.microsoft.com/office/drawing/2014/main" id="{FEACBDF8-DB1C-D845-8CC6-26F323D377A2}"/>
+              </a:ext>
+            </a:extLst>
+          </p:cNvPr>
+          <p:cNvPicPr>
+            <a:picLocks noChangeAspect="1"/>
+          </p:cNvPicPr>
+          <p:nvPr/>
+        </p:nvPicPr>
+        <p:blipFill>
+          <a:blip r:embed="rId3">
+            <a:duotone>
+              <a:prstClr val="black"/>
+              <a:srgbClr val="00FF00">
+                <a:tint val="45000"/>
+                <a:satMod val="400000"/>
+              </a:srgbClr>
+            </a:duotone>
+            <a:extLst>
+              <a:ext uri="{28A0092B-C50C-407E-A947-70E740481C1C}">
+                <a14:useLocalDpi xmlns:a14="http://schemas.microsoft.com/office/drawing/2010/main" val="0"/>
+              </a:ext>
+            </a:extLst>
+          </a:blip>
+          <a:stretch>
+            <a:fillRect/>
+          </a:stretch>
+        </p:blipFill>
+        <p:spPr>
+          <a:xfrm>
+            <a:off x="6870212" y="3024836"/>
+            <a:ext cx="1062935" cy="1057370"/>
+          </a:xfrm>
+          <a:prstGeom prst="rect">
+            <a:avLst/>
+          </a:prstGeom>
+        </p:spPr>
+      </p:pic>
+      <p:pic>
+        <p:nvPicPr>
+          <p:cNvPr id="38" name="Picture 37">
+            <a:extLst>
+              <a:ext uri="{FF2B5EF4-FFF2-40B4-BE49-F238E27FC236}">
+                <a16:creationId xmlns:a16="http://schemas.microsoft.com/office/drawing/2014/main" id="{8D720FFE-43E4-864D-98C2-FCAC6030B827}"/>
+              </a:ext>
+            </a:extLst>
+          </p:cNvPr>
+          <p:cNvPicPr>
+            <a:picLocks noChangeAspect="1"/>
+          </p:cNvPicPr>
+          <p:nvPr/>
+        </p:nvPicPr>
+        <p:blipFill>
+          <a:blip r:embed="rId3">
+            <a:duotone>
+              <a:prstClr val="black"/>
+              <a:srgbClr val="00FF00">
+                <a:tint val="45000"/>
+                <a:satMod val="400000"/>
+              </a:srgbClr>
+            </a:duotone>
+            <a:extLst>
+              <a:ext uri="{28A0092B-C50C-407E-A947-70E740481C1C}">
+                <a14:useLocalDpi xmlns:a14="http://schemas.microsoft.com/office/drawing/2010/main" val="0"/>
+              </a:ext>
+            </a:extLst>
+          </a:blip>
+          <a:stretch>
+            <a:fillRect/>
+          </a:stretch>
+        </p:blipFill>
+        <p:spPr>
+          <a:xfrm>
+            <a:off x="5786014" y="3024836"/>
+            <a:ext cx="1062935" cy="1057370"/>
+          </a:xfrm>
+          <a:prstGeom prst="rect">
+            <a:avLst/>
+          </a:prstGeom>
+        </p:spPr>
+      </p:pic>
+      <p:pic>
+        <p:nvPicPr>
+          <p:cNvPr id="39" name="Picture 38">
+            <a:extLst>
+              <a:ext uri="{FF2B5EF4-FFF2-40B4-BE49-F238E27FC236}">
+                <a16:creationId xmlns:a16="http://schemas.microsoft.com/office/drawing/2014/main" id="{395AE851-47E9-1045-AA44-9B3CD5D01164}"/>
+              </a:ext>
+            </a:extLst>
+          </p:cNvPr>
+          <p:cNvPicPr>
+            <a:picLocks noChangeAspect="1"/>
+          </p:cNvPicPr>
+          <p:nvPr/>
+        </p:nvPicPr>
+        <p:blipFill>
+          <a:blip r:embed="rId3">
+            <a:duotone>
+              <a:prstClr val="black"/>
+              <a:srgbClr val="FF99CC">
+                <a:tint val="45000"/>
+                <a:satMod val="400000"/>
+              </a:srgbClr>
+            </a:duotone>
+            <a:extLst>
+              <a:ext uri="{28A0092B-C50C-407E-A947-70E740481C1C}">
+                <a14:useLocalDpi xmlns:a14="http://schemas.microsoft.com/office/drawing/2010/main" val="0"/>
+              </a:ext>
+            </a:extLst>
+          </a:blip>
+          <a:stretch>
+            <a:fillRect/>
+          </a:stretch>
+        </p:blipFill>
+        <p:spPr>
+          <a:xfrm>
+            <a:off x="8071616" y="1810904"/>
+            <a:ext cx="1062935" cy="1057370"/>
+          </a:xfrm>
+          <a:prstGeom prst="rect">
+            <a:avLst/>
+          </a:prstGeom>
+        </p:spPr>
+      </p:pic>
+      <p:pic>
+        <p:nvPicPr>
+          <p:cNvPr id="41" name="Picture 40">
+            <a:extLst>
+              <a:ext uri="{FF2B5EF4-FFF2-40B4-BE49-F238E27FC236}">
+                <a16:creationId xmlns:a16="http://schemas.microsoft.com/office/drawing/2014/main" id="{2301297B-D18B-7B4D-8B75-44DC15301E72}"/>
+              </a:ext>
+            </a:extLst>
+          </p:cNvPr>
+          <p:cNvPicPr>
+            <a:picLocks noChangeAspect="1"/>
+          </p:cNvPicPr>
+          <p:nvPr/>
+        </p:nvPicPr>
+        <p:blipFill>
+          <a:blip r:embed="rId4">
+            <a:duotone>
+              <a:prstClr val="black"/>
+              <a:srgbClr val="6CFF6B">
+                <a:tint val="45000"/>
+                <a:satMod val="400000"/>
+              </a:srgbClr>
+            </a:duotone>
+            <a:extLst>
+              <a:ext uri="{28A0092B-C50C-407E-A947-70E740481C1C}">
+                <a14:useLocalDpi xmlns:a14="http://schemas.microsoft.com/office/drawing/2010/main" val="0"/>
+              </a:ext>
+            </a:extLst>
+          </a:blip>
+          <a:stretch>
+            <a:fillRect/>
+          </a:stretch>
+        </p:blipFill>
+        <p:spPr>
+          <a:xfrm>
+            <a:off x="7016893" y="889594"/>
+            <a:ext cx="949531" cy="856865"/>
+          </a:xfrm>
+          <a:prstGeom prst="rect">
+            <a:avLst/>
+          </a:prstGeom>
+        </p:spPr>
+      </p:pic>
     </p:spTree>
     <p:extLst>
       <p:ext uri="{BB962C8B-B14F-4D97-AF65-F5344CB8AC3E}">
@@ -38750,7 +39465,7 @@
           <a:p>
             <a:r>
               <a:rPr lang="en-GB" sz="2800" dirty="0"/>
-              <a:t>On the winning card three of the objects are ___</a:t>
+              <a:t>On the winning card six of the objects are ___</a:t>
             </a:r>
           </a:p>
         </p:txBody>
@@ -38784,7 +39499,7 @@
         </p:blipFill>
         <p:spPr>
           <a:xfrm>
-            <a:off x="1708571" y="802284"/>
+            <a:off x="4092859" y="802284"/>
             <a:ext cx="828892" cy="1078328"/>
           </a:xfrm>
           <a:prstGeom prst="rect">
@@ -38831,80 +39546,6 @@
       </p:pic>
       <p:pic>
         <p:nvPicPr>
-          <p:cNvPr id="11" name="Picture 10"/>
-          <p:cNvPicPr>
-            <a:picLocks noChangeAspect="1"/>
-          </p:cNvPicPr>
-          <p:nvPr/>
-        </p:nvPicPr>
-        <p:blipFill>
-          <a:blip r:embed="rId2" cstate="print">
-            <a:duotone>
-              <a:prstClr val="black"/>
-              <a:srgbClr val="FFFF00">
-                <a:tint val="45000"/>
-                <a:satMod val="400000"/>
-              </a:srgbClr>
-            </a:duotone>
-            <a:extLst>
-              <a:ext uri="{28A0092B-C50C-407E-A947-70E740481C1C}">
-                <a14:useLocalDpi xmlns:a14="http://schemas.microsoft.com/office/drawing/2010/main" val="0"/>
-              </a:ext>
-            </a:extLst>
-          </a:blip>
-          <a:stretch>
-            <a:fillRect/>
-          </a:stretch>
-        </p:blipFill>
-        <p:spPr>
-          <a:xfrm>
-            <a:off x="4059855" y="802284"/>
-            <a:ext cx="828892" cy="1078328"/>
-          </a:xfrm>
-          <a:prstGeom prst="rect">
-            <a:avLst/>
-          </a:prstGeom>
-        </p:spPr>
-      </p:pic>
-      <p:pic>
-        <p:nvPicPr>
-          <p:cNvPr id="12" name="Picture 11"/>
-          <p:cNvPicPr>
-            <a:picLocks noChangeAspect="1"/>
-          </p:cNvPicPr>
-          <p:nvPr/>
-        </p:nvPicPr>
-        <p:blipFill>
-          <a:blip r:embed="rId2" cstate="print">
-            <a:duotone>
-              <a:prstClr val="black"/>
-              <a:srgbClr val="FFFF00">
-                <a:tint val="45000"/>
-                <a:satMod val="400000"/>
-              </a:srgbClr>
-            </a:duotone>
-            <a:extLst>
-              <a:ext uri="{28A0092B-C50C-407E-A947-70E740481C1C}">
-                <a14:useLocalDpi xmlns:a14="http://schemas.microsoft.com/office/drawing/2010/main" val="0"/>
-              </a:ext>
-            </a:extLst>
-          </a:blip>
-          <a:stretch>
-            <a:fillRect/>
-          </a:stretch>
-        </p:blipFill>
-        <p:spPr>
-          <a:xfrm>
-            <a:off x="1708571" y="1915924"/>
-            <a:ext cx="828892" cy="1078328"/>
-          </a:xfrm>
-          <a:prstGeom prst="rect">
-            <a:avLst/>
-          </a:prstGeom>
-        </p:spPr>
-      </p:pic>
-      <p:pic>
-        <p:nvPicPr>
           <p:cNvPr id="13" name="Picture 12"/>
           <p:cNvPicPr>
             <a:picLocks noChangeAspect="1"/>
@@ -38979,125 +39620,14 @@
       </p:pic>
       <p:pic>
         <p:nvPicPr>
-          <p:cNvPr id="18" name="Picture 17"/>
-          <p:cNvPicPr>
-            <a:picLocks noChangeAspect="1"/>
-          </p:cNvPicPr>
-          <p:nvPr/>
-        </p:nvPicPr>
-        <p:blipFill>
-          <a:blip r:embed="rId2" cstate="print">
-            <a:duotone>
-              <a:prstClr val="black"/>
-              <a:srgbClr val="FFFF00">
-                <a:tint val="45000"/>
-                <a:satMod val="400000"/>
-              </a:srgbClr>
-            </a:duotone>
-            <a:extLst>
-              <a:ext uri="{28A0092B-C50C-407E-A947-70E740481C1C}">
-                <a14:useLocalDpi xmlns:a14="http://schemas.microsoft.com/office/drawing/2010/main" val="0"/>
-              </a:ext>
-            </a:extLst>
-          </a:blip>
-          <a:stretch>
-            <a:fillRect/>
-          </a:stretch>
-        </p:blipFill>
-        <p:spPr>
-          <a:xfrm>
-            <a:off x="5856964" y="802284"/>
-            <a:ext cx="828892" cy="1078328"/>
-          </a:xfrm>
-          <a:prstGeom prst="rect">
-            <a:avLst/>
-          </a:prstGeom>
-        </p:spPr>
-      </p:pic>
-      <p:pic>
-        <p:nvPicPr>
-          <p:cNvPr id="19" name="Picture 18"/>
-          <p:cNvPicPr>
-            <a:picLocks noChangeAspect="1"/>
-          </p:cNvPicPr>
-          <p:nvPr/>
-        </p:nvPicPr>
-        <p:blipFill>
-          <a:blip r:embed="rId2" cstate="print">
-            <a:duotone>
-              <a:prstClr val="black"/>
-              <a:srgbClr val="FFFF00">
-                <a:tint val="45000"/>
-                <a:satMod val="400000"/>
-              </a:srgbClr>
-            </a:duotone>
-            <a:extLst>
-              <a:ext uri="{28A0092B-C50C-407E-A947-70E740481C1C}">
-                <a14:useLocalDpi xmlns:a14="http://schemas.microsoft.com/office/drawing/2010/main" val="0"/>
-              </a:ext>
-            </a:extLst>
-          </a:blip>
-          <a:stretch>
-            <a:fillRect/>
-          </a:stretch>
-        </p:blipFill>
-        <p:spPr>
-          <a:xfrm>
-            <a:off x="7032606" y="802284"/>
-            <a:ext cx="828892" cy="1078328"/>
-          </a:xfrm>
-          <a:prstGeom prst="rect">
-            <a:avLst/>
-          </a:prstGeom>
-        </p:spPr>
-      </p:pic>
-      <p:pic>
-        <p:nvPicPr>
-          <p:cNvPr id="20" name="Picture 19"/>
-          <p:cNvPicPr>
-            <a:picLocks noChangeAspect="1"/>
-          </p:cNvPicPr>
-          <p:nvPr/>
-        </p:nvPicPr>
-        <p:blipFill>
-          <a:blip r:embed="rId2" cstate="print">
-            <a:duotone>
-              <a:prstClr val="black"/>
-              <a:srgbClr val="FFFF00">
-                <a:tint val="45000"/>
-                <a:satMod val="400000"/>
-              </a:srgbClr>
-            </a:duotone>
-            <a:extLst>
-              <a:ext uri="{28A0092B-C50C-407E-A947-70E740481C1C}">
-                <a14:useLocalDpi xmlns:a14="http://schemas.microsoft.com/office/drawing/2010/main" val="0"/>
-              </a:ext>
-            </a:extLst>
-          </a:blip>
-          <a:stretch>
-            <a:fillRect/>
-          </a:stretch>
-        </p:blipFill>
-        <p:spPr>
-          <a:xfrm>
-            <a:off x="8208248" y="802284"/>
-            <a:ext cx="828892" cy="1078328"/>
-          </a:xfrm>
-          <a:prstGeom prst="rect">
-            <a:avLst/>
-          </a:prstGeom>
-        </p:spPr>
-      </p:pic>
-      <p:pic>
-        <p:nvPicPr>
-          <p:cNvPr id="21" name="Picture 20"/>
-          <p:cNvPicPr>
-            <a:picLocks noChangeAspect="1"/>
-          </p:cNvPicPr>
-          <p:nvPr/>
-        </p:nvPicPr>
-        <p:blipFill>
-          <a:blip r:embed="rId2" cstate="print">
+          <p:cNvPr id="28" name="Picture 27"/>
+          <p:cNvPicPr>
+            <a:picLocks noChangeAspect="1"/>
+          </p:cNvPicPr>
+          <p:nvPr/>
+        </p:nvPicPr>
+        <p:blipFill>
+          <a:blip r:embed="rId3" cstate="print">
             <a:duotone>
               <a:prstClr val="black"/>
               <a:srgbClr val="00FF00">
@@ -39117,304 +39647,8 @@
         </p:blipFill>
         <p:spPr>
           <a:xfrm>
-            <a:off x="5856964" y="1915924"/>
-            <a:ext cx="828892" cy="1078328"/>
-          </a:xfrm>
-          <a:prstGeom prst="rect">
-            <a:avLst/>
-          </a:prstGeom>
-        </p:spPr>
-      </p:pic>
-      <p:pic>
-        <p:nvPicPr>
-          <p:cNvPr id="28" name="Picture 27"/>
-          <p:cNvPicPr>
-            <a:picLocks noChangeAspect="1"/>
-          </p:cNvPicPr>
-          <p:nvPr/>
-        </p:nvPicPr>
-        <p:blipFill>
-          <a:blip r:embed="rId3" cstate="print">
-            <a:duotone>
-              <a:prstClr val="black"/>
-              <a:srgbClr val="00FF00">
-                <a:tint val="45000"/>
-                <a:satMod val="400000"/>
-              </a:srgbClr>
-            </a:duotone>
-            <a:extLst>
-              <a:ext uri="{28A0092B-C50C-407E-A947-70E740481C1C}">
-                <a14:useLocalDpi xmlns:a14="http://schemas.microsoft.com/office/drawing/2010/main" val="0"/>
-              </a:ext>
-            </a:extLst>
-          </a:blip>
-          <a:stretch>
-            <a:fillRect/>
-          </a:stretch>
-        </p:blipFill>
-        <p:spPr>
-          <a:xfrm>
-            <a:off x="1708571" y="3029564"/>
+            <a:off x="1699231" y="1915924"/>
             <a:ext cx="805227" cy="1078328"/>
-          </a:xfrm>
-          <a:prstGeom prst="rect">
-            <a:avLst/>
-          </a:prstGeom>
-        </p:spPr>
-      </p:pic>
-      <p:pic>
-        <p:nvPicPr>
-          <p:cNvPr id="29" name="Picture 28"/>
-          <p:cNvPicPr>
-            <a:picLocks noChangeAspect="1"/>
-          </p:cNvPicPr>
-          <p:nvPr/>
-        </p:nvPicPr>
-        <p:blipFill>
-          <a:blip r:embed="rId3" cstate="print">
-            <a:duotone>
-              <a:prstClr val="black"/>
-              <a:srgbClr val="00FF00">
-                <a:tint val="45000"/>
-                <a:satMod val="400000"/>
-              </a:srgbClr>
-            </a:duotone>
-            <a:extLst>
-              <a:ext uri="{28A0092B-C50C-407E-A947-70E740481C1C}">
-                <a14:useLocalDpi xmlns:a14="http://schemas.microsoft.com/office/drawing/2010/main" val="0"/>
-              </a:ext>
-            </a:extLst>
-          </a:blip>
-          <a:stretch>
-            <a:fillRect/>
-          </a:stretch>
-        </p:blipFill>
-        <p:spPr>
-          <a:xfrm>
-            <a:off x="2835045" y="3029564"/>
-            <a:ext cx="805227" cy="1078328"/>
-          </a:xfrm>
-          <a:prstGeom prst="rect">
-            <a:avLst/>
-          </a:prstGeom>
-        </p:spPr>
-      </p:pic>
-      <p:pic>
-        <p:nvPicPr>
-          <p:cNvPr id="30" name="Picture 29"/>
-          <p:cNvPicPr>
-            <a:picLocks noChangeAspect="1"/>
-          </p:cNvPicPr>
-          <p:nvPr/>
-        </p:nvPicPr>
-        <p:blipFill>
-          <a:blip r:embed="rId3" cstate="print">
-            <a:duotone>
-              <a:prstClr val="black"/>
-              <a:srgbClr val="00FF00">
-                <a:tint val="45000"/>
-                <a:satMod val="400000"/>
-              </a:srgbClr>
-            </a:duotone>
-            <a:extLst>
-              <a:ext uri="{28A0092B-C50C-407E-A947-70E740481C1C}">
-                <a14:useLocalDpi xmlns:a14="http://schemas.microsoft.com/office/drawing/2010/main" val="0"/>
-              </a:ext>
-            </a:extLst>
-          </a:blip>
-          <a:stretch>
-            <a:fillRect/>
-          </a:stretch>
-        </p:blipFill>
-        <p:spPr>
-          <a:xfrm>
-            <a:off x="4014368" y="3029564"/>
-            <a:ext cx="805227" cy="1078328"/>
-          </a:xfrm>
-          <a:prstGeom prst="rect">
-            <a:avLst/>
-          </a:prstGeom>
-        </p:spPr>
-      </p:pic>
-      <p:pic>
-        <p:nvPicPr>
-          <p:cNvPr id="34" name="Picture 33"/>
-          <p:cNvPicPr>
-            <a:picLocks noChangeAspect="1"/>
-          </p:cNvPicPr>
-          <p:nvPr/>
-        </p:nvPicPr>
-        <p:blipFill>
-          <a:blip r:embed="rId3" cstate="print">
-            <a:duotone>
-              <a:prstClr val="black"/>
-              <a:srgbClr val="00FF00">
-                <a:tint val="45000"/>
-                <a:satMod val="400000"/>
-              </a:srgbClr>
-            </a:duotone>
-            <a:extLst>
-              <a:ext uri="{28A0092B-C50C-407E-A947-70E740481C1C}">
-                <a14:useLocalDpi xmlns:a14="http://schemas.microsoft.com/office/drawing/2010/main" val="0"/>
-              </a:ext>
-            </a:extLst>
-          </a:blip>
-          <a:stretch>
-            <a:fillRect/>
-          </a:stretch>
-        </p:blipFill>
-        <p:spPr>
-          <a:xfrm>
-            <a:off x="5856964" y="3007187"/>
-            <a:ext cx="805227" cy="1078328"/>
-          </a:xfrm>
-          <a:prstGeom prst="rect">
-            <a:avLst/>
-          </a:prstGeom>
-        </p:spPr>
-      </p:pic>
-      <p:pic>
-        <p:nvPicPr>
-          <p:cNvPr id="35" name="Picture 34"/>
-          <p:cNvPicPr>
-            <a:picLocks noChangeAspect="1"/>
-          </p:cNvPicPr>
-          <p:nvPr/>
-        </p:nvPicPr>
-        <p:blipFill>
-          <a:blip r:embed="rId3" cstate="print">
-            <a:duotone>
-              <a:prstClr val="black"/>
-              <a:srgbClr val="00FF00">
-                <a:tint val="45000"/>
-                <a:satMod val="400000"/>
-              </a:srgbClr>
-            </a:duotone>
-            <a:extLst>
-              <a:ext uri="{28A0092B-C50C-407E-A947-70E740481C1C}">
-                <a14:useLocalDpi xmlns:a14="http://schemas.microsoft.com/office/drawing/2010/main" val="0"/>
-              </a:ext>
-            </a:extLst>
-          </a:blip>
-          <a:stretch>
-            <a:fillRect/>
-          </a:stretch>
-        </p:blipFill>
-        <p:spPr>
-          <a:xfrm>
-            <a:off x="6983438" y="3007187"/>
-            <a:ext cx="805227" cy="1078328"/>
-          </a:xfrm>
-          <a:prstGeom prst="rect">
-            <a:avLst/>
-          </a:prstGeom>
-        </p:spPr>
-      </p:pic>
-      <p:pic>
-        <p:nvPicPr>
-          <p:cNvPr id="36" name="Picture 35"/>
-          <p:cNvPicPr>
-            <a:picLocks noChangeAspect="1"/>
-          </p:cNvPicPr>
-          <p:nvPr/>
-        </p:nvPicPr>
-        <p:blipFill>
-          <a:blip r:embed="rId3" cstate="print">
-            <a:duotone>
-              <a:prstClr val="black"/>
-              <a:srgbClr val="00FF00">
-                <a:tint val="45000"/>
-                <a:satMod val="400000"/>
-              </a:srgbClr>
-            </a:duotone>
-            <a:extLst>
-              <a:ext uri="{28A0092B-C50C-407E-A947-70E740481C1C}">
-                <a14:useLocalDpi xmlns:a14="http://schemas.microsoft.com/office/drawing/2010/main" val="0"/>
-              </a:ext>
-            </a:extLst>
-          </a:blip>
-          <a:stretch>
-            <a:fillRect/>
-          </a:stretch>
-        </p:blipFill>
-        <p:spPr>
-          <a:xfrm>
-            <a:off x="8162761" y="3007187"/>
-            <a:ext cx="805227" cy="1078328"/>
-          </a:xfrm>
-          <a:prstGeom prst="rect">
-            <a:avLst/>
-          </a:prstGeom>
-        </p:spPr>
-      </p:pic>
-      <p:pic>
-        <p:nvPicPr>
-          <p:cNvPr id="38" name="Picture 37"/>
-          <p:cNvPicPr>
-            <a:picLocks noChangeAspect="1"/>
-          </p:cNvPicPr>
-          <p:nvPr/>
-        </p:nvPicPr>
-        <p:blipFill>
-          <a:blip r:embed="rId3" cstate="print">
-            <a:duotone>
-              <a:prstClr val="black"/>
-              <a:srgbClr val="00FF00">
-                <a:tint val="45000"/>
-                <a:satMod val="400000"/>
-              </a:srgbClr>
-            </a:duotone>
-            <a:extLst>
-              <a:ext uri="{28A0092B-C50C-407E-A947-70E740481C1C}">
-                <a14:useLocalDpi xmlns:a14="http://schemas.microsoft.com/office/drawing/2010/main" val="0"/>
-              </a:ext>
-            </a:extLst>
-          </a:blip>
-          <a:stretch>
-            <a:fillRect/>
-          </a:stretch>
-        </p:blipFill>
-        <p:spPr>
-          <a:xfrm>
-            <a:off x="8211929" y="1920743"/>
-            <a:ext cx="805227" cy="1078328"/>
-          </a:xfrm>
-          <a:prstGeom prst="rect">
-            <a:avLst/>
-          </a:prstGeom>
-        </p:spPr>
-      </p:pic>
-      <p:pic>
-        <p:nvPicPr>
-          <p:cNvPr id="39" name="Picture 38"/>
-          <p:cNvPicPr>
-            <a:picLocks noChangeAspect="1"/>
-          </p:cNvPicPr>
-          <p:nvPr/>
-        </p:nvPicPr>
-        <p:blipFill>
-          <a:blip r:embed="rId2" cstate="print">
-            <a:duotone>
-              <a:prstClr val="black"/>
-              <a:srgbClr val="00FF00">
-                <a:tint val="45000"/>
-                <a:satMod val="400000"/>
-              </a:srgbClr>
-            </a:duotone>
-            <a:extLst>
-              <a:ext uri="{28A0092B-C50C-407E-A947-70E740481C1C}">
-                <a14:useLocalDpi xmlns:a14="http://schemas.microsoft.com/office/drawing/2010/main" val="0"/>
-              </a:ext>
-            </a:extLst>
-          </a:blip>
-          <a:stretch>
-            <a:fillRect/>
-          </a:stretch>
-        </p:blipFill>
-        <p:spPr>
-          <a:xfrm>
-            <a:off x="7024992" y="1919970"/>
-            <a:ext cx="828892" cy="1078328"/>
           </a:xfrm>
           <a:prstGeom prst="rect">
             <a:avLst/>
@@ -39450,6 +39684,565 @@
           </a:p>
         </p:txBody>
       </p:sp>
+      <p:pic>
+        <p:nvPicPr>
+          <p:cNvPr id="24" name="Picture 23">
+            <a:extLst>
+              <a:ext uri="{FF2B5EF4-FFF2-40B4-BE49-F238E27FC236}">
+                <a16:creationId xmlns:a16="http://schemas.microsoft.com/office/drawing/2014/main" id="{6A51D5C2-5401-154F-A75D-6BC3319D649C}"/>
+              </a:ext>
+            </a:extLst>
+          </p:cNvPr>
+          <p:cNvPicPr>
+            <a:picLocks noChangeAspect="1"/>
+          </p:cNvPicPr>
+          <p:nvPr/>
+        </p:nvPicPr>
+        <p:blipFill>
+          <a:blip r:embed="rId2" cstate="print">
+            <a:duotone>
+              <a:prstClr val="black"/>
+              <a:srgbClr val="00FF00">
+                <a:tint val="45000"/>
+                <a:satMod val="400000"/>
+              </a:srgbClr>
+            </a:duotone>
+            <a:extLst>
+              <a:ext uri="{28A0092B-C50C-407E-A947-70E740481C1C}">
+                <a14:useLocalDpi xmlns:a14="http://schemas.microsoft.com/office/drawing/2010/main" val="0"/>
+              </a:ext>
+            </a:extLst>
+          </a:blip>
+          <a:stretch>
+            <a:fillRect/>
+          </a:stretch>
+        </p:blipFill>
+        <p:spPr>
+          <a:xfrm>
+            <a:off x="1734074" y="3029564"/>
+            <a:ext cx="828892" cy="1078328"/>
+          </a:xfrm>
+          <a:prstGeom prst="rect">
+            <a:avLst/>
+          </a:prstGeom>
+        </p:spPr>
+      </p:pic>
+      <p:pic>
+        <p:nvPicPr>
+          <p:cNvPr id="25" name="Picture 24">
+            <a:extLst>
+              <a:ext uri="{FF2B5EF4-FFF2-40B4-BE49-F238E27FC236}">
+                <a16:creationId xmlns:a16="http://schemas.microsoft.com/office/drawing/2014/main" id="{DC6AD240-01F5-9F4D-AD55-239D8CC55A3D}"/>
+              </a:ext>
+            </a:extLst>
+          </p:cNvPr>
+          <p:cNvPicPr>
+            <a:picLocks noChangeAspect="1"/>
+          </p:cNvPicPr>
+          <p:nvPr/>
+        </p:nvPicPr>
+        <p:blipFill>
+          <a:blip r:embed="rId3" cstate="print">
+            <a:duotone>
+              <a:prstClr val="black"/>
+              <a:srgbClr val="FFFF6B">
+                <a:tint val="45000"/>
+                <a:satMod val="400000"/>
+              </a:srgbClr>
+            </a:duotone>
+            <a:extLst>
+              <a:ext uri="{28A0092B-C50C-407E-A947-70E740481C1C}">
+                <a14:useLocalDpi xmlns:a14="http://schemas.microsoft.com/office/drawing/2010/main" val="0"/>
+              </a:ext>
+            </a:extLst>
+          </a:blip>
+          <a:stretch>
+            <a:fillRect/>
+          </a:stretch>
+        </p:blipFill>
+        <p:spPr>
+          <a:xfrm>
+            <a:off x="1699232" y="796762"/>
+            <a:ext cx="805227" cy="1078328"/>
+          </a:xfrm>
+          <a:prstGeom prst="rect">
+            <a:avLst/>
+          </a:prstGeom>
+        </p:spPr>
+      </p:pic>
+      <p:pic>
+        <p:nvPicPr>
+          <p:cNvPr id="26" name="Picture 25">
+            <a:extLst>
+              <a:ext uri="{FF2B5EF4-FFF2-40B4-BE49-F238E27FC236}">
+                <a16:creationId xmlns:a16="http://schemas.microsoft.com/office/drawing/2014/main" id="{79907F86-0D76-6645-9D8A-8183554969E0}"/>
+              </a:ext>
+            </a:extLst>
+          </p:cNvPr>
+          <p:cNvPicPr>
+            <a:picLocks noChangeAspect="1"/>
+          </p:cNvPicPr>
+          <p:nvPr/>
+        </p:nvPicPr>
+        <p:blipFill>
+          <a:blip r:embed="rId2" cstate="print">
+            <a:duotone>
+              <a:prstClr val="black"/>
+              <a:srgbClr val="00FF00">
+                <a:tint val="45000"/>
+                <a:satMod val="400000"/>
+              </a:srgbClr>
+            </a:duotone>
+            <a:extLst>
+              <a:ext uri="{28A0092B-C50C-407E-A947-70E740481C1C}">
+                <a14:useLocalDpi xmlns:a14="http://schemas.microsoft.com/office/drawing/2010/main" val="0"/>
+              </a:ext>
+            </a:extLst>
+          </a:blip>
+          <a:stretch>
+            <a:fillRect/>
+          </a:stretch>
+        </p:blipFill>
+        <p:spPr>
+          <a:xfrm>
+            <a:off x="4059855" y="3029564"/>
+            <a:ext cx="828892" cy="1078328"/>
+          </a:xfrm>
+          <a:prstGeom prst="rect">
+            <a:avLst/>
+          </a:prstGeom>
+        </p:spPr>
+      </p:pic>
+      <p:pic>
+        <p:nvPicPr>
+          <p:cNvPr id="27" name="Picture 26">
+            <a:extLst>
+              <a:ext uri="{FF2B5EF4-FFF2-40B4-BE49-F238E27FC236}">
+                <a16:creationId xmlns:a16="http://schemas.microsoft.com/office/drawing/2014/main" id="{4A4EB222-4D60-5F47-9E59-34E78C4E5DCB}"/>
+              </a:ext>
+            </a:extLst>
+          </p:cNvPr>
+          <p:cNvPicPr>
+            <a:picLocks noChangeAspect="1"/>
+          </p:cNvPicPr>
+          <p:nvPr/>
+        </p:nvPicPr>
+        <p:blipFill>
+          <a:blip r:embed="rId2" cstate="print">
+            <a:duotone>
+              <a:prstClr val="black"/>
+              <a:srgbClr val="00FF00">
+                <a:tint val="45000"/>
+                <a:satMod val="400000"/>
+              </a:srgbClr>
+            </a:duotone>
+            <a:extLst>
+              <a:ext uri="{28A0092B-C50C-407E-A947-70E740481C1C}">
+                <a14:useLocalDpi xmlns:a14="http://schemas.microsoft.com/office/drawing/2010/main" val="0"/>
+              </a:ext>
+            </a:extLst>
+          </a:blip>
+          <a:stretch>
+            <a:fillRect/>
+          </a:stretch>
+        </p:blipFill>
+        <p:spPr>
+          <a:xfrm>
+            <a:off x="2847808" y="3029564"/>
+            <a:ext cx="828892" cy="1078328"/>
+          </a:xfrm>
+          <a:prstGeom prst="rect">
+            <a:avLst/>
+          </a:prstGeom>
+        </p:spPr>
+      </p:pic>
+      <p:pic>
+        <p:nvPicPr>
+          <p:cNvPr id="37" name="Picture 36">
+            <a:extLst>
+              <a:ext uri="{FF2B5EF4-FFF2-40B4-BE49-F238E27FC236}">
+                <a16:creationId xmlns:a16="http://schemas.microsoft.com/office/drawing/2014/main" id="{38DB8E22-49DD-B54F-A83E-AFFC6451BD3B}"/>
+              </a:ext>
+            </a:extLst>
+          </p:cNvPr>
+          <p:cNvPicPr>
+            <a:picLocks noChangeAspect="1"/>
+          </p:cNvPicPr>
+          <p:nvPr/>
+        </p:nvPicPr>
+        <p:blipFill>
+          <a:blip r:embed="rId2" cstate="print">
+            <a:duotone>
+              <a:prstClr val="black"/>
+              <a:srgbClr val="00FF00">
+                <a:tint val="45000"/>
+                <a:satMod val="400000"/>
+              </a:srgbClr>
+            </a:duotone>
+            <a:extLst>
+              <a:ext uri="{28A0092B-C50C-407E-A947-70E740481C1C}">
+                <a14:useLocalDpi xmlns:a14="http://schemas.microsoft.com/office/drawing/2010/main" val="0"/>
+              </a:ext>
+            </a:extLst>
+          </a:blip>
+          <a:stretch>
+            <a:fillRect/>
+          </a:stretch>
+        </p:blipFill>
+        <p:spPr>
+          <a:xfrm>
+            <a:off x="6999602" y="1915924"/>
+            <a:ext cx="828892" cy="1078328"/>
+          </a:xfrm>
+          <a:prstGeom prst="rect">
+            <a:avLst/>
+          </a:prstGeom>
+        </p:spPr>
+      </p:pic>
+      <p:pic>
+        <p:nvPicPr>
+          <p:cNvPr id="40" name="Picture 39">
+            <a:extLst>
+              <a:ext uri="{FF2B5EF4-FFF2-40B4-BE49-F238E27FC236}">
+                <a16:creationId xmlns:a16="http://schemas.microsoft.com/office/drawing/2014/main" id="{23E5FAA4-6890-F642-8659-7A61BA4FA820}"/>
+              </a:ext>
+            </a:extLst>
+          </p:cNvPr>
+          <p:cNvPicPr>
+            <a:picLocks noChangeAspect="1"/>
+          </p:cNvPicPr>
+          <p:nvPr/>
+        </p:nvPicPr>
+        <p:blipFill>
+          <a:blip r:embed="rId2" cstate="print">
+            <a:duotone>
+              <a:prstClr val="black"/>
+              <a:srgbClr val="00FF00">
+                <a:tint val="45000"/>
+                <a:satMod val="400000"/>
+              </a:srgbClr>
+            </a:duotone>
+            <a:extLst>
+              <a:ext uri="{28A0092B-C50C-407E-A947-70E740481C1C}">
+                <a14:useLocalDpi xmlns:a14="http://schemas.microsoft.com/office/drawing/2010/main" val="0"/>
+              </a:ext>
+            </a:extLst>
+          </a:blip>
+          <a:stretch>
+            <a:fillRect/>
+          </a:stretch>
+        </p:blipFill>
+        <p:spPr>
+          <a:xfrm>
+            <a:off x="8175244" y="1915924"/>
+            <a:ext cx="828892" cy="1078328"/>
+          </a:xfrm>
+          <a:prstGeom prst="rect">
+            <a:avLst/>
+          </a:prstGeom>
+        </p:spPr>
+      </p:pic>
+      <p:pic>
+        <p:nvPicPr>
+          <p:cNvPr id="41" name="Picture 40">
+            <a:extLst>
+              <a:ext uri="{FF2B5EF4-FFF2-40B4-BE49-F238E27FC236}">
+                <a16:creationId xmlns:a16="http://schemas.microsoft.com/office/drawing/2014/main" id="{15006AC7-EB1A-2347-A5FC-D0453F86CAF0}"/>
+              </a:ext>
+            </a:extLst>
+          </p:cNvPr>
+          <p:cNvPicPr>
+            <a:picLocks noChangeAspect="1"/>
+          </p:cNvPicPr>
+          <p:nvPr/>
+        </p:nvPicPr>
+        <p:blipFill>
+          <a:blip r:embed="rId3" cstate="print">
+            <a:duotone>
+              <a:prstClr val="black"/>
+              <a:srgbClr val="00FF00">
+                <a:tint val="45000"/>
+                <a:satMod val="400000"/>
+              </a:srgbClr>
+            </a:duotone>
+            <a:extLst>
+              <a:ext uri="{28A0092B-C50C-407E-A947-70E740481C1C}">
+                <a14:useLocalDpi xmlns:a14="http://schemas.microsoft.com/office/drawing/2010/main" val="0"/>
+              </a:ext>
+            </a:extLst>
+          </a:blip>
+          <a:stretch>
+            <a:fillRect/>
+          </a:stretch>
+        </p:blipFill>
+        <p:spPr>
+          <a:xfrm>
+            <a:off x="5814620" y="1915924"/>
+            <a:ext cx="805227" cy="1078328"/>
+          </a:xfrm>
+          <a:prstGeom prst="rect">
+            <a:avLst/>
+          </a:prstGeom>
+        </p:spPr>
+      </p:pic>
+      <p:pic>
+        <p:nvPicPr>
+          <p:cNvPr id="42" name="Picture 41">
+            <a:extLst>
+              <a:ext uri="{FF2B5EF4-FFF2-40B4-BE49-F238E27FC236}">
+                <a16:creationId xmlns:a16="http://schemas.microsoft.com/office/drawing/2014/main" id="{EE1FD4F3-2185-A143-8786-075FAE097623}"/>
+              </a:ext>
+            </a:extLst>
+          </p:cNvPr>
+          <p:cNvPicPr>
+            <a:picLocks noChangeAspect="1"/>
+          </p:cNvPicPr>
+          <p:nvPr/>
+        </p:nvPicPr>
+        <p:blipFill>
+          <a:blip r:embed="rId2" cstate="print">
+            <a:duotone>
+              <a:prstClr val="black"/>
+              <a:srgbClr val="00FF00">
+                <a:tint val="45000"/>
+                <a:satMod val="400000"/>
+              </a:srgbClr>
+            </a:duotone>
+            <a:extLst>
+              <a:ext uri="{28A0092B-C50C-407E-A947-70E740481C1C}">
+                <a14:useLocalDpi xmlns:a14="http://schemas.microsoft.com/office/drawing/2010/main" val="0"/>
+              </a:ext>
+            </a:extLst>
+          </a:blip>
+          <a:stretch>
+            <a:fillRect/>
+          </a:stretch>
+        </p:blipFill>
+        <p:spPr>
+          <a:xfrm>
+            <a:off x="8198800" y="771444"/>
+            <a:ext cx="828892" cy="1078328"/>
+          </a:xfrm>
+          <a:prstGeom prst="rect">
+            <a:avLst/>
+          </a:prstGeom>
+        </p:spPr>
+      </p:pic>
+      <p:pic>
+        <p:nvPicPr>
+          <p:cNvPr id="43" name="Picture 42">
+            <a:extLst>
+              <a:ext uri="{FF2B5EF4-FFF2-40B4-BE49-F238E27FC236}">
+                <a16:creationId xmlns:a16="http://schemas.microsoft.com/office/drawing/2014/main" id="{86DA497D-D7F0-AD4A-B24F-848E7D0F041C}"/>
+              </a:ext>
+            </a:extLst>
+          </p:cNvPr>
+          <p:cNvPicPr>
+            <a:picLocks noChangeAspect="1"/>
+          </p:cNvPicPr>
+          <p:nvPr/>
+        </p:nvPicPr>
+        <p:blipFill>
+          <a:blip r:embed="rId3" cstate="print">
+            <a:duotone>
+              <a:prstClr val="black"/>
+              <a:srgbClr val="FFFF6B">
+                <a:tint val="45000"/>
+                <a:satMod val="400000"/>
+              </a:srgbClr>
+            </a:duotone>
+            <a:extLst>
+              <a:ext uri="{28A0092B-C50C-407E-A947-70E740481C1C}">
+                <a14:useLocalDpi xmlns:a14="http://schemas.microsoft.com/office/drawing/2010/main" val="0"/>
+              </a:ext>
+            </a:extLst>
+          </a:blip>
+          <a:stretch>
+            <a:fillRect/>
+          </a:stretch>
+        </p:blipFill>
+        <p:spPr>
+          <a:xfrm>
+            <a:off x="5814621" y="796762"/>
+            <a:ext cx="805227" cy="1078328"/>
+          </a:xfrm>
+          <a:prstGeom prst="rect">
+            <a:avLst/>
+          </a:prstGeom>
+        </p:spPr>
+      </p:pic>
+      <p:pic>
+        <p:nvPicPr>
+          <p:cNvPr id="44" name="Picture 43">
+            <a:extLst>
+              <a:ext uri="{FF2B5EF4-FFF2-40B4-BE49-F238E27FC236}">
+                <a16:creationId xmlns:a16="http://schemas.microsoft.com/office/drawing/2014/main" id="{D4479234-CC8F-4945-A49D-97B1444638FE}"/>
+              </a:ext>
+            </a:extLst>
+          </p:cNvPr>
+          <p:cNvPicPr>
+            <a:picLocks noChangeAspect="1"/>
+          </p:cNvPicPr>
+          <p:nvPr/>
+        </p:nvPicPr>
+        <p:blipFill>
+          <a:blip r:embed="rId2" cstate="print">
+            <a:duotone>
+              <a:prstClr val="black"/>
+              <a:srgbClr val="00FF00">
+                <a:tint val="45000"/>
+                <a:satMod val="400000"/>
+              </a:srgbClr>
+            </a:duotone>
+            <a:extLst>
+              <a:ext uri="{28A0092B-C50C-407E-A947-70E740481C1C}">
+                <a14:useLocalDpi xmlns:a14="http://schemas.microsoft.com/office/drawing/2010/main" val="0"/>
+              </a:ext>
+            </a:extLst>
+          </a:blip>
+          <a:stretch>
+            <a:fillRect/>
+          </a:stretch>
+        </p:blipFill>
+        <p:spPr>
+          <a:xfrm>
+            <a:off x="8175244" y="3029564"/>
+            <a:ext cx="828892" cy="1078328"/>
+          </a:xfrm>
+          <a:prstGeom prst="rect">
+            <a:avLst/>
+          </a:prstGeom>
+        </p:spPr>
+      </p:pic>
+      <p:pic>
+        <p:nvPicPr>
+          <p:cNvPr id="45" name="Picture 44">
+            <a:extLst>
+              <a:ext uri="{FF2B5EF4-FFF2-40B4-BE49-F238E27FC236}">
+                <a16:creationId xmlns:a16="http://schemas.microsoft.com/office/drawing/2014/main" id="{109AE986-40C4-134E-866D-49754E2C8135}"/>
+              </a:ext>
+            </a:extLst>
+          </p:cNvPr>
+          <p:cNvPicPr>
+            <a:picLocks noChangeAspect="1"/>
+          </p:cNvPicPr>
+          <p:nvPr/>
+        </p:nvPicPr>
+        <p:blipFill>
+          <a:blip r:embed="rId2" cstate="print">
+            <a:duotone>
+              <a:prstClr val="black"/>
+              <a:srgbClr val="00FF00">
+                <a:tint val="45000"/>
+                <a:satMod val="400000"/>
+              </a:srgbClr>
+            </a:duotone>
+            <a:extLst>
+              <a:ext uri="{28A0092B-C50C-407E-A947-70E740481C1C}">
+                <a14:useLocalDpi xmlns:a14="http://schemas.microsoft.com/office/drawing/2010/main" val="0"/>
+              </a:ext>
+            </a:extLst>
+          </a:blip>
+          <a:stretch>
+            <a:fillRect/>
+          </a:stretch>
+        </p:blipFill>
+        <p:spPr>
+          <a:xfrm>
+            <a:off x="6963197" y="3029564"/>
+            <a:ext cx="828892" cy="1078328"/>
+          </a:xfrm>
+          <a:prstGeom prst="rect">
+            <a:avLst/>
+          </a:prstGeom>
+        </p:spPr>
+      </p:pic>
+      <p:pic>
+        <p:nvPicPr>
+          <p:cNvPr id="46" name="Picture 45">
+            <a:extLst>
+              <a:ext uri="{FF2B5EF4-FFF2-40B4-BE49-F238E27FC236}">
+                <a16:creationId xmlns:a16="http://schemas.microsoft.com/office/drawing/2014/main" id="{02CDAACF-254B-9B4F-95CA-23D34D71E011}"/>
+              </a:ext>
+            </a:extLst>
+          </p:cNvPr>
+          <p:cNvPicPr>
+            <a:picLocks noChangeAspect="1"/>
+          </p:cNvPicPr>
+          <p:nvPr/>
+        </p:nvPicPr>
+        <p:blipFill>
+          <a:blip r:embed="rId2" cstate="print">
+            <a:duotone>
+              <a:prstClr val="black"/>
+              <a:srgbClr val="00FF00">
+                <a:tint val="45000"/>
+                <a:satMod val="400000"/>
+              </a:srgbClr>
+            </a:duotone>
+            <a:extLst>
+              <a:ext uri="{28A0092B-C50C-407E-A947-70E740481C1C}">
+                <a14:useLocalDpi xmlns:a14="http://schemas.microsoft.com/office/drawing/2010/main" val="0"/>
+              </a:ext>
+            </a:extLst>
+          </a:blip>
+          <a:stretch>
+            <a:fillRect/>
+          </a:stretch>
+        </p:blipFill>
+        <p:spPr>
+          <a:xfrm>
+            <a:off x="7025077" y="764951"/>
+            <a:ext cx="828892" cy="1078328"/>
+          </a:xfrm>
+          <a:prstGeom prst="rect">
+            <a:avLst/>
+          </a:prstGeom>
+        </p:spPr>
+      </p:pic>
+      <p:pic>
+        <p:nvPicPr>
+          <p:cNvPr id="47" name="Picture 46">
+            <a:extLst>
+              <a:ext uri="{FF2B5EF4-FFF2-40B4-BE49-F238E27FC236}">
+                <a16:creationId xmlns:a16="http://schemas.microsoft.com/office/drawing/2014/main" id="{4E452A5E-37B6-DE4F-834B-4C25A2FB3519}"/>
+              </a:ext>
+            </a:extLst>
+          </p:cNvPr>
+          <p:cNvPicPr>
+            <a:picLocks noChangeAspect="1"/>
+          </p:cNvPicPr>
+          <p:nvPr/>
+        </p:nvPicPr>
+        <p:blipFill>
+          <a:blip r:embed="rId3" cstate="print">
+            <a:duotone>
+              <a:prstClr val="black"/>
+              <a:srgbClr val="FFFF6B">
+                <a:tint val="45000"/>
+                <a:satMod val="400000"/>
+              </a:srgbClr>
+            </a:duotone>
+            <a:extLst>
+              <a:ext uri="{28A0092B-C50C-407E-A947-70E740481C1C}">
+                <a14:useLocalDpi xmlns:a14="http://schemas.microsoft.com/office/drawing/2010/main" val="0"/>
+              </a:ext>
+            </a:extLst>
+          </a:blip>
+          <a:stretch>
+            <a:fillRect/>
+          </a:stretch>
+        </p:blipFill>
+        <p:spPr>
+          <a:xfrm>
+            <a:off x="5828761" y="3029564"/>
+            <a:ext cx="805227" cy="1078328"/>
+          </a:xfrm>
+          <a:prstGeom prst="rect">
+            <a:avLst/>
+          </a:prstGeom>
+        </p:spPr>
+      </p:pic>
     </p:spTree>
     <p:extLst>
       <p:ext uri="{BB962C8B-B14F-4D97-AF65-F5344CB8AC3E}">
@@ -40119,198 +40912,13 @@
           <a:p>
             <a:r>
               <a:rPr lang="en-GB" sz="2800" dirty="0"/>
-              <a:t>On the winning card three of the objects are ___</a:t>
+              <a:t>On the winning card six of the objects are ___</a:t>
             </a:r>
           </a:p>
         </p:txBody>
       </p:sp>
       <p:pic>
         <p:nvPicPr>
-          <p:cNvPr id="23" name="Picture 22"/>
-          <p:cNvPicPr>
-            <a:picLocks noChangeAspect="1"/>
-          </p:cNvPicPr>
-          <p:nvPr/>
-        </p:nvPicPr>
-        <p:blipFill>
-          <a:blip r:embed="rId2">
-            <a:duotone>
-              <a:prstClr val="black"/>
-              <a:srgbClr val="FF99CC">
-                <a:tint val="45000"/>
-                <a:satMod val="400000"/>
-              </a:srgbClr>
-            </a:duotone>
-            <a:extLst>
-              <a:ext uri="{28A0092B-C50C-407E-A947-70E740481C1C}">
-                <a14:useLocalDpi xmlns:a14="http://schemas.microsoft.com/office/drawing/2010/main" val="0"/>
-              </a:ext>
-            </a:extLst>
-          </a:blip>
-          <a:stretch>
-            <a:fillRect/>
-          </a:stretch>
-        </p:blipFill>
-        <p:spPr>
-          <a:xfrm>
-            <a:off x="6897861" y="942384"/>
-            <a:ext cx="1096306" cy="848605"/>
-          </a:xfrm>
-          <a:prstGeom prst="rect">
-            <a:avLst/>
-          </a:prstGeom>
-        </p:spPr>
-      </p:pic>
-      <p:pic>
-        <p:nvPicPr>
-          <p:cNvPr id="29" name="Picture 28"/>
-          <p:cNvPicPr>
-            <a:picLocks noChangeAspect="1"/>
-          </p:cNvPicPr>
-          <p:nvPr/>
-        </p:nvPicPr>
-        <p:blipFill>
-          <a:blip r:embed="rId2">
-            <a:duotone>
-              <a:prstClr val="black"/>
-              <a:srgbClr val="FF99CC">
-                <a:tint val="45000"/>
-                <a:satMod val="400000"/>
-              </a:srgbClr>
-            </a:duotone>
-            <a:extLst>
-              <a:ext uri="{28A0092B-C50C-407E-A947-70E740481C1C}">
-                <a14:useLocalDpi xmlns:a14="http://schemas.microsoft.com/office/drawing/2010/main" val="0"/>
-              </a:ext>
-            </a:extLst>
-          </a:blip>
-          <a:stretch>
-            <a:fillRect/>
-          </a:stretch>
-        </p:blipFill>
-        <p:spPr>
-          <a:xfrm>
-            <a:off x="7998510" y="942384"/>
-            <a:ext cx="1096306" cy="848605"/>
-          </a:xfrm>
-          <a:prstGeom prst="rect">
-            <a:avLst/>
-          </a:prstGeom>
-        </p:spPr>
-      </p:pic>
-      <p:pic>
-        <p:nvPicPr>
-          <p:cNvPr id="30" name="Picture 29"/>
-          <p:cNvPicPr>
-            <a:picLocks noChangeAspect="1"/>
-          </p:cNvPicPr>
-          <p:nvPr/>
-        </p:nvPicPr>
-        <p:blipFill>
-          <a:blip r:embed="rId2">
-            <a:duotone>
-              <a:prstClr val="black"/>
-              <a:srgbClr val="FF99CC">
-                <a:tint val="45000"/>
-                <a:satMod val="400000"/>
-              </a:srgbClr>
-            </a:duotone>
-            <a:extLst>
-              <a:ext uri="{28A0092B-C50C-407E-A947-70E740481C1C}">
-                <a14:useLocalDpi xmlns:a14="http://schemas.microsoft.com/office/drawing/2010/main" val="0"/>
-              </a:ext>
-            </a:extLst>
-          </a:blip>
-          <a:stretch>
-            <a:fillRect/>
-          </a:stretch>
-        </p:blipFill>
-        <p:spPr>
-          <a:xfrm>
-            <a:off x="5797212" y="945491"/>
-            <a:ext cx="1096306" cy="848605"/>
-          </a:xfrm>
-          <a:prstGeom prst="rect">
-            <a:avLst/>
-          </a:prstGeom>
-        </p:spPr>
-      </p:pic>
-      <p:pic>
-        <p:nvPicPr>
-          <p:cNvPr id="33" name="Picture 32"/>
-          <p:cNvPicPr>
-            <a:picLocks noChangeAspect="1"/>
-          </p:cNvPicPr>
-          <p:nvPr/>
-        </p:nvPicPr>
-        <p:blipFill>
-          <a:blip r:embed="rId2">
-            <a:duotone>
-              <a:prstClr val="black"/>
-              <a:srgbClr val="FF99CC">
-                <a:tint val="45000"/>
-                <a:satMod val="400000"/>
-              </a:srgbClr>
-            </a:duotone>
-            <a:extLst>
-              <a:ext uri="{28A0092B-C50C-407E-A947-70E740481C1C}">
-                <a14:useLocalDpi xmlns:a14="http://schemas.microsoft.com/office/drawing/2010/main" val="0"/>
-              </a:ext>
-            </a:extLst>
-          </a:blip>
-          <a:stretch>
-            <a:fillRect/>
-          </a:stretch>
-        </p:blipFill>
-        <p:spPr>
-          <a:xfrm>
-            <a:off x="7998510" y="2037452"/>
-            <a:ext cx="1096306" cy="848605"/>
-          </a:xfrm>
-          <a:prstGeom prst="rect">
-            <a:avLst/>
-          </a:prstGeom>
-        </p:spPr>
-      </p:pic>
-      <p:pic>
-        <p:nvPicPr>
-          <p:cNvPr id="36" name="Picture 35"/>
-          <p:cNvPicPr>
-            <a:picLocks noChangeAspect="1"/>
-          </p:cNvPicPr>
-          <p:nvPr/>
-        </p:nvPicPr>
-        <p:blipFill>
-          <a:blip r:embed="rId2">
-            <a:duotone>
-              <a:prstClr val="black"/>
-              <a:srgbClr val="FFFF00">
-                <a:tint val="45000"/>
-                <a:satMod val="400000"/>
-              </a:srgbClr>
-            </a:duotone>
-            <a:extLst>
-              <a:ext uri="{28A0092B-C50C-407E-A947-70E740481C1C}">
-                <a14:useLocalDpi xmlns:a14="http://schemas.microsoft.com/office/drawing/2010/main" val="0"/>
-              </a:ext>
-            </a:extLst>
-          </a:blip>
-          <a:stretch>
-            <a:fillRect/>
-          </a:stretch>
-        </p:blipFill>
-        <p:spPr>
-          <a:xfrm>
-            <a:off x="7993938" y="3132520"/>
-            <a:ext cx="1096306" cy="848605"/>
-          </a:xfrm>
-          <a:prstGeom prst="rect">
-            <a:avLst/>
-          </a:prstGeom>
-        </p:spPr>
-      </p:pic>
-      <p:pic>
-        <p:nvPicPr>
           <p:cNvPr id="38" name="Picture 37"/>
           <p:cNvPicPr>
             <a:picLocks noChangeAspect="1"/>
@@ -40422,191 +41030,6 @@
       </p:pic>
       <p:pic>
         <p:nvPicPr>
-          <p:cNvPr id="42" name="Picture 41"/>
-          <p:cNvPicPr>
-            <a:picLocks noChangeAspect="1"/>
-          </p:cNvPicPr>
-          <p:nvPr/>
-        </p:nvPicPr>
-        <p:blipFill>
-          <a:blip r:embed="rId2">
-            <a:duotone>
-              <a:prstClr val="black"/>
-              <a:srgbClr val="FFFF00">
-                <a:tint val="45000"/>
-                <a:satMod val="400000"/>
-              </a:srgbClr>
-            </a:duotone>
-            <a:extLst>
-              <a:ext uri="{28A0092B-C50C-407E-A947-70E740481C1C}">
-                <a14:useLocalDpi xmlns:a14="http://schemas.microsoft.com/office/drawing/2010/main" val="0"/>
-              </a:ext>
-            </a:extLst>
-          </a:blip>
-          <a:stretch>
-            <a:fillRect/>
-          </a:stretch>
-        </p:blipFill>
-        <p:spPr>
-          <a:xfrm>
-            <a:off x="3851626" y="2037452"/>
-            <a:ext cx="1096306" cy="848605"/>
-          </a:xfrm>
-          <a:prstGeom prst="rect">
-            <a:avLst/>
-          </a:prstGeom>
-        </p:spPr>
-      </p:pic>
-      <p:pic>
-        <p:nvPicPr>
-          <p:cNvPr id="53" name="Picture 52"/>
-          <p:cNvPicPr>
-            <a:picLocks noChangeAspect="1"/>
-          </p:cNvPicPr>
-          <p:nvPr/>
-        </p:nvPicPr>
-        <p:blipFill>
-          <a:blip r:embed="rId3">
-            <a:duotone>
-              <a:prstClr val="black"/>
-              <a:srgbClr val="FFFF00">
-                <a:tint val="45000"/>
-                <a:satMod val="400000"/>
-              </a:srgbClr>
-            </a:duotone>
-            <a:extLst>
-              <a:ext uri="{28A0092B-C50C-407E-A947-70E740481C1C}">
-                <a14:useLocalDpi xmlns:a14="http://schemas.microsoft.com/office/drawing/2010/main" val="0"/>
-              </a:ext>
-            </a:extLst>
-          </a:blip>
-          <a:stretch>
-            <a:fillRect/>
-          </a:stretch>
-        </p:blipFill>
-        <p:spPr>
-          <a:xfrm>
-            <a:off x="7116904" y="2992908"/>
-            <a:ext cx="645237" cy="1179227"/>
-          </a:xfrm>
-          <a:prstGeom prst="rect">
-            <a:avLst/>
-          </a:prstGeom>
-        </p:spPr>
-      </p:pic>
-      <p:pic>
-        <p:nvPicPr>
-          <p:cNvPr id="54" name="Picture 53"/>
-          <p:cNvPicPr>
-            <a:picLocks noChangeAspect="1"/>
-          </p:cNvPicPr>
-          <p:nvPr/>
-        </p:nvPicPr>
-        <p:blipFill>
-          <a:blip r:embed="rId3">
-            <a:duotone>
-              <a:prstClr val="black"/>
-              <a:srgbClr val="FFFF00">
-                <a:tint val="45000"/>
-                <a:satMod val="400000"/>
-              </a:srgbClr>
-            </a:duotone>
-            <a:extLst>
-              <a:ext uri="{28A0092B-C50C-407E-A947-70E740481C1C}">
-                <a14:useLocalDpi xmlns:a14="http://schemas.microsoft.com/office/drawing/2010/main" val="0"/>
-              </a:ext>
-            </a:extLst>
-          </a:blip>
-          <a:stretch>
-            <a:fillRect/>
-          </a:stretch>
-        </p:blipFill>
-        <p:spPr>
-          <a:xfrm>
-            <a:off x="6016915" y="1875247"/>
-            <a:ext cx="645237" cy="1179227"/>
-          </a:xfrm>
-          <a:prstGeom prst="rect">
-            <a:avLst/>
-          </a:prstGeom>
-        </p:spPr>
-      </p:pic>
-      <p:pic>
-        <p:nvPicPr>
-          <p:cNvPr id="55" name="Picture 54"/>
-          <p:cNvPicPr>
-            <a:picLocks noChangeAspect="1"/>
-          </p:cNvPicPr>
-          <p:nvPr/>
-        </p:nvPicPr>
-        <p:blipFill>
-          <a:blip r:embed="rId3">
-            <a:duotone>
-              <a:prstClr val="black"/>
-              <a:srgbClr val="FFFF00">
-                <a:tint val="45000"/>
-                <a:satMod val="400000"/>
-              </a:srgbClr>
-            </a:duotone>
-            <a:extLst>
-              <a:ext uri="{28A0092B-C50C-407E-A947-70E740481C1C}">
-                <a14:useLocalDpi xmlns:a14="http://schemas.microsoft.com/office/drawing/2010/main" val="0"/>
-              </a:ext>
-            </a:extLst>
-          </a:blip>
-          <a:stretch>
-            <a:fillRect/>
-          </a:stretch>
-        </p:blipFill>
-        <p:spPr>
-          <a:xfrm>
-            <a:off x="6006134" y="2967208"/>
-            <a:ext cx="645237" cy="1179227"/>
-          </a:xfrm>
-          <a:prstGeom prst="rect">
-            <a:avLst/>
-          </a:prstGeom>
-        </p:spPr>
-      </p:pic>
-      <p:pic>
-        <p:nvPicPr>
-          <p:cNvPr id="56" name="Picture 55"/>
-          <p:cNvPicPr>
-            <a:picLocks noChangeAspect="1"/>
-          </p:cNvPicPr>
-          <p:nvPr/>
-        </p:nvPicPr>
-        <p:blipFill>
-          <a:blip r:embed="rId3">
-            <a:duotone>
-              <a:prstClr val="black"/>
-              <a:srgbClr val="FFFF00">
-                <a:tint val="45000"/>
-                <a:satMod val="400000"/>
-              </a:srgbClr>
-            </a:duotone>
-            <a:extLst>
-              <a:ext uri="{28A0092B-C50C-407E-A947-70E740481C1C}">
-                <a14:useLocalDpi xmlns:a14="http://schemas.microsoft.com/office/drawing/2010/main" val="0"/>
-              </a:ext>
-            </a:extLst>
-          </a:blip>
-          <a:stretch>
-            <a:fillRect/>
-          </a:stretch>
-        </p:blipFill>
-        <p:spPr>
-          <a:xfrm>
-            <a:off x="2942122" y="1890571"/>
-            <a:ext cx="645237" cy="1179227"/>
-          </a:xfrm>
-          <a:prstGeom prst="rect">
-            <a:avLst/>
-          </a:prstGeom>
-        </p:spPr>
-      </p:pic>
-      <p:pic>
-        <p:nvPicPr>
           <p:cNvPr id="57" name="Picture 56"/>
           <p:cNvPicPr>
             <a:picLocks noChangeAspect="1"/>
@@ -40671,119 +41094,8 @@
         </p:blipFill>
         <p:spPr>
           <a:xfrm>
-            <a:off x="1875423" y="1890571"/>
+            <a:off x="4130263" y="3010725"/>
             <a:ext cx="645237" cy="1179227"/>
-          </a:xfrm>
-          <a:prstGeom prst="rect">
-            <a:avLst/>
-          </a:prstGeom>
-        </p:spPr>
-      </p:pic>
-      <p:pic>
-        <p:nvPicPr>
-          <p:cNvPr id="59" name="Picture 58"/>
-          <p:cNvPicPr>
-            <a:picLocks noChangeAspect="1"/>
-          </p:cNvPicPr>
-          <p:nvPr/>
-        </p:nvPicPr>
-        <p:blipFill>
-          <a:blip r:embed="rId3">
-            <a:duotone>
-              <a:prstClr val="black"/>
-              <a:srgbClr val="FFFF00">
-                <a:tint val="45000"/>
-                <a:satMod val="400000"/>
-              </a:srgbClr>
-            </a:duotone>
-            <a:extLst>
-              <a:ext uri="{28A0092B-C50C-407E-A947-70E740481C1C}">
-                <a14:useLocalDpi xmlns:a14="http://schemas.microsoft.com/office/drawing/2010/main" val="0"/>
-              </a:ext>
-            </a:extLst>
-          </a:blip>
-          <a:stretch>
-            <a:fillRect/>
-          </a:stretch>
-        </p:blipFill>
-        <p:spPr>
-          <a:xfrm>
-            <a:off x="1864642" y="2982532"/>
-            <a:ext cx="645237" cy="1179227"/>
-          </a:xfrm>
-          <a:prstGeom prst="rect">
-            <a:avLst/>
-          </a:prstGeom>
-        </p:spPr>
-      </p:pic>
-      <p:pic>
-        <p:nvPicPr>
-          <p:cNvPr id="61" name="Picture 60"/>
-          <p:cNvPicPr>
-            <a:picLocks noChangeAspect="1"/>
-          </p:cNvPicPr>
-          <p:nvPr/>
-        </p:nvPicPr>
-        <p:blipFill>
-          <a:blip r:embed="rId2">
-            <a:duotone>
-              <a:prstClr val="black"/>
-              <a:srgbClr val="FFFF00">
-                <a:tint val="45000"/>
-                <a:satMod val="400000"/>
-              </a:srgbClr>
-            </a:duotone>
-            <a:extLst>
-              <a:ext uri="{28A0092B-C50C-407E-A947-70E740481C1C}">
-                <a14:useLocalDpi xmlns:a14="http://schemas.microsoft.com/office/drawing/2010/main" val="0"/>
-              </a:ext>
-            </a:extLst>
-          </a:blip>
-          <a:stretch>
-            <a:fillRect/>
-          </a:stretch>
-        </p:blipFill>
-        <p:spPr>
-          <a:xfrm>
-            <a:off x="3851626" y="3132520"/>
-            <a:ext cx="1096306" cy="848605"/>
-          </a:xfrm>
-          <a:prstGeom prst="rect">
-            <a:avLst/>
-          </a:prstGeom>
-        </p:spPr>
-      </p:pic>
-      <p:pic>
-        <p:nvPicPr>
-          <p:cNvPr id="62" name="Picture 61"/>
-          <p:cNvPicPr>
-            <a:picLocks noChangeAspect="1"/>
-          </p:cNvPicPr>
-          <p:nvPr/>
-        </p:nvPicPr>
-        <p:blipFill>
-          <a:blip r:embed="rId2">
-            <a:duotone>
-              <a:prstClr val="black"/>
-              <a:srgbClr val="FFFF00">
-                <a:tint val="45000"/>
-                <a:satMod val="400000"/>
-              </a:srgbClr>
-            </a:duotone>
-            <a:extLst>
-              <a:ext uri="{28A0092B-C50C-407E-A947-70E740481C1C}">
-                <a14:useLocalDpi xmlns:a14="http://schemas.microsoft.com/office/drawing/2010/main" val="0"/>
-              </a:ext>
-            </a:extLst>
-          </a:blip>
-          <a:stretch>
-            <a:fillRect/>
-          </a:stretch>
-        </p:blipFill>
-        <p:spPr>
-          <a:xfrm>
-            <a:off x="6891369" y="2040557"/>
-            <a:ext cx="1096306" cy="848605"/>
           </a:xfrm>
           <a:prstGeom prst="rect">
             <a:avLst/>
@@ -40819,6 +41131,565 @@
           </a:p>
         </p:txBody>
       </p:sp>
+      <p:pic>
+        <p:nvPicPr>
+          <p:cNvPr id="27" name="Picture 26">
+            <a:extLst>
+              <a:ext uri="{FF2B5EF4-FFF2-40B4-BE49-F238E27FC236}">
+                <a16:creationId xmlns:a16="http://schemas.microsoft.com/office/drawing/2014/main" id="{4E85A8B4-CF6F-6B4E-94BA-C6F58B6671BE}"/>
+              </a:ext>
+            </a:extLst>
+          </p:cNvPr>
+          <p:cNvPicPr>
+            <a:picLocks noChangeAspect="1"/>
+          </p:cNvPicPr>
+          <p:nvPr/>
+        </p:nvPicPr>
+        <p:blipFill>
+          <a:blip r:embed="rId2">
+            <a:duotone>
+              <a:prstClr val="black"/>
+              <a:srgbClr val="FF99CC">
+                <a:tint val="45000"/>
+                <a:satMod val="400000"/>
+              </a:srgbClr>
+            </a:duotone>
+            <a:extLst>
+              <a:ext uri="{28A0092B-C50C-407E-A947-70E740481C1C}">
+                <a14:useLocalDpi xmlns:a14="http://schemas.microsoft.com/office/drawing/2010/main" val="0"/>
+              </a:ext>
+            </a:extLst>
+          </a:blip>
+          <a:stretch>
+            <a:fillRect/>
+          </a:stretch>
+        </p:blipFill>
+        <p:spPr>
+          <a:xfrm>
+            <a:off x="2705719" y="2015724"/>
+            <a:ext cx="1096306" cy="848605"/>
+          </a:xfrm>
+          <a:prstGeom prst="rect">
+            <a:avLst/>
+          </a:prstGeom>
+        </p:spPr>
+      </p:pic>
+      <p:pic>
+        <p:nvPicPr>
+          <p:cNvPr id="28" name="Picture 27">
+            <a:extLst>
+              <a:ext uri="{FF2B5EF4-FFF2-40B4-BE49-F238E27FC236}">
+                <a16:creationId xmlns:a16="http://schemas.microsoft.com/office/drawing/2014/main" id="{0C85623E-027E-E542-9F12-F118B9B0E204}"/>
+              </a:ext>
+            </a:extLst>
+          </p:cNvPr>
+          <p:cNvPicPr>
+            <a:picLocks noChangeAspect="1"/>
+          </p:cNvPicPr>
+          <p:nvPr/>
+        </p:nvPicPr>
+        <p:blipFill>
+          <a:blip r:embed="rId2">
+            <a:duotone>
+              <a:prstClr val="black"/>
+              <a:srgbClr val="FF99CC">
+                <a:tint val="45000"/>
+                <a:satMod val="400000"/>
+              </a:srgbClr>
+            </a:duotone>
+            <a:extLst>
+              <a:ext uri="{28A0092B-C50C-407E-A947-70E740481C1C}">
+                <a14:useLocalDpi xmlns:a14="http://schemas.microsoft.com/office/drawing/2010/main" val="0"/>
+              </a:ext>
+            </a:extLst>
+          </a:blip>
+          <a:stretch>
+            <a:fillRect/>
+          </a:stretch>
+        </p:blipFill>
+        <p:spPr>
+          <a:xfrm>
+            <a:off x="3806368" y="2015724"/>
+            <a:ext cx="1096306" cy="848605"/>
+          </a:xfrm>
+          <a:prstGeom prst="rect">
+            <a:avLst/>
+          </a:prstGeom>
+        </p:spPr>
+      </p:pic>
+      <p:pic>
+        <p:nvPicPr>
+          <p:cNvPr id="31" name="Picture 30">
+            <a:extLst>
+              <a:ext uri="{FF2B5EF4-FFF2-40B4-BE49-F238E27FC236}">
+                <a16:creationId xmlns:a16="http://schemas.microsoft.com/office/drawing/2014/main" id="{E0F3FDA3-3E7A-9C4C-87A5-6D1C8BAC298F}"/>
+              </a:ext>
+            </a:extLst>
+          </p:cNvPr>
+          <p:cNvPicPr>
+            <a:picLocks noChangeAspect="1"/>
+          </p:cNvPicPr>
+          <p:nvPr/>
+        </p:nvPicPr>
+        <p:blipFill>
+          <a:blip r:embed="rId2">
+            <a:duotone>
+              <a:prstClr val="black"/>
+              <a:srgbClr val="FF99CC">
+                <a:tint val="45000"/>
+                <a:satMod val="400000"/>
+              </a:srgbClr>
+            </a:duotone>
+            <a:extLst>
+              <a:ext uri="{28A0092B-C50C-407E-A947-70E740481C1C}">
+                <a14:useLocalDpi xmlns:a14="http://schemas.microsoft.com/office/drawing/2010/main" val="0"/>
+              </a:ext>
+            </a:extLst>
+          </a:blip>
+          <a:stretch>
+            <a:fillRect/>
+          </a:stretch>
+        </p:blipFill>
+        <p:spPr>
+          <a:xfrm>
+            <a:off x="1605070" y="2018831"/>
+            <a:ext cx="1096306" cy="848605"/>
+          </a:xfrm>
+          <a:prstGeom prst="rect">
+            <a:avLst/>
+          </a:prstGeom>
+        </p:spPr>
+      </p:pic>
+      <p:pic>
+        <p:nvPicPr>
+          <p:cNvPr id="34" name="Picture 33">
+            <a:extLst>
+              <a:ext uri="{FF2B5EF4-FFF2-40B4-BE49-F238E27FC236}">
+                <a16:creationId xmlns:a16="http://schemas.microsoft.com/office/drawing/2014/main" id="{0BE7D1C9-654F-4A4F-B206-FE1D93D79433}"/>
+              </a:ext>
+            </a:extLst>
+          </p:cNvPr>
+          <p:cNvPicPr>
+            <a:picLocks noChangeAspect="1"/>
+          </p:cNvPicPr>
+          <p:nvPr/>
+        </p:nvPicPr>
+        <p:blipFill>
+          <a:blip r:embed="rId2">
+            <a:duotone>
+              <a:prstClr val="black"/>
+              <a:srgbClr val="FF99CC">
+                <a:tint val="45000"/>
+                <a:satMod val="400000"/>
+              </a:srgbClr>
+            </a:duotone>
+            <a:extLst>
+              <a:ext uri="{28A0092B-C50C-407E-A947-70E740481C1C}">
+                <a14:useLocalDpi xmlns:a14="http://schemas.microsoft.com/office/drawing/2010/main" val="0"/>
+              </a:ext>
+            </a:extLst>
+          </a:blip>
+          <a:stretch>
+            <a:fillRect/>
+          </a:stretch>
+        </p:blipFill>
+        <p:spPr>
+          <a:xfrm>
+            <a:off x="6921566" y="916984"/>
+            <a:ext cx="1096306" cy="848605"/>
+          </a:xfrm>
+          <a:prstGeom prst="rect">
+            <a:avLst/>
+          </a:prstGeom>
+        </p:spPr>
+      </p:pic>
+      <p:pic>
+        <p:nvPicPr>
+          <p:cNvPr id="35" name="Picture 34">
+            <a:extLst>
+              <a:ext uri="{FF2B5EF4-FFF2-40B4-BE49-F238E27FC236}">
+                <a16:creationId xmlns:a16="http://schemas.microsoft.com/office/drawing/2014/main" id="{21137E8D-F7A4-2240-98BC-C12A348DB2EC}"/>
+              </a:ext>
+            </a:extLst>
+          </p:cNvPr>
+          <p:cNvPicPr>
+            <a:picLocks noChangeAspect="1"/>
+          </p:cNvPicPr>
+          <p:nvPr/>
+        </p:nvPicPr>
+        <p:blipFill>
+          <a:blip r:embed="rId2">
+            <a:duotone>
+              <a:prstClr val="black"/>
+              <a:srgbClr val="FF99CC">
+                <a:tint val="45000"/>
+                <a:satMod val="400000"/>
+              </a:srgbClr>
+            </a:duotone>
+            <a:extLst>
+              <a:ext uri="{28A0092B-C50C-407E-A947-70E740481C1C}">
+                <a14:useLocalDpi xmlns:a14="http://schemas.microsoft.com/office/drawing/2010/main" val="0"/>
+              </a:ext>
+            </a:extLst>
+          </a:blip>
+          <a:stretch>
+            <a:fillRect/>
+          </a:stretch>
+        </p:blipFill>
+        <p:spPr>
+          <a:xfrm>
+            <a:off x="8022215" y="916984"/>
+            <a:ext cx="1096306" cy="848605"/>
+          </a:xfrm>
+          <a:prstGeom prst="rect">
+            <a:avLst/>
+          </a:prstGeom>
+        </p:spPr>
+      </p:pic>
+      <p:pic>
+        <p:nvPicPr>
+          <p:cNvPr id="37" name="Picture 36">
+            <a:extLst>
+              <a:ext uri="{FF2B5EF4-FFF2-40B4-BE49-F238E27FC236}">
+                <a16:creationId xmlns:a16="http://schemas.microsoft.com/office/drawing/2014/main" id="{479C1608-502C-0C43-AD3A-A03687DE36E2}"/>
+              </a:ext>
+            </a:extLst>
+          </p:cNvPr>
+          <p:cNvPicPr>
+            <a:picLocks noChangeAspect="1"/>
+          </p:cNvPicPr>
+          <p:nvPr/>
+        </p:nvPicPr>
+        <p:blipFill>
+          <a:blip r:embed="rId2">
+            <a:duotone>
+              <a:prstClr val="black"/>
+              <a:srgbClr val="FF99CC">
+                <a:tint val="45000"/>
+                <a:satMod val="400000"/>
+              </a:srgbClr>
+            </a:duotone>
+            <a:extLst>
+              <a:ext uri="{28A0092B-C50C-407E-A947-70E740481C1C}">
+                <a14:useLocalDpi xmlns:a14="http://schemas.microsoft.com/office/drawing/2010/main" val="0"/>
+              </a:ext>
+            </a:extLst>
+          </a:blip>
+          <a:stretch>
+            <a:fillRect/>
+          </a:stretch>
+        </p:blipFill>
+        <p:spPr>
+          <a:xfrm>
+            <a:off x="5820917" y="920091"/>
+            <a:ext cx="1096306" cy="848605"/>
+          </a:xfrm>
+          <a:prstGeom prst="rect">
+            <a:avLst/>
+          </a:prstGeom>
+        </p:spPr>
+      </p:pic>
+      <p:pic>
+        <p:nvPicPr>
+          <p:cNvPr id="41" name="Picture 40">
+            <a:extLst>
+              <a:ext uri="{FF2B5EF4-FFF2-40B4-BE49-F238E27FC236}">
+                <a16:creationId xmlns:a16="http://schemas.microsoft.com/office/drawing/2014/main" id="{1A24190F-C73E-2D43-AD71-AA3614D3AF1D}"/>
+              </a:ext>
+            </a:extLst>
+          </p:cNvPr>
+          <p:cNvPicPr>
+            <a:picLocks noChangeAspect="1"/>
+          </p:cNvPicPr>
+          <p:nvPr/>
+        </p:nvPicPr>
+        <p:blipFill>
+          <a:blip r:embed="rId3">
+            <a:duotone>
+              <a:prstClr val="black"/>
+              <a:srgbClr val="FFFF00">
+                <a:tint val="45000"/>
+                <a:satMod val="400000"/>
+              </a:srgbClr>
+            </a:duotone>
+            <a:extLst>
+              <a:ext uri="{28A0092B-C50C-407E-A947-70E740481C1C}">
+                <a14:useLocalDpi xmlns:a14="http://schemas.microsoft.com/office/drawing/2010/main" val="0"/>
+              </a:ext>
+            </a:extLst>
+          </a:blip>
+          <a:stretch>
+            <a:fillRect/>
+          </a:stretch>
+        </p:blipFill>
+        <p:spPr>
+          <a:xfrm>
+            <a:off x="7140609" y="2982832"/>
+            <a:ext cx="645237" cy="1179227"/>
+          </a:xfrm>
+          <a:prstGeom prst="rect">
+            <a:avLst/>
+          </a:prstGeom>
+        </p:spPr>
+      </p:pic>
+      <p:pic>
+        <p:nvPicPr>
+          <p:cNvPr id="45" name="Picture 44">
+            <a:extLst>
+              <a:ext uri="{FF2B5EF4-FFF2-40B4-BE49-F238E27FC236}">
+                <a16:creationId xmlns:a16="http://schemas.microsoft.com/office/drawing/2014/main" id="{8174D4A5-ECD2-AB41-88D6-B36DCDFB7122}"/>
+              </a:ext>
+            </a:extLst>
+          </p:cNvPr>
+          <p:cNvPicPr>
+            <a:picLocks noChangeAspect="1"/>
+          </p:cNvPicPr>
+          <p:nvPr/>
+        </p:nvPicPr>
+        <p:blipFill>
+          <a:blip r:embed="rId2">
+            <a:duotone>
+              <a:prstClr val="black"/>
+              <a:srgbClr val="FF99CC">
+                <a:tint val="45000"/>
+                <a:satMod val="400000"/>
+              </a:srgbClr>
+            </a:duotone>
+            <a:extLst>
+              <a:ext uri="{28A0092B-C50C-407E-A947-70E740481C1C}">
+                <a14:useLocalDpi xmlns:a14="http://schemas.microsoft.com/office/drawing/2010/main" val="0"/>
+              </a:ext>
+            </a:extLst>
+          </a:blip>
+          <a:stretch>
+            <a:fillRect/>
+          </a:stretch>
+        </p:blipFill>
+        <p:spPr>
+          <a:xfrm>
+            <a:off x="6876308" y="1990324"/>
+            <a:ext cx="1096306" cy="848605"/>
+          </a:xfrm>
+          <a:prstGeom prst="rect">
+            <a:avLst/>
+          </a:prstGeom>
+        </p:spPr>
+      </p:pic>
+      <p:pic>
+        <p:nvPicPr>
+          <p:cNvPr id="46" name="Picture 45">
+            <a:extLst>
+              <a:ext uri="{FF2B5EF4-FFF2-40B4-BE49-F238E27FC236}">
+                <a16:creationId xmlns:a16="http://schemas.microsoft.com/office/drawing/2014/main" id="{5B8ECE7D-3BB3-974C-B349-79AF0F6EF387}"/>
+              </a:ext>
+            </a:extLst>
+          </p:cNvPr>
+          <p:cNvPicPr>
+            <a:picLocks noChangeAspect="1"/>
+          </p:cNvPicPr>
+          <p:nvPr/>
+        </p:nvPicPr>
+        <p:blipFill>
+          <a:blip r:embed="rId2">
+            <a:duotone>
+              <a:prstClr val="black"/>
+              <a:srgbClr val="FF99CC">
+                <a:tint val="45000"/>
+                <a:satMod val="400000"/>
+              </a:srgbClr>
+            </a:duotone>
+            <a:extLst>
+              <a:ext uri="{28A0092B-C50C-407E-A947-70E740481C1C}">
+                <a14:useLocalDpi xmlns:a14="http://schemas.microsoft.com/office/drawing/2010/main" val="0"/>
+              </a:ext>
+            </a:extLst>
+          </a:blip>
+          <a:stretch>
+            <a:fillRect/>
+          </a:stretch>
+        </p:blipFill>
+        <p:spPr>
+          <a:xfrm>
+            <a:off x="7976957" y="1990324"/>
+            <a:ext cx="1096306" cy="848605"/>
+          </a:xfrm>
+          <a:prstGeom prst="rect">
+            <a:avLst/>
+          </a:prstGeom>
+        </p:spPr>
+      </p:pic>
+      <p:pic>
+        <p:nvPicPr>
+          <p:cNvPr id="47" name="Picture 46">
+            <a:extLst>
+              <a:ext uri="{FF2B5EF4-FFF2-40B4-BE49-F238E27FC236}">
+                <a16:creationId xmlns:a16="http://schemas.microsoft.com/office/drawing/2014/main" id="{80A993E2-A7C5-FB49-94CF-4BA3E0F0069D}"/>
+              </a:ext>
+            </a:extLst>
+          </p:cNvPr>
+          <p:cNvPicPr>
+            <a:picLocks noChangeAspect="1"/>
+          </p:cNvPicPr>
+          <p:nvPr/>
+        </p:nvPicPr>
+        <p:blipFill>
+          <a:blip r:embed="rId2">
+            <a:duotone>
+              <a:prstClr val="black"/>
+              <a:srgbClr val="FF99CC">
+                <a:tint val="45000"/>
+                <a:satMod val="400000"/>
+              </a:srgbClr>
+            </a:duotone>
+            <a:extLst>
+              <a:ext uri="{28A0092B-C50C-407E-A947-70E740481C1C}">
+                <a14:useLocalDpi xmlns:a14="http://schemas.microsoft.com/office/drawing/2010/main" val="0"/>
+              </a:ext>
+            </a:extLst>
+          </a:blip>
+          <a:stretch>
+            <a:fillRect/>
+          </a:stretch>
+        </p:blipFill>
+        <p:spPr>
+          <a:xfrm>
+            <a:off x="5775659" y="1993431"/>
+            <a:ext cx="1096306" cy="848605"/>
+          </a:xfrm>
+          <a:prstGeom prst="rect">
+            <a:avLst/>
+          </a:prstGeom>
+        </p:spPr>
+      </p:pic>
+      <p:pic>
+        <p:nvPicPr>
+          <p:cNvPr id="48" name="Picture 47">
+            <a:extLst>
+              <a:ext uri="{FF2B5EF4-FFF2-40B4-BE49-F238E27FC236}">
+                <a16:creationId xmlns:a16="http://schemas.microsoft.com/office/drawing/2014/main" id="{0739465E-52A9-C84F-AB2E-AEB72D02FE9E}"/>
+              </a:ext>
+            </a:extLst>
+          </p:cNvPr>
+          <p:cNvPicPr>
+            <a:picLocks noChangeAspect="1"/>
+          </p:cNvPicPr>
+          <p:nvPr/>
+        </p:nvPicPr>
+        <p:blipFill>
+          <a:blip r:embed="rId3">
+            <a:duotone>
+              <a:prstClr val="black"/>
+              <a:srgbClr val="FFFF00">
+                <a:tint val="45000"/>
+                <a:satMod val="400000"/>
+              </a:srgbClr>
+            </a:duotone>
+            <a:extLst>
+              <a:ext uri="{28A0092B-C50C-407E-A947-70E740481C1C}">
+                <a14:useLocalDpi xmlns:a14="http://schemas.microsoft.com/office/drawing/2010/main" val="0"/>
+              </a:ext>
+            </a:extLst>
+          </a:blip>
+          <a:stretch>
+            <a:fillRect/>
+          </a:stretch>
+        </p:blipFill>
+        <p:spPr>
+          <a:xfrm>
+            <a:off x="5924783" y="2959901"/>
+            <a:ext cx="645237" cy="1179227"/>
+          </a:xfrm>
+          <a:prstGeom prst="rect">
+            <a:avLst/>
+          </a:prstGeom>
+        </p:spPr>
+      </p:pic>
+      <p:pic>
+        <p:nvPicPr>
+          <p:cNvPr id="49" name="Picture 48">
+            <a:extLst>
+              <a:ext uri="{FF2B5EF4-FFF2-40B4-BE49-F238E27FC236}">
+                <a16:creationId xmlns:a16="http://schemas.microsoft.com/office/drawing/2014/main" id="{83EF69DE-8F8E-4B43-9FDF-917530BF0F56}"/>
+              </a:ext>
+            </a:extLst>
+          </p:cNvPr>
+          <p:cNvPicPr>
+            <a:picLocks noChangeAspect="1"/>
+          </p:cNvPicPr>
+          <p:nvPr/>
+        </p:nvPicPr>
+        <p:blipFill>
+          <a:blip r:embed="rId3">
+            <a:duotone>
+              <a:prstClr val="black"/>
+              <a:srgbClr val="FFA0E4">
+                <a:tint val="45000"/>
+                <a:satMod val="400000"/>
+              </a:srgbClr>
+            </a:duotone>
+            <a:extLst>
+              <a:ext uri="{28A0092B-C50C-407E-A947-70E740481C1C}">
+                <a14:useLocalDpi xmlns:a14="http://schemas.microsoft.com/office/drawing/2010/main" val="0"/>
+              </a:ext>
+            </a:extLst>
+          </a:blip>
+          <a:stretch>
+            <a:fillRect/>
+          </a:stretch>
+        </p:blipFill>
+        <p:spPr>
+          <a:xfrm>
+            <a:off x="1727238" y="3008231"/>
+            <a:ext cx="645237" cy="1179227"/>
+          </a:xfrm>
+          <a:prstGeom prst="rect">
+            <a:avLst/>
+          </a:prstGeom>
+        </p:spPr>
+      </p:pic>
+      <p:pic>
+        <p:nvPicPr>
+          <p:cNvPr id="50" name="Picture 49">
+            <a:extLst>
+              <a:ext uri="{FF2B5EF4-FFF2-40B4-BE49-F238E27FC236}">
+                <a16:creationId xmlns:a16="http://schemas.microsoft.com/office/drawing/2014/main" id="{0B750ACB-472E-A045-8C36-0F54A5A0DC5A}"/>
+              </a:ext>
+            </a:extLst>
+          </p:cNvPr>
+          <p:cNvPicPr>
+            <a:picLocks noChangeAspect="1"/>
+          </p:cNvPicPr>
+          <p:nvPr/>
+        </p:nvPicPr>
+        <p:blipFill>
+          <a:blip r:embed="rId2">
+            <a:duotone>
+              <a:prstClr val="black"/>
+              <a:schemeClr val="accent4">
+                <a:tint val="45000"/>
+                <a:satMod val="400000"/>
+              </a:schemeClr>
+            </a:duotone>
+            <a:extLst>
+              <a:ext uri="{28A0092B-C50C-407E-A947-70E740481C1C}">
+                <a14:useLocalDpi xmlns:a14="http://schemas.microsoft.com/office/drawing/2010/main" val="0"/>
+              </a:ext>
+            </a:extLst>
+          </a:blip>
+          <a:stretch>
+            <a:fillRect/>
+          </a:stretch>
+        </p:blipFill>
+        <p:spPr>
+          <a:xfrm>
+            <a:off x="7976957" y="3173541"/>
+            <a:ext cx="1096306" cy="848605"/>
+          </a:xfrm>
+          <a:prstGeom prst="rect">
+            <a:avLst/>
+          </a:prstGeom>
+        </p:spPr>
+      </p:pic>
     </p:spTree>
     <p:extLst>
       <p:ext uri="{BB962C8B-B14F-4D97-AF65-F5344CB8AC3E}">
@@ -43665,4 +44536,299 @@
     </a:ext>
   </a:extLst>
 </a:theme>
+</file>
+
+<file path=ppt/theme/theme2.xml><?xml version="1.0" encoding="utf-8"?>
+<a:theme xmlns:a="http://schemas.openxmlformats.org/drawingml/2006/main" name="Office Theme">
+  <a:themeElements>
+    <a:clrScheme name="Office">
+      <a:dk1>
+        <a:sysClr val="windowText" lastClr="000000"/>
+      </a:dk1>
+      <a:lt1>
+        <a:sysClr val="window" lastClr="FFFFFF"/>
+      </a:lt1>
+      <a:dk2>
+        <a:srgbClr val="44546A"/>
+      </a:dk2>
+      <a:lt2>
+        <a:srgbClr val="E7E6E6"/>
+      </a:lt2>
+      <a:accent1>
+        <a:srgbClr val="4472C4"/>
+      </a:accent1>
+      <a:accent2>
+        <a:srgbClr val="ED7D31"/>
+      </a:accent2>
+      <a:accent3>
+        <a:srgbClr val="A5A5A5"/>
+      </a:accent3>
+      <a:accent4>
+        <a:srgbClr val="FFC000"/>
+      </a:accent4>
+      <a:accent5>
+        <a:srgbClr val="5B9BD5"/>
+      </a:accent5>
+      <a:accent6>
+        <a:srgbClr val="70AD47"/>
+      </a:accent6>
+      <a:hlink>
+        <a:srgbClr val="0563C1"/>
+      </a:hlink>
+      <a:folHlink>
+        <a:srgbClr val="954F72"/>
+      </a:folHlink>
+    </a:clrScheme>
+    <a:fontScheme name="Office">
+      <a:majorFont>
+        <a:latin typeface="Calibri Light" panose="020F0302020204030204"/>
+        <a:ea typeface=""/>
+        <a:cs typeface=""/>
+        <a:font script="Jpan" typeface="游ゴシック Light"/>
+        <a:font script="Hang" typeface="맑은 고딕"/>
+        <a:font script="Hans" typeface="等线 Light"/>
+        <a:font script="Hant" typeface="新細明體"/>
+        <a:font script="Arab" typeface="Times New Roman"/>
+        <a:font script="Hebr" typeface="Times New Roman"/>
+        <a:font script="Thai" typeface="Angsana New"/>
+        <a:font script="Ethi" typeface="Nyala"/>
+        <a:font script="Beng" typeface="Vrinda"/>
+        <a:font script="Gujr" typeface="Shruti"/>
+        <a:font script="Khmr" typeface="MoolBoran"/>
+        <a:font script="Knda" typeface="Tunga"/>
+        <a:font script="Guru" typeface="Raavi"/>
+        <a:font script="Cans" typeface="Euphemia"/>
+        <a:font script="Cher" typeface="Plantagenet Cherokee"/>
+        <a:font script="Yiii" typeface="Microsoft Yi Baiti"/>
+        <a:font script="Tibt" typeface="Microsoft Himalaya"/>
+        <a:font script="Thaa" typeface="MV Boli"/>
+        <a:font script="Deva" typeface="Mangal"/>
+        <a:font script="Telu" typeface="Gautami"/>
+        <a:font script="Taml" typeface="Latha"/>
+        <a:font script="Syrc" typeface="Estrangelo Edessa"/>
+        <a:font script="Orya" typeface="Kalinga"/>
+        <a:font script="Mlym" typeface="Kartika"/>
+        <a:font script="Laoo" typeface="DokChampa"/>
+        <a:font script="Sinh" typeface="Iskoola Pota"/>
+        <a:font script="Mong" typeface="Mongolian Baiti"/>
+        <a:font script="Viet" typeface="Times New Roman"/>
+        <a:font script="Uigh" typeface="Microsoft Uighur"/>
+        <a:font script="Geor" typeface="Sylfaen"/>
+        <a:font script="Armn" typeface="Arial"/>
+        <a:font script="Bugi" typeface="Leelawadee UI"/>
+        <a:font script="Bopo" typeface="Microsoft JhengHei"/>
+        <a:font script="Java" typeface="Javanese Text"/>
+        <a:font script="Lisu" typeface="Segoe UI"/>
+        <a:font script="Mymr" typeface="Myanmar Text"/>
+        <a:font script="Nkoo" typeface="Ebrima"/>
+        <a:font script="Olck" typeface="Nirmala UI"/>
+        <a:font script="Osma" typeface="Ebrima"/>
+        <a:font script="Phag" typeface="Phagspa"/>
+        <a:font script="Syrn" typeface="Estrangelo Edessa"/>
+        <a:font script="Syrj" typeface="Estrangelo Edessa"/>
+        <a:font script="Syre" typeface="Estrangelo Edessa"/>
+        <a:font script="Sora" typeface="Nirmala UI"/>
+        <a:font script="Tale" typeface="Microsoft Tai Le"/>
+        <a:font script="Talu" typeface="Microsoft New Tai Lue"/>
+        <a:font script="Tfng" typeface="Ebrima"/>
+      </a:majorFont>
+      <a:minorFont>
+        <a:latin typeface="Calibri" panose="020F0502020204030204"/>
+        <a:ea typeface=""/>
+        <a:cs typeface=""/>
+        <a:font script="Jpan" typeface="游ゴシック"/>
+        <a:font script="Hang" typeface="맑은 고딕"/>
+        <a:font script="Hans" typeface="等线"/>
+        <a:font script="Hant" typeface="新細明體"/>
+        <a:font script="Arab" typeface="Arial"/>
+        <a:font script="Hebr" typeface="Arial"/>
+        <a:font script="Thai" typeface="Cordia New"/>
+        <a:font script="Ethi" typeface="Nyala"/>
+        <a:font script="Beng" typeface="Vrinda"/>
+        <a:font script="Gujr" typeface="Shruti"/>
+        <a:font script="Khmr" typeface="DaunPenh"/>
+        <a:font script="Knda" typeface="Tunga"/>
+        <a:font script="Guru" typeface="Raavi"/>
+        <a:font script="Cans" typeface="Euphemia"/>
+        <a:font script="Cher" typeface="Plantagenet Cherokee"/>
+        <a:font script="Yiii" typeface="Microsoft Yi Baiti"/>
+        <a:font script="Tibt" typeface="Microsoft Himalaya"/>
+        <a:font script="Thaa" typeface="MV Boli"/>
+        <a:font script="Deva" typeface="Mangal"/>
+        <a:font script="Telu" typeface="Gautami"/>
+        <a:font script="Taml" typeface="Latha"/>
+        <a:font script="Syrc" typeface="Estrangelo Edessa"/>
+        <a:font script="Orya" typeface="Kalinga"/>
+        <a:font script="Mlym" typeface="Kartika"/>
+        <a:font script="Laoo" typeface="DokChampa"/>
+        <a:font script="Sinh" typeface="Iskoola Pota"/>
+        <a:font script="Mong" typeface="Mongolian Baiti"/>
+        <a:font script="Viet" typeface="Arial"/>
+        <a:font script="Uigh" typeface="Microsoft Uighur"/>
+        <a:font script="Geor" typeface="Sylfaen"/>
+        <a:font script="Armn" typeface="Arial"/>
+        <a:font script="Bugi" typeface="Leelawadee UI"/>
+        <a:font script="Bopo" typeface="Microsoft JhengHei"/>
+        <a:font script="Java" typeface="Javanese Text"/>
+        <a:font script="Lisu" typeface="Segoe UI"/>
+        <a:font script="Mymr" typeface="Myanmar Text"/>
+        <a:font script="Nkoo" typeface="Ebrima"/>
+        <a:font script="Olck" typeface="Nirmala UI"/>
+        <a:font script="Osma" typeface="Ebrima"/>
+        <a:font script="Phag" typeface="Phagspa"/>
+        <a:font script="Syrn" typeface="Estrangelo Edessa"/>
+        <a:font script="Syrj" typeface="Estrangelo Edessa"/>
+        <a:font script="Syre" typeface="Estrangelo Edessa"/>
+        <a:font script="Sora" typeface="Nirmala UI"/>
+        <a:font script="Tale" typeface="Microsoft Tai Le"/>
+        <a:font script="Talu" typeface="Microsoft New Tai Lue"/>
+        <a:font script="Tfng" typeface="Ebrima"/>
+      </a:minorFont>
+    </a:fontScheme>
+    <a:fmtScheme name="Office">
+      <a:fillStyleLst>
+        <a:solidFill>
+          <a:schemeClr val="phClr"/>
+        </a:solidFill>
+        <a:gradFill rotWithShape="1">
+          <a:gsLst>
+            <a:gs pos="0">
+              <a:schemeClr val="phClr">
+                <a:lumMod val="110000"/>
+                <a:satMod val="105000"/>
+                <a:tint val="67000"/>
+              </a:schemeClr>
+            </a:gs>
+            <a:gs pos="50000">
+              <a:schemeClr val="phClr">
+                <a:lumMod val="105000"/>
+                <a:satMod val="103000"/>
+                <a:tint val="73000"/>
+              </a:schemeClr>
+            </a:gs>
+            <a:gs pos="100000">
+              <a:schemeClr val="phClr">
+                <a:lumMod val="105000"/>
+                <a:satMod val="109000"/>
+                <a:tint val="81000"/>
+              </a:schemeClr>
+            </a:gs>
+          </a:gsLst>
+          <a:lin ang="5400000" scaled="0"/>
+        </a:gradFill>
+        <a:gradFill rotWithShape="1">
+          <a:gsLst>
+            <a:gs pos="0">
+              <a:schemeClr val="phClr">
+                <a:satMod val="103000"/>
+                <a:lumMod val="102000"/>
+                <a:tint val="94000"/>
+              </a:schemeClr>
+            </a:gs>
+            <a:gs pos="50000">
+              <a:schemeClr val="phClr">
+                <a:satMod val="110000"/>
+                <a:lumMod val="100000"/>
+                <a:shade val="100000"/>
+              </a:schemeClr>
+            </a:gs>
+            <a:gs pos="100000">
+              <a:schemeClr val="phClr">
+                <a:lumMod val="99000"/>
+                <a:satMod val="120000"/>
+                <a:shade val="78000"/>
+              </a:schemeClr>
+            </a:gs>
+          </a:gsLst>
+          <a:lin ang="5400000" scaled="0"/>
+        </a:gradFill>
+      </a:fillStyleLst>
+      <a:lnStyleLst>
+        <a:ln w="6350" cap="flat" cmpd="sng" algn="ctr">
+          <a:solidFill>
+            <a:schemeClr val="phClr"/>
+          </a:solidFill>
+          <a:prstDash val="solid"/>
+          <a:miter lim="800000"/>
+        </a:ln>
+        <a:ln w="12700" cap="flat" cmpd="sng" algn="ctr">
+          <a:solidFill>
+            <a:schemeClr val="phClr"/>
+          </a:solidFill>
+          <a:prstDash val="solid"/>
+          <a:miter lim="800000"/>
+        </a:ln>
+        <a:ln w="19050" cap="flat" cmpd="sng" algn="ctr">
+          <a:solidFill>
+            <a:schemeClr val="phClr"/>
+          </a:solidFill>
+          <a:prstDash val="solid"/>
+          <a:miter lim="800000"/>
+        </a:ln>
+      </a:lnStyleLst>
+      <a:effectStyleLst>
+        <a:effectStyle>
+          <a:effectLst/>
+        </a:effectStyle>
+        <a:effectStyle>
+          <a:effectLst/>
+        </a:effectStyle>
+        <a:effectStyle>
+          <a:effectLst>
+            <a:outerShdw blurRad="57150" dist="19050" dir="5400000" algn="ctr" rotWithShape="0">
+              <a:srgbClr val="000000">
+                <a:alpha val="63000"/>
+              </a:srgbClr>
+            </a:outerShdw>
+          </a:effectLst>
+        </a:effectStyle>
+      </a:effectStyleLst>
+      <a:bgFillStyleLst>
+        <a:solidFill>
+          <a:schemeClr val="phClr"/>
+        </a:solidFill>
+        <a:solidFill>
+          <a:schemeClr val="phClr">
+            <a:tint val="95000"/>
+            <a:satMod val="170000"/>
+          </a:schemeClr>
+        </a:solidFill>
+        <a:gradFill rotWithShape="1">
+          <a:gsLst>
+            <a:gs pos="0">
+              <a:schemeClr val="phClr">
+                <a:tint val="93000"/>
+                <a:satMod val="150000"/>
+                <a:shade val="98000"/>
+                <a:lumMod val="102000"/>
+              </a:schemeClr>
+            </a:gs>
+            <a:gs pos="50000">
+              <a:schemeClr val="phClr">
+                <a:tint val="98000"/>
+                <a:satMod val="130000"/>
+                <a:shade val="90000"/>
+                <a:lumMod val="103000"/>
+              </a:schemeClr>
+            </a:gs>
+            <a:gs pos="100000">
+              <a:schemeClr val="phClr">
+                <a:shade val="63000"/>
+                <a:satMod val="120000"/>
+              </a:schemeClr>
+            </a:gs>
+          </a:gsLst>
+          <a:lin ang="5400000" scaled="0"/>
+        </a:gradFill>
+      </a:bgFillStyleLst>
+    </a:fmtScheme>
+  </a:themeElements>
+  <a:objectDefaults/>
+  <a:extraClrSchemeLst/>
+  <a:extLst>
+    <a:ext uri="{05A4C25C-085E-4340-85A3-A5531E510DB2}">
+      <thm15:themeFamily xmlns:thm15="http://schemas.microsoft.com/office/thememl/2012/main" name="Office Theme" id="{62F939B6-93AF-4DB8-9C6B-D6C7DFDC589F}" vid="{4A3C46E8-61CC-4603-A589-7422A47A8E4A}"/>
+    </a:ext>
+  </a:extLst>
+</a:theme>
 </file>